--- a/spring12/slidesS12/random-walks.pptx
+++ b/spring12/slidesS12/random-walks.pptx
@@ -5,17 +5,17 @@
     <p:sldMasterId id="2147483648" r:id="rId1"/>
   </p:sldMasterIdLst>
   <p:notesMasterIdLst>
-    <p:notesMasterId r:id="rId22"/>
+    <p:notesMasterId r:id="rId23"/>
   </p:notesMasterIdLst>
   <p:handoutMasterIdLst>
-    <p:handoutMasterId r:id="rId23"/>
+    <p:handoutMasterId r:id="rId24"/>
   </p:handoutMasterIdLst>
   <p:sldIdLst>
     <p:sldId id="256" r:id="rId2"/>
-    <p:sldId id="259" r:id="rId3"/>
-    <p:sldId id="299" r:id="rId4"/>
-    <p:sldId id="257" r:id="rId5"/>
-    <p:sldId id="316" r:id="rId6"/>
+    <p:sldId id="330" r:id="rId3"/>
+    <p:sldId id="259" r:id="rId4"/>
+    <p:sldId id="299" r:id="rId5"/>
+    <p:sldId id="257" r:id="rId6"/>
     <p:sldId id="306" r:id="rId7"/>
     <p:sldId id="318" r:id="rId8"/>
     <p:sldId id="322" r:id="rId9"/>
@@ -31,6 +31,7 @@
     <p:sldId id="296" r:id="rId19"/>
     <p:sldId id="300" r:id="rId20"/>
     <p:sldId id="327" r:id="rId21"/>
+    <p:sldId id="329" r:id="rId22"/>
   </p:sldIdLst>
   <p:sldSz cx="9144000" cy="6858000" type="screen4x3"/>
   <p:notesSz cx="9601200" cy="7315200"/>
@@ -1740,7 +1741,7 @@
       </p:grpSpPr>
       <p:sp>
         <p:nvSpPr>
-          <p:cNvPr id="18434" name="Rectangle 7"/>
+          <p:cNvPr id="16386" name="Rectangle 7"/>
           <p:cNvSpPr>
             <a:spLocks noGrp="1" noChangeArrowheads="1"/>
           </p:cNvSpPr>
@@ -1755,7 +1756,7 @@
           <a:bodyPr/>
           <a:lstStyle/>
           <a:p>
-            <a:fld id="{A4AF7493-0068-D940-A45C-0C3B0D58489C}" type="slidenum">
+            <a:fld id="{4E9946D8-74A5-EA4B-AC36-0FBEE73033D6}" type="slidenum">
               <a:rPr lang="en-US"/>
               <a:pPr/>
               <a:t>2</a:t>
@@ -1766,7 +1767,7 @@
       </p:sp>
       <p:sp>
         <p:nvSpPr>
-          <p:cNvPr id="18435" name="Rectangle 2"/>
+          <p:cNvPr id="16387" name="Rectangle 2"/>
           <p:cNvSpPr>
             <a:spLocks noGrp="1" noRot="1" noChangeAspect="1" noChangeArrowheads="1" noTextEdit="1"/>
           </p:cNvSpPr>
@@ -1780,7 +1781,7 @@
       </p:sp>
       <p:sp>
         <p:nvSpPr>
-          <p:cNvPr id="18436" name="Rectangle 3"/>
+          <p:cNvPr id="16388" name="Rectangle 3"/>
           <p:cNvSpPr>
             <a:spLocks noGrp="1" noChangeArrowheads="1"/>
           </p:cNvSpPr>
@@ -1903,6 +1904,97 @@
 </p:notes>
 </file>
 
+<file path=ppt/notesSlides/notesSlide21.xml><?xml version="1.0" encoding="utf-8"?>
+<p:notes xmlns:a="http://schemas.openxmlformats.org/drawingml/2006/main" xmlns:r="http://schemas.openxmlformats.org/officeDocument/2006/relationships" xmlns:p="http://schemas.openxmlformats.org/presentationml/2006/main">
+  <p:cSld>
+    <p:spTree>
+      <p:nvGrpSpPr>
+        <p:cNvPr id="1" name=""/>
+        <p:cNvGrpSpPr/>
+        <p:nvPr/>
+      </p:nvGrpSpPr>
+      <p:grpSpPr>
+        <a:xfrm>
+          <a:off x="0" y="0"/>
+          <a:ext cx="0" cy="0"/>
+          <a:chOff x="0" y="0"/>
+          <a:chExt cx="0" cy="0"/>
+        </a:xfrm>
+      </p:grpSpPr>
+      <p:sp>
+        <p:nvSpPr>
+          <p:cNvPr id="55298" name="Rectangle 7"/>
+          <p:cNvSpPr>
+            <a:spLocks noGrp="1" noChangeArrowheads="1"/>
+          </p:cNvSpPr>
+          <p:nvPr>
+            <p:ph type="sldNum" sz="quarter" idx="5"/>
+          </p:nvPr>
+        </p:nvSpPr>
+        <p:spPr>
+          <a:noFill/>
+        </p:spPr>
+        <p:txBody>
+          <a:bodyPr/>
+          <a:lstStyle/>
+          <a:p>
+            <a:fld id="{1F6FFF5B-E386-1C4F-ACEA-254D00C060D6}" type="slidenum">
+              <a:rPr lang="en-US"/>
+              <a:pPr/>
+              <a:t>21</a:t>
+            </a:fld>
+            <a:endParaRPr lang="en-US"/>
+          </a:p>
+        </p:txBody>
+      </p:sp>
+      <p:sp>
+        <p:nvSpPr>
+          <p:cNvPr id="55299" name="Rectangle 2"/>
+          <p:cNvSpPr>
+            <a:spLocks noGrp="1" noRot="1" noChangeAspect="1" noChangeArrowheads="1" noTextEdit="1"/>
+          </p:cNvSpPr>
+          <p:nvPr>
+            <p:ph type="sldImg"/>
+          </p:nvPr>
+        </p:nvSpPr>
+        <p:spPr>
+          <a:ln/>
+        </p:spPr>
+      </p:sp>
+      <p:sp>
+        <p:nvSpPr>
+          <p:cNvPr id="55300" name="Rectangle 3"/>
+          <p:cNvSpPr>
+            <a:spLocks noGrp="1" noChangeArrowheads="1"/>
+          </p:cNvSpPr>
+          <p:nvPr>
+            <p:ph type="body" idx="1"/>
+          </p:nvPr>
+        </p:nvSpPr>
+        <p:spPr>
+          <a:noFill/>
+          <a:ln/>
+        </p:spPr>
+        <p:txBody>
+          <a:bodyPr/>
+          <a:lstStyle/>
+          <a:p>
+            <a:pPr eaLnBrk="1" hangingPunct="1"/>
+            <a:endParaRPr lang="en-US">
+              <a:latin typeface="Arial" pitchFamily="-111" charset="0"/>
+              <a:ea typeface="ＭＳ Ｐゴシック" pitchFamily="-111" charset="-128"/>
+            </a:endParaRPr>
+          </a:p>
+        </p:txBody>
+      </p:sp>
+    </p:spTree>
+  </p:cSld>
+  <p:clrMapOvr>
+    <a:masterClrMapping/>
+  </p:clrMapOvr>
+</p:notes>
+</file>
+
 <file path=ppt/notesSlides/notesSlide3.xml><?xml version="1.0" encoding="utf-8"?>
 <p:notes xmlns:a="http://schemas.openxmlformats.org/drawingml/2006/main" xmlns:r="http://schemas.openxmlformats.org/officeDocument/2006/relationships" xmlns:p="http://schemas.openxmlformats.org/presentationml/2006/main">
   <p:cSld>
@@ -1922,7 +2014,7 @@
       </p:grpSpPr>
       <p:sp>
         <p:nvSpPr>
-          <p:cNvPr id="22530" name="Rectangle 7"/>
+          <p:cNvPr id="18434" name="Rectangle 7"/>
           <p:cNvSpPr>
             <a:spLocks noGrp="1" noChangeArrowheads="1"/>
           </p:cNvSpPr>
@@ -1937,7 +2029,7 @@
           <a:bodyPr/>
           <a:lstStyle/>
           <a:p>
-            <a:fld id="{894EDB78-E222-BF42-A230-8DA6344B38F5}" type="slidenum">
+            <a:fld id="{A4AF7493-0068-D940-A45C-0C3B0D58489C}" type="slidenum">
               <a:rPr lang="en-US"/>
               <a:pPr/>
               <a:t>3</a:t>
@@ -1948,7 +2040,7 @@
       </p:sp>
       <p:sp>
         <p:nvSpPr>
-          <p:cNvPr id="22531" name="Rectangle 2"/>
+          <p:cNvPr id="18435" name="Rectangle 2"/>
           <p:cNvSpPr>
             <a:spLocks noGrp="1" noRot="1" noChangeAspect="1" noChangeArrowheads="1" noTextEdit="1"/>
           </p:cNvSpPr>
@@ -1962,7 +2054,7 @@
       </p:sp>
       <p:sp>
         <p:nvSpPr>
-          <p:cNvPr id="22532" name="Rectangle 3"/>
+          <p:cNvPr id="18436" name="Rectangle 3"/>
           <p:cNvSpPr>
             <a:spLocks noGrp="1" noChangeArrowheads="1"/>
           </p:cNvSpPr>
@@ -2013,7 +2105,7 @@
       </p:grpSpPr>
       <p:sp>
         <p:nvSpPr>
-          <p:cNvPr id="24578" name="Rectangle 7"/>
+          <p:cNvPr id="22530" name="Rectangle 7"/>
           <p:cNvSpPr>
             <a:spLocks noGrp="1" noChangeArrowheads="1"/>
           </p:cNvSpPr>
@@ -2028,7 +2120,7 @@
           <a:bodyPr/>
           <a:lstStyle/>
           <a:p>
-            <a:fld id="{1BE6F85C-8C46-E24A-8CBF-4FDF53104F69}" type="slidenum">
+            <a:fld id="{894EDB78-E222-BF42-A230-8DA6344B38F5}" type="slidenum">
               <a:rPr lang="en-US"/>
               <a:pPr/>
               <a:t>4</a:t>
@@ -2039,7 +2131,7 @@
       </p:sp>
       <p:sp>
         <p:nvSpPr>
-          <p:cNvPr id="24579" name="Rectangle 2"/>
+          <p:cNvPr id="22531" name="Rectangle 2"/>
           <p:cNvSpPr>
             <a:spLocks noGrp="1" noRot="1" noChangeAspect="1" noChangeArrowheads="1" noTextEdit="1"/>
           </p:cNvSpPr>
@@ -2053,7 +2145,7 @@
       </p:sp>
       <p:sp>
         <p:nvSpPr>
-          <p:cNvPr id="24580" name="Rectangle 3"/>
+          <p:cNvPr id="22532" name="Rectangle 3"/>
           <p:cNvSpPr>
             <a:spLocks noGrp="1" noChangeArrowheads="1"/>
           </p:cNvSpPr>
@@ -2104,53 +2196,33 @@
       </p:grpSpPr>
       <p:sp>
         <p:nvSpPr>
-          <p:cNvPr id="28674" name="Rectangle 7"/>
-          <p:cNvSpPr txBox="1">
+          <p:cNvPr id="24578" name="Rectangle 7"/>
+          <p:cNvSpPr>
             <a:spLocks noGrp="1" noChangeArrowheads="1"/>
           </p:cNvSpPr>
-          <p:nvPr/>
-        </p:nvSpPr>
-        <p:spPr bwMode="auto">
-          <a:xfrm>
-            <a:off x="5440265" y="6949924"/>
-            <a:ext cx="4160936" cy="365276"/>
-          </a:xfrm>
-          <a:prstGeom prst="rect">
-            <a:avLst/>
-          </a:prstGeom>
-          <a:noFill/>
-          <a:ln w="9525">
-            <a:noFill/>
-            <a:miter lim="800000"/>
-            <a:headEnd/>
-            <a:tailEnd/>
-          </a:ln>
-        </p:spPr>
-        <p:txBody>
-          <a:bodyPr lIns="96661" tIns="48331" rIns="96661" bIns="48331" anchor="b">
-            <a:prstTxWarp prst="textNoShape">
-              <a:avLst/>
-            </a:prstTxWarp>
-          </a:bodyPr>
-          <a:lstStyle/>
-          <a:p>
-            <a:pPr algn="r"/>
-            <a:fld id="{C9668FB6-D2BB-A740-94BF-28BC5D7E3447}" type="slidenum">
-              <a:rPr lang="en-US" sz="1300">
-                <a:latin typeface="Arial" pitchFamily="-111" charset="0"/>
-              </a:rPr>
-              <a:pPr algn="r"/>
+          <p:nvPr>
+            <p:ph type="sldNum" sz="quarter" idx="5"/>
+          </p:nvPr>
+        </p:nvSpPr>
+        <p:spPr>
+          <a:noFill/>
+        </p:spPr>
+        <p:txBody>
+          <a:bodyPr/>
+          <a:lstStyle/>
+          <a:p>
+            <a:fld id="{1BE6F85C-8C46-E24A-8CBF-4FDF53104F69}" type="slidenum">
+              <a:rPr lang="en-US"/>
+              <a:pPr/>
               <a:t>5</a:t>
             </a:fld>
-            <a:endParaRPr lang="en-US" sz="1300">
-              <a:latin typeface="Arial" pitchFamily="-111" charset="0"/>
-            </a:endParaRPr>
-          </a:p>
-        </p:txBody>
-      </p:sp>
-      <p:sp>
-        <p:nvSpPr>
-          <p:cNvPr id="28675" name="Rectangle 2"/>
+            <a:endParaRPr lang="en-US"/>
+          </a:p>
+        </p:txBody>
+      </p:sp>
+      <p:sp>
+        <p:nvSpPr>
+          <p:cNvPr id="24579" name="Rectangle 2"/>
           <p:cNvSpPr>
             <a:spLocks noGrp="1" noRot="1" noChangeAspect="1" noChangeArrowheads="1" noTextEdit="1"/>
           </p:cNvSpPr>
@@ -2159,15 +2231,12 @@
           </p:nvPr>
         </p:nvSpPr>
         <p:spPr>
-          <a:solidFill>
-            <a:srgbClr val="FFFFFF"/>
-          </a:solidFill>
           <a:ln/>
         </p:spPr>
       </p:sp>
       <p:sp>
         <p:nvSpPr>
-          <p:cNvPr id="28676" name="Rectangle 3"/>
+          <p:cNvPr id="24580" name="Rectangle 3"/>
           <p:cNvSpPr>
             <a:spLocks noGrp="1" noChangeArrowheads="1"/>
           </p:cNvSpPr>
@@ -2176,14 +2245,8 @@
           </p:nvPr>
         </p:nvSpPr>
         <p:spPr>
-          <a:solidFill>
-            <a:srgbClr val="FFFFFF"/>
-          </a:solidFill>
-          <a:ln>
-            <a:solidFill>
-              <a:srgbClr val="000000"/>
-            </a:solidFill>
-          </a:ln>
+          <a:noFill/>
+          <a:ln/>
         </p:spPr>
         <p:txBody>
           <a:bodyPr/>
@@ -2824,11 +2887,7 @@
             </a:pPr>
             <a:r>
               <a:rPr lang="en-US" dirty="0" smtClean="0"/>
-              <a:t>May </a:t>
-            </a:r>
-            <a:r>
-              <a:rPr lang="en-US" dirty="0" smtClean="0"/>
-              <a:t>16, 2012</a:t>
+              <a:t>May 16, 2012</a:t>
             </a:r>
             <a:endParaRPr lang="en-US" dirty="0"/>
           </a:p>
@@ -3940,11 +3999,7 @@
             </a:pPr>
             <a:r>
               <a:rPr lang="en-US" dirty="0" smtClean="0"/>
-              <a:t>Albert R Meyer,                        May </a:t>
-            </a:r>
-            <a:r>
-              <a:rPr lang="en-US" dirty="0" smtClean="0"/>
-              <a:t>16, 2012</a:t>
+              <a:t>Albert R Meyer,                        May 16, 2012</a:t>
             </a:r>
             <a:endParaRPr lang="en-US" dirty="0"/>
           </a:p>
@@ -4577,8 +4632,8 @@
         </p:nvSpPr>
         <p:spPr>
           <a:xfrm>
-            <a:off x="685800" y="2971800"/>
-            <a:ext cx="7772400" cy="1143000"/>
+            <a:off x="533400" y="1447800"/>
+            <a:ext cx="8153400" cy="2819400"/>
           </a:xfrm>
         </p:spPr>
         <p:txBody>
@@ -4587,9 +4642,14 @@
           <a:p>
             <a:pPr eaLnBrk="1" hangingPunct="1"/>
             <a:r>
-              <a:rPr lang="en-US" sz="6600"/>
-              <a:t>Random Walks</a:t>
-            </a:r>
+              <a:rPr lang="en-US" sz="8800" dirty="0" smtClean="0"/>
+              <a:t>Random </a:t>
+            </a:r>
+            <a:r>
+              <a:rPr lang="en-US" sz="8000" dirty="0" smtClean="0"/>
+              <a:t>Walks</a:t>
+            </a:r>
+            <a:endParaRPr lang="en-US" sz="8800" dirty="0"/>
           </a:p>
         </p:txBody>
       </p:sp>
@@ -4724,11 +4784,7 @@
             </a:pPr>
             <a:r>
               <a:rPr lang="en-US" dirty="0" smtClean="0"/>
-              <a:t>Albert R Meyer,                       </a:t>
-            </a:r>
-            <a:r>
-              <a:rPr lang="en-US" dirty="0" smtClean="0"/>
-              <a:t>May 16, 2012</a:t>
+              <a:t>Albert R Meyer,                       May 16, 2012</a:t>
             </a:r>
             <a:endParaRPr lang="en-US" dirty="0"/>
           </a:p>
@@ -5649,11 +5705,7 @@
             </a:pPr>
             <a:r>
               <a:rPr lang="en-US" dirty="0" smtClean="0"/>
-              <a:t>Albert R Meyer,                       </a:t>
-            </a:r>
-            <a:r>
-              <a:rPr lang="en-US" dirty="0" smtClean="0"/>
-              <a:t>May 16, 2012</a:t>
+              <a:t>Albert R Meyer,                       May 16, 2012</a:t>
             </a:r>
             <a:endParaRPr lang="en-US" dirty="0"/>
           </a:p>
@@ -5675,7 +5727,7 @@
           <a:graphicData uri="http://schemas.openxmlformats.org/presentationml/2006/ole">
             <mc:AlternateContent xmlns:mc="http://schemas.openxmlformats.org/markup-compatibility/2006">
               <mc:Choice xmlns:v="urn:schemas-microsoft-com:vml" Requires="v">
-                <p:oleObj spid="_x0000_s31753" name="Equation" r:id="rId4" imgW="736600" imgH="533400" progId="Equation.DSMT4">
+                <p:oleObj spid="_x0000_s31760" name="Equation" r:id="rId4" imgW="736600" imgH="533400" progId="Equation.DSMT4">
                   <p:embed/>
                 </p:oleObj>
               </mc:Choice>
@@ -7337,11 +7389,7 @@
             </a:pPr>
             <a:r>
               <a:rPr lang="en-US" dirty="0" smtClean="0"/>
-              <a:t>Albert R Meyer,                       </a:t>
-            </a:r>
-            <a:r>
-              <a:rPr lang="en-US" dirty="0" smtClean="0"/>
-              <a:t>May 16, 2012</a:t>
+              <a:t>Albert R Meyer,                       May 16, 2012</a:t>
             </a:r>
             <a:endParaRPr lang="en-US" dirty="0"/>
           </a:p>
@@ -7500,7 +7548,7 @@
           <a:graphicData uri="http://schemas.openxmlformats.org/presentationml/2006/ole">
             <mc:AlternateContent xmlns:mc="http://schemas.openxmlformats.org/markup-compatibility/2006">
               <mc:Choice xmlns:v="urn:schemas-microsoft-com:vml" Requires="v">
-                <p:oleObj spid="_x0000_s100361" name="Equation" r:id="rId4" imgW="736600" imgH="533400" progId="Equation.DSMT4">
+                <p:oleObj spid="_x0000_s100368" name="Equation" r:id="rId4" imgW="736600" imgH="533400" progId="Equation.DSMT4">
                   <p:embed/>
                 </p:oleObj>
               </mc:Choice>
@@ -9115,11 +9163,7 @@
             </a:pPr>
             <a:r>
               <a:rPr lang="en-US" dirty="0" smtClean="0"/>
-              <a:t>Albert R Meyer,                       </a:t>
-            </a:r>
-            <a:r>
-              <a:rPr lang="en-US" dirty="0" smtClean="0"/>
-              <a:t>May 16, 2012</a:t>
+              <a:t>Albert R Meyer,                       May 16, 2012</a:t>
             </a:r>
             <a:endParaRPr lang="en-US" dirty="0"/>
           </a:p>
@@ -9278,7 +9322,7 @@
           <a:graphicData uri="http://schemas.openxmlformats.org/presentationml/2006/ole">
             <mc:AlternateContent xmlns:mc="http://schemas.openxmlformats.org/markup-compatibility/2006">
               <mc:Choice xmlns:v="urn:schemas-microsoft-com:vml" Requires="v">
-                <p:oleObj spid="_x0000_s162825" name="Equation" r:id="rId4" imgW="736600" imgH="533400" progId="Equation.DSMT4">
+                <p:oleObj spid="_x0000_s162832" name="Equation" r:id="rId4" imgW="736600" imgH="533400" progId="Equation.DSMT4">
                   <p:embed/>
                 </p:oleObj>
               </mc:Choice>
@@ -11484,11 +11528,7 @@
             </a:pPr>
             <a:r>
               <a:rPr lang="en-US" dirty="0" smtClean="0"/>
-              <a:t>Albert R Meyer,                       </a:t>
-            </a:r>
-            <a:r>
-              <a:rPr lang="en-US" dirty="0" smtClean="0"/>
-              <a:t>May 16, 2012</a:t>
+              <a:t>Albert R Meyer,                       May 16, 2012</a:t>
             </a:r>
             <a:endParaRPr lang="en-US" dirty="0"/>
           </a:p>
@@ -11510,7 +11550,7 @@
           <a:graphicData uri="http://schemas.openxmlformats.org/presentationml/2006/ole">
             <mc:AlternateContent xmlns:mc="http://schemas.openxmlformats.org/markup-compatibility/2006">
               <mc:Choice xmlns:v="urn:schemas-microsoft-com:vml" Requires="v">
-                <p:oleObj spid="_x0000_s102409" name="Equation" r:id="rId4" imgW="901700" imgH="533400" progId="Equation.DSMT4">
+                <p:oleObj spid="_x0000_s102416" name="Equation" r:id="rId4" imgW="901700" imgH="533400" progId="Equation.DSMT4">
                   <p:embed/>
                 </p:oleObj>
               </mc:Choice>
@@ -12763,11 +12803,7 @@
             </a:pPr>
             <a:r>
               <a:rPr lang="en-US" dirty="0" smtClean="0"/>
-              <a:t>Albert R Meyer,                       </a:t>
-            </a:r>
-            <a:r>
-              <a:rPr lang="en-US" dirty="0" smtClean="0"/>
-              <a:t>May 16, 2012</a:t>
+              <a:t>Albert R Meyer,                       May 16, 2012</a:t>
             </a:r>
             <a:endParaRPr lang="en-US" dirty="0"/>
           </a:p>
@@ -13334,11 +13370,7 @@
             </a:pPr>
             <a:r>
               <a:rPr lang="en-US" dirty="0" smtClean="0"/>
-              <a:t>Albert R Meyer,                       </a:t>
-            </a:r>
-            <a:r>
-              <a:rPr lang="en-US" dirty="0" smtClean="0"/>
-              <a:t>May 16, 2012</a:t>
+              <a:t>Albert R Meyer,                       May 16, 2012</a:t>
             </a:r>
             <a:endParaRPr lang="en-US" dirty="0"/>
           </a:p>
@@ -15007,11 +15039,7 @@
             </a:pPr>
             <a:r>
               <a:rPr lang="en-US" dirty="0" smtClean="0"/>
-              <a:t>Albert R Meyer,                       </a:t>
-            </a:r>
-            <a:r>
-              <a:rPr lang="en-US" dirty="0" smtClean="0"/>
-              <a:t>May 16, 2012</a:t>
+              <a:t>Albert R Meyer,                       May 16, 2012</a:t>
             </a:r>
             <a:endParaRPr lang="en-US" dirty="0"/>
           </a:p>
@@ -16157,11 +16185,7 @@
             </a:pPr>
             <a:r>
               <a:rPr lang="en-US" dirty="0" smtClean="0"/>
-              <a:t>Albert R Meyer,                       </a:t>
-            </a:r>
-            <a:r>
-              <a:rPr lang="en-US" dirty="0" smtClean="0"/>
-              <a:t>May 16, 2012</a:t>
+              <a:t>Albert R Meyer,                       May 16, 2012</a:t>
             </a:r>
             <a:endParaRPr lang="en-US" dirty="0"/>
           </a:p>
@@ -16183,7 +16207,7 @@
           <a:graphicData uri="http://schemas.openxmlformats.org/presentationml/2006/ole">
             <mc:AlternateContent xmlns:mc="http://schemas.openxmlformats.org/markup-compatibility/2006">
               <mc:Choice xmlns:v="urn:schemas-microsoft-com:vml" Requires="v">
-                <p:oleObj spid="_x0000_s114697" name="Equation" r:id="rId4" imgW="914400" imgH="533400" progId="Equation.DSMT4">
+                <p:oleObj spid="_x0000_s114704" name="Equation" r:id="rId4" imgW="914400" imgH="533400" progId="Equation.DSMT4">
                   <p:embed/>
                 </p:oleObj>
               </mc:Choice>
@@ -17282,7 +17306,12 @@
             <p:ph type="body" idx="1"/>
           </p:nvPr>
         </p:nvSpPr>
-        <p:spPr/>
+        <p:spPr>
+          <a:xfrm>
+            <a:off x="381000" y="1219200"/>
+            <a:ext cx="8382000" cy="4800600"/>
+          </a:xfrm>
+        </p:spPr>
         <p:txBody>
           <a:bodyPr/>
           <a:lstStyle/>
@@ -17295,10 +17324,18 @@
               <a:buNone/>
             </a:pPr>
             <a:r>
-              <a:rPr lang="en-US" dirty="0"/>
-              <a:t>View the entire web as a graph</a:t>
-            </a:r>
-            <a:endParaRPr lang="en-US" dirty="0" smtClean="0"/>
+              <a:rPr lang="en-US" sz="4000" dirty="0"/>
+              <a:t>View the entire web as </a:t>
+            </a:r>
+            <a:r>
+              <a:rPr lang="en-US" sz="4000" dirty="0" smtClean="0"/>
+              <a:t>di</a:t>
+            </a:r>
+            <a:r>
+              <a:rPr lang="en-US" sz="4000" dirty="0" smtClean="0"/>
+              <a:t>graph</a:t>
+            </a:r>
+            <a:endParaRPr lang="en-US" sz="4000" dirty="0" smtClean="0"/>
           </a:p>
           <a:p>
             <a:pPr eaLnBrk="1" hangingPunct="1">
@@ -17307,22 +17344,22 @@
               </a:lnSpc>
             </a:pPr>
             <a:r>
-              <a:rPr lang="en-US" dirty="0" smtClean="0"/>
+              <a:rPr lang="en-US" sz="4000" dirty="0" smtClean="0"/>
               <a:t>vertices </a:t>
             </a:r>
             <a:r>
-              <a:rPr lang="en-US" dirty="0"/>
+              <a:rPr lang="en-US" sz="4000" dirty="0"/>
               <a:t>are </a:t>
             </a:r>
             <a:r>
-              <a:rPr lang="en-US" dirty="0" err="1"/>
+              <a:rPr lang="en-US" sz="4000" dirty="0" err="1"/>
               <a:t>webpages</a:t>
             </a:r>
             <a:r>
-              <a:rPr lang="en-US" dirty="0"/>
+              <a:rPr lang="en-US" sz="4000" dirty="0"/>
               <a:t> </a:t>
             </a:r>
-            <a:endParaRPr lang="en-US" dirty="0" smtClean="0"/>
+            <a:endParaRPr lang="en-US" sz="4000" dirty="0" smtClean="0"/>
           </a:p>
           <a:p>
             <a:pPr eaLnBrk="1" hangingPunct="1">
@@ -17331,15 +17368,15 @@
               </a:lnSpc>
             </a:pPr>
             <a:r>
-              <a:rPr lang="en-US" dirty="0" smtClean="0"/>
+              <a:rPr lang="en-US" sz="4000" dirty="0" smtClean="0"/>
               <a:t>edge </a:t>
             </a:r>
             <a:r>
-              <a:rPr lang="en-US" dirty="0"/>
+              <a:rPr lang="en-US" sz="4000" dirty="0"/>
               <a:t>(</a:t>
             </a:r>
             <a:r>
-              <a:rPr lang="en-US" dirty="0" err="1">
+              <a:rPr lang="en-US" sz="4000" dirty="0" err="1">
                 <a:solidFill>
                   <a:srgbClr val="0000FF"/>
                 </a:solidFill>
@@ -17347,11 +17384,11 @@
               <a:t>u,v</a:t>
             </a:r>
             <a:r>
-              <a:rPr lang="en-US" dirty="0"/>
+              <a:rPr lang="en-US" sz="4000" dirty="0"/>
               <a:t>) exists if link from page </a:t>
             </a:r>
             <a:r>
-              <a:rPr lang="en-US" dirty="0" err="1">
+              <a:rPr lang="en-US" sz="4000" dirty="0" err="1">
                 <a:solidFill>
                   <a:srgbClr val="0000FF"/>
                 </a:solidFill>
@@ -17359,18 +17396,18 @@
               <a:t>u</a:t>
             </a:r>
             <a:r>
-              <a:rPr lang="en-US" dirty="0"/>
+              <a:rPr lang="en-US" sz="4000" dirty="0"/>
               <a:t> to page </a:t>
             </a:r>
             <a:r>
-              <a:rPr lang="en-US" dirty="0" err="1">
+              <a:rPr lang="en-US" sz="4000" dirty="0" err="1">
                 <a:solidFill>
                   <a:srgbClr val="0000FF"/>
                 </a:solidFill>
               </a:rPr>
               <a:t>v</a:t>
             </a:r>
-            <a:endParaRPr lang="en-US" dirty="0">
+            <a:endParaRPr lang="en-US" sz="4000" dirty="0">
               <a:solidFill>
                 <a:srgbClr val="0000FF"/>
               </a:solidFill>
@@ -17383,15 +17420,15 @@
               </a:lnSpc>
             </a:pPr>
             <a:r>
-              <a:rPr lang="en-US" dirty="0" err="1"/>
+              <a:rPr lang="en-US" sz="4000" dirty="0" err="1"/>
               <a:t>Pr{go</a:t>
             </a:r>
             <a:r>
-              <a:rPr lang="en-US" dirty="0"/>
+              <a:rPr lang="en-US" sz="4000" dirty="0"/>
               <a:t> to</a:t>
             </a:r>
             <a:r>
-              <a:rPr lang="en-US" dirty="0">
+              <a:rPr lang="en-US" sz="4000" dirty="0">
                 <a:solidFill>
                   <a:srgbClr val="0000FF"/>
                 </a:solidFill>
@@ -17399,7 +17436,7 @@
               <a:t> </a:t>
             </a:r>
             <a:r>
-              <a:rPr lang="en-US" dirty="0" err="1">
+              <a:rPr lang="en-US" sz="4000" dirty="0" err="1">
                 <a:solidFill>
                   <a:srgbClr val="0000FF"/>
                 </a:solidFill>
@@ -17407,11 +17444,11 @@
               <a:t>v</a:t>
             </a:r>
             <a:r>
-              <a:rPr lang="en-US" dirty="0"/>
+              <a:rPr lang="en-US" sz="4000" dirty="0"/>
               <a:t> from </a:t>
             </a:r>
             <a:r>
-              <a:rPr lang="en-US" dirty="0" err="1">
+              <a:rPr lang="en-US" sz="4000" dirty="0" err="1">
                 <a:solidFill>
                   <a:srgbClr val="0000FF"/>
                 </a:solidFill>
@@ -17419,11 +17456,11 @@
               <a:t>u</a:t>
             </a:r>
             <a:r>
-              <a:rPr lang="en-US" dirty="0"/>
+              <a:rPr lang="en-US" sz="4000" dirty="0"/>
               <a:t>} = </a:t>
             </a:r>
             <a:r>
-              <a:rPr lang="en-US" dirty="0">
+              <a:rPr lang="en-US" sz="4000" dirty="0">
                 <a:solidFill>
                   <a:srgbClr val="0000FF"/>
                 </a:solidFill>
@@ -17440,11 +17477,11 @@
               <a:buNone/>
             </a:pPr>
             <a:r>
-              <a:rPr lang="en-US" dirty="0"/>
+              <a:rPr lang="en-US" sz="4000" dirty="0"/>
               <a:t>Find </a:t>
             </a:r>
             <a:r>
-              <a:rPr lang="en-US" dirty="0">
+              <a:rPr lang="en-US" sz="4000" dirty="0">
                 <a:solidFill>
                   <a:srgbClr val="FF00FF"/>
                 </a:solidFill>
@@ -17452,11 +17489,11 @@
               <a:t>stationary distribution</a:t>
             </a:r>
             <a:r>
-              <a:rPr lang="en-US" dirty="0"/>
+              <a:rPr lang="en-US" sz="4000" dirty="0"/>
               <a:t> {</a:t>
             </a:r>
             <a:r>
-              <a:rPr lang="en-US" dirty="0" err="1">
+              <a:rPr lang="en-US" sz="4000" dirty="0" err="1">
                 <a:solidFill>
                   <a:schemeClr val="accent2"/>
                 </a:solidFill>
@@ -17464,7 +17501,7 @@
               <a:t>p</a:t>
             </a:r>
             <a:r>
-              <a:rPr lang="en-US" baseline="-25000" dirty="0" err="1">
+              <a:rPr lang="en-US" sz="4000" baseline="-25000" dirty="0" err="1">
                 <a:solidFill>
                   <a:srgbClr val="0000FF"/>
                 </a:solidFill>
@@ -17472,7 +17509,7 @@
               <a:t>u</a:t>
             </a:r>
             <a:r>
-              <a:rPr lang="en-US" dirty="0"/>
+              <a:rPr lang="en-US" sz="4000" dirty="0"/>
               <a:t>}</a:t>
             </a:r>
           </a:p>
@@ -17485,11 +17522,11 @@
               <a:buNone/>
             </a:pPr>
             <a:r>
-              <a:rPr lang="en-US" dirty="0"/>
+              <a:rPr lang="en-US" sz="4000" dirty="0"/>
               <a:t>Rank </a:t>
             </a:r>
             <a:r>
-              <a:rPr lang="en-US" dirty="0" err="1">
+              <a:rPr lang="en-US" sz="4000" dirty="0" err="1">
                 <a:solidFill>
                   <a:srgbClr val="0000FF"/>
                 </a:solidFill>
@@ -17497,11 +17534,11 @@
               <a:t>u</a:t>
             </a:r>
             <a:r>
-              <a:rPr lang="en-US" dirty="0"/>
+              <a:rPr lang="en-US" sz="4000" dirty="0"/>
               <a:t> above</a:t>
             </a:r>
             <a:r>
-              <a:rPr lang="en-US" dirty="0">
+              <a:rPr lang="en-US" sz="4000" dirty="0">
                 <a:solidFill>
                   <a:srgbClr val="0000FF"/>
                 </a:solidFill>
@@ -17509,7 +17546,7 @@
               <a:t> </a:t>
             </a:r>
             <a:r>
-              <a:rPr lang="en-US" dirty="0" err="1">
+              <a:rPr lang="en-US" sz="4000" dirty="0" err="1">
                 <a:solidFill>
                   <a:srgbClr val="0000FF"/>
                 </a:solidFill>
@@ -17517,11 +17554,11 @@
               <a:t>v</a:t>
             </a:r>
             <a:r>
-              <a:rPr lang="en-US" dirty="0"/>
+              <a:rPr lang="en-US" sz="4000" dirty="0"/>
               <a:t> if </a:t>
             </a:r>
             <a:r>
-              <a:rPr lang="en-US" dirty="0" err="1">
+              <a:rPr lang="en-US" sz="4000" dirty="0" err="1">
                 <a:solidFill>
                   <a:srgbClr val="0000FF"/>
                 </a:solidFill>
@@ -17529,7 +17566,7 @@
               <a:t>p</a:t>
             </a:r>
             <a:r>
-              <a:rPr lang="en-US" baseline="-25000" dirty="0" err="1">
+              <a:rPr lang="en-US" sz="4000" baseline="-25000" dirty="0" err="1">
                 <a:solidFill>
                   <a:srgbClr val="0000FF"/>
                 </a:solidFill>
@@ -17537,15 +17574,33 @@
               <a:t>u</a:t>
             </a:r>
             <a:r>
-              <a:rPr lang="en-US" dirty="0">
+              <a:rPr lang="en-US" sz="4000" dirty="0">
                 <a:solidFill>
                   <a:schemeClr val="accent2"/>
                 </a:solidFill>
               </a:rPr>
-              <a:t> &gt; </a:t>
-            </a:r>
-            <a:r>
-              <a:rPr lang="en-US" dirty="0" err="1">
+              <a:t> </a:t>
+            </a:r>
+            <a:r>
+              <a:rPr lang="en-US" sz="4000" b="1" dirty="0">
+                <a:solidFill>
+                  <a:schemeClr val="accent2"/>
+                </a:solidFill>
+                <a:latin typeface="Euclid Symbol" charset="2"/>
+                <a:cs typeface="Euclid Symbol" charset="2"/>
+              </a:rPr>
+              <a:t>&gt;</a:t>
+            </a:r>
+            <a:r>
+              <a:rPr lang="en-US" sz="4000" dirty="0">
+                <a:solidFill>
+                  <a:schemeClr val="accent2"/>
+                </a:solidFill>
+              </a:rPr>
+              <a:t> </a:t>
+            </a:r>
+            <a:r>
+              <a:rPr lang="en-US" sz="4000" dirty="0" err="1">
                 <a:solidFill>
                   <a:srgbClr val="0000FF"/>
                 </a:solidFill>
@@ -17553,7 +17608,7 @@
               <a:t>p</a:t>
             </a:r>
             <a:r>
-              <a:rPr lang="en-US" baseline="-25000" dirty="0" err="1">
+              <a:rPr lang="en-US" sz="4000" baseline="-25000" dirty="0" err="1">
                 <a:solidFill>
                   <a:srgbClr val="0000FF"/>
                 </a:solidFill>
@@ -17561,7 +17616,7 @@
               <a:t>v</a:t>
             </a:r>
             <a:r>
-              <a:rPr lang="en-US" dirty="0"/>
+              <a:rPr lang="en-US" sz="4000" dirty="0"/>
               <a:t>.</a:t>
             </a:r>
           </a:p>
@@ -17614,11 +17669,7 @@
             </a:pPr>
             <a:r>
               <a:rPr lang="en-US" dirty="0" smtClean="0"/>
-              <a:t>Albert R Meyer,                       </a:t>
-            </a:r>
-            <a:r>
-              <a:rPr lang="en-US" dirty="0" smtClean="0"/>
-              <a:t>May 16, 2012</a:t>
+              <a:t>Albert R Meyer,                       May 16, 2012</a:t>
             </a:r>
             <a:endParaRPr lang="en-US" dirty="0"/>
           </a:p>
@@ -18123,8 +18174,8 @@
         </p:nvSpPr>
         <p:spPr>
           <a:xfrm>
-            <a:off x="685800" y="1828800"/>
-            <a:ext cx="6705600" cy="4267200"/>
+            <a:off x="304800" y="1524000"/>
+            <a:ext cx="7086600" cy="4572000"/>
           </a:xfrm>
         </p:spPr>
         <p:txBody>
@@ -18133,28 +18184,46 @@
           <a:p>
             <a:pPr eaLnBrk="1" hangingPunct="1"/>
             <a:r>
-              <a:rPr lang="en-US" dirty="0"/>
-              <a:t>Does a stationary dist exist?</a:t>
+              <a:rPr lang="en-US" dirty="0" smtClean="0">
+                <a:latin typeface="Comic Sans MS"/>
+                <a:cs typeface="Comic Sans MS"/>
+              </a:rPr>
+              <a:t> </a:t>
+            </a:r>
+            <a:r>
+              <a:rPr lang="en-US" sz="4800" b="1" dirty="0" smtClean="0">
+                <a:latin typeface="Euclid Symbol" charset="2"/>
+                <a:cs typeface="Euclid Symbol" charset="2"/>
+              </a:rPr>
+              <a:t>∃</a:t>
+            </a:r>
+            <a:r>
+              <a:rPr lang="en-US" sz="4000" dirty="0" smtClean="0"/>
+              <a:t>stationary </a:t>
+            </a:r>
+            <a:r>
+              <a:rPr lang="en-US" sz="4000" dirty="0"/>
+              <a:t>dist exist?</a:t>
             </a:r>
           </a:p>
           <a:p>
             <a:pPr eaLnBrk="1" hangingPunct="1"/>
             <a:r>
-              <a:rPr lang="en-US" dirty="0"/>
+              <a:rPr lang="en-US" sz="4000" dirty="0"/>
               <a:t>Is it unique?</a:t>
             </a:r>
           </a:p>
           <a:p>
             <a:pPr eaLnBrk="1" hangingPunct="1"/>
             <a:r>
-              <a:rPr lang="en-US" dirty="0"/>
+              <a:rPr lang="en-US" sz="4000" dirty="0"/>
               <a:t>Does a random walk approach it from any starting distribution?</a:t>
             </a:r>
           </a:p>
           <a:p>
             <a:pPr lvl="1" eaLnBrk="1" hangingPunct="1"/>
             <a:r>
-              <a:rPr lang="en-US" dirty="0"/>
+              <a:rPr lang="en-US" sz="3600" dirty="0"/>
               <a:t>How quickly?</a:t>
             </a:r>
           </a:p>
@@ -18170,8 +18239,8 @@
         </p:nvSpPr>
         <p:spPr bwMode="auto">
           <a:xfrm>
-            <a:off x="6934200" y="1676400"/>
-            <a:ext cx="2001838" cy="915988"/>
+            <a:off x="6400800" y="1447800"/>
+            <a:ext cx="2286000" cy="1015663"/>
           </a:xfrm>
           <a:prstGeom prst="rect">
             <a:avLst/>
@@ -18185,7 +18254,7 @@
           </a:ln>
         </p:spPr>
         <p:txBody>
-          <a:bodyPr>
+          <a:bodyPr wrap="square">
             <a:prstTxWarp prst="textNoShape">
               <a:avLst/>
             </a:prstTxWarp>
@@ -18193,27 +18262,27 @@
           </a:bodyPr>
           <a:lstStyle/>
           <a:p>
-            <a:pPr algn="r"/>
-            <a:r>
-              <a:rPr lang="en-US" sz="3600">
+            <a:pPr algn="ctr"/>
+            <a:r>
+              <a:rPr lang="en-US" sz="4000" dirty="0">
+                <a:solidFill>
+                  <a:srgbClr val="008000"/>
+                </a:solidFill>
+              </a:rPr>
+              <a:t>Yes</a:t>
+            </a:r>
+          </a:p>
+          <a:p>
+            <a:pPr algn="ctr"/>
+            <a:r>
+              <a:rPr lang="en-US" sz="2000" dirty="0">
                 <a:solidFill>
                   <a:schemeClr val="accent2"/>
                 </a:solidFill>
               </a:rPr>
-              <a:t>Yes</a:t>
-            </a:r>
-          </a:p>
-          <a:p>
-            <a:pPr algn="r"/>
-            <a:r>
-              <a:rPr lang="en-US" sz="1800">
-                <a:solidFill>
-                  <a:schemeClr val="accent2"/>
-                </a:solidFill>
-              </a:rPr>
               <a:t>(if graph finite)</a:t>
             </a:r>
-            <a:endParaRPr lang="en-US" sz="3600">
+            <a:endParaRPr lang="en-US" sz="4000" dirty="0">
               <a:solidFill>
                 <a:schemeClr val="accent2"/>
               </a:solidFill>
@@ -18231,8 +18300,8 @@
         </p:nvSpPr>
         <p:spPr bwMode="auto">
           <a:xfrm>
-            <a:off x="6396038" y="2559050"/>
-            <a:ext cx="2519362" cy="641350"/>
+            <a:off x="6248400" y="2438400"/>
+            <a:ext cx="2804323" cy="707886"/>
           </a:xfrm>
           <a:prstGeom prst="rect">
             <a:avLst/>
@@ -18255,9 +18324,9 @@
           <a:lstStyle/>
           <a:p>
             <a:r>
-              <a:rPr lang="en-US" sz="3600">
-                <a:solidFill>
-                  <a:schemeClr val="accent2"/>
+              <a:rPr lang="en-US" sz="4000" dirty="0">
+                <a:solidFill>
+                  <a:srgbClr val="0000FF"/>
                 </a:solidFill>
               </a:rPr>
               <a:t>Sometimes</a:t>
@@ -18275,8 +18344,8 @@
         </p:nvSpPr>
         <p:spPr bwMode="auto">
           <a:xfrm>
-            <a:off x="6396038" y="3625850"/>
-            <a:ext cx="2519362" cy="641350"/>
+            <a:off x="6172200" y="4267200"/>
+            <a:ext cx="2804323" cy="707886"/>
           </a:xfrm>
           <a:prstGeom prst="rect">
             <a:avLst/>
@@ -18299,9 +18368,9 @@
           <a:lstStyle/>
           <a:p>
             <a:r>
-              <a:rPr lang="en-US" sz="3600" dirty="0">
-                <a:solidFill>
-                  <a:schemeClr val="accent2"/>
+              <a:rPr lang="en-US" sz="4000" dirty="0">
+                <a:solidFill>
+                  <a:srgbClr val="0000FF"/>
                 </a:solidFill>
               </a:rPr>
               <a:t>Sometimes</a:t>
@@ -18356,11 +18425,7 @@
             </a:pPr>
             <a:r>
               <a:rPr lang="en-US" dirty="0" smtClean="0"/>
-              <a:t>Albert R Meyer,                       </a:t>
-            </a:r>
-            <a:r>
-              <a:rPr lang="en-US" dirty="0" smtClean="0"/>
-              <a:t>May 16, 2012</a:t>
+              <a:t>Albert R Meyer,                       May 16, 2012</a:t>
             </a:r>
             <a:endParaRPr lang="en-US" dirty="0"/>
           </a:p>
@@ -18376,8 +18441,8 @@
         </p:nvSpPr>
         <p:spPr bwMode="auto">
           <a:xfrm>
-            <a:off x="6755293" y="4840069"/>
-            <a:ext cx="1549823" cy="646331"/>
+            <a:off x="6248400" y="5029200"/>
+            <a:ext cx="1701507" cy="707886"/>
           </a:xfrm>
           <a:prstGeom prst="rect">
             <a:avLst/>
@@ -18400,16 +18465,16 @@
           <a:lstStyle/>
           <a:p>
             <a:r>
-              <a:rPr lang="en-US" sz="3600" dirty="0" smtClean="0">
-                <a:solidFill>
-                  <a:schemeClr val="accent2"/>
+              <a:rPr lang="en-US" sz="4000" dirty="0" smtClean="0">
+                <a:solidFill>
+                  <a:srgbClr val="660066"/>
                 </a:solidFill>
               </a:rPr>
               <a:t>Varies</a:t>
             </a:r>
-            <a:endParaRPr lang="en-US" sz="3600" dirty="0">
+            <a:endParaRPr lang="en-US" sz="4000" dirty="0">
               <a:solidFill>
-                <a:schemeClr val="accent2"/>
+                <a:srgbClr val="660066"/>
               </a:solidFill>
             </a:endParaRPr>
           </a:p>
@@ -18420,9 +18485,18 @@
   <p:clrMapOvr>
     <a:masterClrMapping/>
   </p:clrMapOvr>
-  <p:transition xmlns:p14="http://schemas.microsoft.com/office/powerpoint/2010/main" spd="slow">
-    <p:fade thruBlk="1"/>
-  </p:transition>
+  <mc:AlternateContent xmlns:mc="http://schemas.openxmlformats.org/markup-compatibility/2006">
+    <mc:Choice xmlns:p14="http://schemas.microsoft.com/office/powerpoint/2010/main" Requires="p14">
+      <p:transition spd="med" p14:dur="700">
+        <p:fade/>
+      </p:transition>
+    </mc:Choice>
+    <mc:Fallback>
+      <p:transition xmlns:p14="http://schemas.microsoft.com/office/powerpoint/2010/main" spd="med">
+        <p:fade/>
+      </p:transition>
+    </mc:Fallback>
+  </mc:AlternateContent>
   <p:timing>
     <p:tnLst>
       <p:par>
@@ -18877,7 +18951,7 @@
       </p:grpSpPr>
       <p:sp>
         <p:nvSpPr>
-          <p:cNvPr id="17412" name="Slide Number Placeholder 5"/>
+          <p:cNvPr id="15364" name="Slide Number Placeholder 5"/>
           <p:cNvSpPr>
             <a:spLocks noGrp="1"/>
           </p:cNvSpPr>
@@ -18900,7 +18974,7 @@
               <a:rPr lang="en-US" dirty="0" smtClean="0"/>
               <a:t> 14W.</a:t>
             </a:r>
-            <a:fld id="{4E5A7F2C-4A32-A14D-9867-A3721D1A9C1D}" type="slidenum">
+            <a:fld id="{2D031A48-BBCF-B248-9771-B601B0D38C0B}" type="slidenum">
               <a:rPr lang="en-US" smtClean="0"/>
               <a:pPr/>
               <a:t>2</a:t>
@@ -18914,75 +18988,125 @@
       </p:sp>
       <p:sp>
         <p:nvSpPr>
-          <p:cNvPr id="17413" name="Rectangle 2"/>
+          <p:cNvPr id="15365" name="Rectangle 2"/>
           <p:cNvSpPr>
             <a:spLocks noGrp="1" noChangeArrowheads="1"/>
           </p:cNvSpPr>
           <p:nvPr>
-            <p:ph type="title"/>
+            <p:ph type="ctrTitle"/>
           </p:nvPr>
         </p:nvSpPr>
-        <p:spPr/>
+        <p:spPr>
+          <a:xfrm>
+            <a:off x="533400" y="1981200"/>
+            <a:ext cx="8153400" cy="2819400"/>
+          </a:xfrm>
+        </p:spPr>
         <p:txBody>
           <a:bodyPr/>
           <a:lstStyle/>
           <a:p>
             <a:pPr eaLnBrk="1" hangingPunct="1"/>
             <a:r>
-              <a:rPr lang="en-US"/>
-              <a:t>Applications of Random Walk</a:t>
-            </a:r>
-          </a:p>
-        </p:txBody>
-      </p:sp>
-      <p:sp>
-        <p:nvSpPr>
-          <p:cNvPr id="17414" name="Rectangle 3"/>
-          <p:cNvSpPr>
-            <a:spLocks noGrp="1" noChangeArrowheads="1"/>
-          </p:cNvSpPr>
-          <p:nvPr>
-            <p:ph type="body" idx="1"/>
-          </p:nvPr>
-        </p:nvSpPr>
-        <p:spPr>
-          <a:xfrm>
-            <a:off x="533400" y="1600200"/>
-            <a:ext cx="8153400" cy="3657600"/>
-          </a:xfrm>
-        </p:spPr>
-        <p:txBody>
-          <a:bodyPr/>
-          <a:lstStyle/>
-          <a:p>
-            <a:pPr eaLnBrk="1" hangingPunct="1"/>
-            <a:r>
-              <a:rPr lang="en-US" sz="4800" dirty="0" smtClean="0"/>
-              <a:t>Physics — Brownian motion</a:t>
-            </a:r>
-          </a:p>
-          <a:p>
-            <a:pPr eaLnBrk="1" hangingPunct="1"/>
-            <a:r>
-              <a:rPr lang="en-US" sz="4800" dirty="0" smtClean="0"/>
-              <a:t>Finance — stocks, options</a:t>
-            </a:r>
-          </a:p>
-          <a:p>
-            <a:pPr eaLnBrk="1" hangingPunct="1"/>
-            <a:r>
-              <a:rPr lang="en-US" sz="4800" dirty="0" smtClean="0"/>
-              <a:t>Algorithms </a:t>
-            </a:r>
-            <a:r>
-              <a:rPr lang="en-US" sz="4800" dirty="0"/>
-              <a:t>— web search, </a:t>
-            </a:r>
-            <a:r>
-              <a:rPr lang="en-US" sz="4800" dirty="0" smtClean="0"/>
-              <a:t>clustering</a:t>
-            </a:r>
-            <a:endParaRPr lang="en-US" sz="4800" dirty="0"/>
+              <a:rPr lang="en-US" sz="8800" dirty="0" smtClean="0"/>
+              <a:t>Random </a:t>
+            </a:r>
+            <a:r>
+              <a:rPr lang="en-US" sz="8000" dirty="0" smtClean="0"/>
+              <a:t>Walks</a:t>
+            </a:r>
+            <a:br>
+              <a:rPr lang="en-US" sz="8000" dirty="0" smtClean="0"/>
+            </a:br>
+            <a:r>
+              <a:rPr lang="en-US" sz="7200" dirty="0" smtClean="0"/>
+              <a:t>Google Page Rank</a:t>
+            </a:r>
+            <a:endParaRPr lang="en-US" sz="8800" dirty="0"/>
+          </a:p>
+        </p:txBody>
+      </p:sp>
+      <p:sp>
+        <p:nvSpPr>
+          <p:cNvPr id="15366" name="Text Box 2"/>
+          <p:cNvSpPr txBox="1">
+            <a:spLocks noChangeArrowheads="1"/>
+          </p:cNvSpPr>
+          <p:nvPr/>
+        </p:nvSpPr>
+        <p:spPr bwMode="auto">
+          <a:xfrm>
+            <a:off x="2084388" y="381000"/>
+            <a:ext cx="6256337" cy="1068388"/>
+          </a:xfrm>
+          <a:prstGeom prst="rect">
+            <a:avLst/>
+          </a:prstGeom>
+          <a:noFill/>
+          <a:ln w="9525">
+            <a:noFill/>
+            <a:miter lim="800000"/>
+            <a:headEnd/>
+            <a:tailEnd type="none" w="lg" len="lg"/>
+          </a:ln>
+        </p:spPr>
+        <p:txBody>
+          <a:bodyPr wrap="none">
+            <a:prstTxWarp prst="textNoShape">
+              <a:avLst/>
+            </a:prstTxWarp>
+            <a:spAutoFit/>
+          </a:bodyPr>
+          <a:lstStyle/>
+          <a:p>
+            <a:pPr algn="ctr" eaLnBrk="1" hangingPunct="1"/>
+            <a:r>
+              <a:rPr lang="en-US" sz="2800" b="1" i="1">
+                <a:solidFill>
+                  <a:schemeClr val="tx2"/>
+                </a:solidFill>
+              </a:rPr>
+              <a:t>Mathematics for Computer Science</a:t>
+            </a:r>
+            <a:r>
+              <a:rPr lang="en-US" sz="3600" b="1" i="1">
+                <a:solidFill>
+                  <a:schemeClr val="tx2"/>
+                </a:solidFill>
+              </a:rPr>
+              <a:t/>
+            </a:r>
+            <a:br>
+              <a:rPr lang="en-US" sz="3600" b="1" i="1">
+                <a:solidFill>
+                  <a:schemeClr val="tx2"/>
+                </a:solidFill>
+              </a:rPr>
+            </a:br>
+            <a:r>
+              <a:rPr lang="en-US" b="1">
+                <a:solidFill>
+                  <a:srgbClr val="008000"/>
+                </a:solidFill>
+              </a:rPr>
+              <a:t>MIT</a:t>
+            </a:r>
+            <a:r>
+              <a:rPr lang="en-US" sz="3600" b="1" i="1">
+                <a:solidFill>
+                  <a:schemeClr val="tx2"/>
+                </a:solidFill>
+              </a:rPr>
+              <a:t> </a:t>
+            </a:r>
+            <a:r>
+              <a:rPr lang="en-US" b="1">
+                <a:solidFill>
+                  <a:srgbClr val="008000"/>
+                </a:solidFill>
+              </a:rPr>
+              <a:t>6.042J/18.062J</a:t>
+            </a:r>
           </a:p>
         </p:txBody>
       </p:sp>
@@ -19033,23 +19157,3684 @@
             </a:pPr>
             <a:r>
               <a:rPr lang="en-US" dirty="0" smtClean="0"/>
-              <a:t>Albert R Meyer,                       </a:t>
-            </a:r>
-            <a:r>
-              <a:rPr lang="en-US" dirty="0" smtClean="0"/>
-              <a:t>May 16, 2012</a:t>
+              <a:t>Albert R Meyer,                       May 16, 2012</a:t>
             </a:r>
             <a:endParaRPr lang="en-US" dirty="0"/>
           </a:p>
         </p:txBody>
       </p:sp>
     </p:spTree>
+    <p:extLst>
+      <p:ext uri="{BB962C8B-B14F-4D97-AF65-F5344CB8AC3E}">
+        <p14:creationId xmlns:p14="http://schemas.microsoft.com/office/powerpoint/2010/main" val="3275066871"/>
+      </p:ext>
+    </p:extLst>
   </p:cSld>
   <p:clrMapOvr>
     <a:masterClrMapping/>
   </p:clrMapOvr>
   <p:transition xmlns:p14="http://schemas.microsoft.com/office/powerpoint/2010/main">
     <p:fade/>
+  </p:transition>
+  <p:timing>
+    <p:tnLst>
+      <p:par>
+        <p:cTn xmlns:p14="http://schemas.microsoft.com/office/powerpoint/2010/main" id="1" dur="indefinite" restart="never" nodeType="tmRoot"/>
+      </p:par>
+    </p:tnLst>
+  </p:timing>
+</p:sld>
+</file>
+
+<file path=ppt/slides/slide20.xml><?xml version="1.0" encoding="utf-8"?>
+<p:sld xmlns:a="http://schemas.openxmlformats.org/drawingml/2006/main" xmlns:r="http://schemas.openxmlformats.org/officeDocument/2006/relationships" xmlns:p="http://schemas.openxmlformats.org/presentationml/2006/main">
+  <p:cSld>
+    <p:spTree>
+      <p:nvGrpSpPr>
+        <p:cNvPr id="1" name=""/>
+        <p:cNvGrpSpPr/>
+        <p:nvPr/>
+      </p:nvGrpSpPr>
+      <p:grpSpPr>
+        <a:xfrm>
+          <a:off x="0" y="0"/>
+          <a:ext cx="0" cy="0"/>
+          <a:chOff x="0" y="0"/>
+          <a:chExt cx="0" cy="0"/>
+        </a:xfrm>
+      </p:grpSpPr>
+      <p:sp>
+        <p:nvSpPr>
+          <p:cNvPr id="25604" name="Slide Number Placeholder 5"/>
+          <p:cNvSpPr>
+            <a:spLocks noGrp="1"/>
+          </p:cNvSpPr>
+          <p:nvPr>
+            <p:ph type="sldNum" sz="quarter" idx="12"/>
+          </p:nvPr>
+        </p:nvSpPr>
+        <p:spPr>
+          <a:noFill/>
+        </p:spPr>
+        <p:txBody>
+          <a:bodyPr/>
+          <a:lstStyle/>
+          <a:p>
+            <a:r>
+              <a:rPr lang="en-US" dirty="0" err="1"/>
+              <a:t>Lec</a:t>
+            </a:r>
+            <a:r>
+              <a:rPr lang="en-US" dirty="0" smtClean="0"/>
+              <a:t> 14W.</a:t>
+            </a:r>
+            <a:fld id="{45EE687B-6412-EB45-B7C7-83D7DCF91618}" type="slidenum">
+              <a:rPr lang="en-US" smtClean="0"/>
+              <a:pPr/>
+              <a:t>20</a:t>
+            </a:fld>
+            <a:endParaRPr lang="en-US" dirty="0"/>
+          </a:p>
+          <a:p>
+            <a:endParaRPr lang="en-US" dirty="0"/>
+          </a:p>
+        </p:txBody>
+      </p:sp>
+      <p:sp>
+        <p:nvSpPr>
+          <p:cNvPr id="25605" name="Rectangle 2"/>
+          <p:cNvSpPr>
+            <a:spLocks noGrp="1" noChangeArrowheads="1"/>
+          </p:cNvSpPr>
+          <p:nvPr>
+            <p:ph type="title"/>
+          </p:nvPr>
+        </p:nvSpPr>
+        <p:spPr/>
+        <p:txBody>
+          <a:bodyPr/>
+          <a:lstStyle/>
+          <a:p>
+            <a:pPr eaLnBrk="1" hangingPunct="1"/>
+            <a:r>
+              <a:rPr lang="en-US" dirty="0" smtClean="0"/>
+              <a:t>Further Questions</a:t>
+            </a:r>
+            <a:endParaRPr lang="en-US" dirty="0"/>
+          </a:p>
+        </p:txBody>
+      </p:sp>
+      <p:sp>
+        <p:nvSpPr>
+          <p:cNvPr id="18438" name="Rectangle 3"/>
+          <p:cNvSpPr>
+            <a:spLocks noGrp="1" noChangeArrowheads="1"/>
+          </p:cNvSpPr>
+          <p:nvPr>
+            <p:ph type="body" idx="1"/>
+          </p:nvPr>
+        </p:nvSpPr>
+        <p:spPr>
+          <a:xfrm>
+            <a:off x="381000" y="3429000"/>
+            <a:ext cx="8534400" cy="2362200"/>
+          </a:xfrm>
+        </p:spPr>
+        <p:txBody>
+          <a:bodyPr/>
+          <a:lstStyle/>
+          <a:p>
+            <a:pPr eaLnBrk="1" hangingPunct="1"/>
+            <a:r>
+              <a:rPr lang="en-US" sz="4000" dirty="0" err="1" smtClean="0"/>
+              <a:t>Pr</a:t>
+            </a:r>
+            <a:r>
+              <a:rPr lang="en-US" sz="4000" dirty="0" err="1"/>
+              <a:t>{ever</a:t>
+            </a:r>
+            <a:r>
+              <a:rPr lang="en-US" sz="4000" dirty="0"/>
+              <a:t> reach </a:t>
+            </a:r>
+            <a:r>
+              <a:rPr lang="en-US" sz="4000" dirty="0">
+                <a:solidFill>
+                  <a:srgbClr val="FF6600"/>
+                </a:solidFill>
+              </a:rPr>
+              <a:t>O</a:t>
+            </a:r>
+            <a:r>
+              <a:rPr lang="en-US" sz="4000" dirty="0"/>
+              <a:t> | start at </a:t>
+            </a:r>
+            <a:r>
+              <a:rPr lang="en-US" sz="4000" dirty="0">
+                <a:solidFill>
+                  <a:schemeClr val="accent2"/>
+                </a:solidFill>
+              </a:rPr>
+              <a:t>B</a:t>
+            </a:r>
+            <a:r>
+              <a:rPr lang="en-US" sz="4000" dirty="0" smtClean="0"/>
+              <a:t>}</a:t>
+            </a:r>
+          </a:p>
+          <a:p>
+            <a:pPr eaLnBrk="1" hangingPunct="1"/>
+            <a:r>
+              <a:rPr lang="en-US" sz="4000" dirty="0" err="1" smtClean="0"/>
+              <a:t>Pr{reach</a:t>
+            </a:r>
+            <a:r>
+              <a:rPr lang="en-US" sz="4000" dirty="0" smtClean="0"/>
+              <a:t> </a:t>
+            </a:r>
+            <a:r>
+              <a:rPr lang="en-US" sz="4000" dirty="0" smtClean="0">
+                <a:solidFill>
+                  <a:srgbClr val="008000"/>
+                </a:solidFill>
+              </a:rPr>
+              <a:t>G</a:t>
+            </a:r>
+            <a:r>
+              <a:rPr lang="en-US" sz="4000" dirty="0" smtClean="0"/>
+              <a:t> before </a:t>
+            </a:r>
+            <a:r>
+              <a:rPr lang="en-US" sz="4000" dirty="0" smtClean="0">
+                <a:solidFill>
+                  <a:srgbClr val="FF6600"/>
+                </a:solidFill>
+              </a:rPr>
+              <a:t>O</a:t>
+            </a:r>
+            <a:r>
+              <a:rPr lang="en-US" sz="4000" dirty="0" smtClean="0"/>
+              <a:t> | start at </a:t>
+            </a:r>
+            <a:r>
+              <a:rPr lang="en-US" sz="4000" dirty="0" smtClean="0">
+                <a:solidFill>
+                  <a:schemeClr val="accent2"/>
+                </a:solidFill>
+              </a:rPr>
+              <a:t>B</a:t>
+            </a:r>
+            <a:r>
+              <a:rPr lang="en-US" sz="4000" dirty="0" smtClean="0"/>
+              <a:t>}</a:t>
+            </a:r>
+          </a:p>
+          <a:p>
+            <a:pPr eaLnBrk="1" hangingPunct="1"/>
+            <a:r>
+              <a:rPr lang="en-US" sz="4000" dirty="0"/>
+              <a:t>Average # steps for </a:t>
+            </a:r>
+            <a:r>
+              <a:rPr lang="en-US" sz="4000" dirty="0" smtClean="0">
+                <a:solidFill>
+                  <a:schemeClr val="accent2"/>
+                </a:solidFill>
+              </a:rPr>
+              <a:t>B</a:t>
+            </a:r>
+            <a:r>
+              <a:rPr lang="en-US" sz="4000" dirty="0" smtClean="0">
+                <a:sym typeface="Symbol" pitchFamily="-111" charset="2"/>
+              </a:rPr>
+              <a:t> to </a:t>
+            </a:r>
+            <a:r>
+              <a:rPr lang="en-US" sz="4000" dirty="0" smtClean="0">
+                <a:solidFill>
+                  <a:srgbClr val="FF6600"/>
+                </a:solidFill>
+              </a:rPr>
+              <a:t>O</a:t>
+            </a:r>
+            <a:endParaRPr lang="en-US" sz="4000" dirty="0" smtClean="0"/>
+          </a:p>
+        </p:txBody>
+      </p:sp>
+      <p:sp>
+        <p:nvSpPr>
+          <p:cNvPr id="25607" name="Oval 52"/>
+          <p:cNvSpPr>
+            <a:spLocks noChangeAspect="1" noChangeArrowheads="1"/>
+          </p:cNvSpPr>
+          <p:nvPr/>
+        </p:nvSpPr>
+        <p:spPr bwMode="auto">
+          <a:xfrm>
+            <a:off x="3478213" y="2624138"/>
+            <a:ext cx="450850" cy="450850"/>
+          </a:xfrm>
+          <a:prstGeom prst="ellipse">
+            <a:avLst/>
+          </a:prstGeom>
+          <a:solidFill>
+            <a:schemeClr val="accent2">
+              <a:alpha val="25098"/>
+            </a:schemeClr>
+          </a:solidFill>
+          <a:ln w="28575">
+            <a:solidFill>
+              <a:schemeClr val="accent2"/>
+            </a:solidFill>
+            <a:round/>
+            <a:headEnd/>
+            <a:tailEnd/>
+          </a:ln>
+        </p:spPr>
+        <p:txBody>
+          <a:bodyPr wrap="none" anchor="ctr">
+            <a:prstTxWarp prst="textNoShape">
+              <a:avLst/>
+            </a:prstTxWarp>
+          </a:bodyPr>
+          <a:lstStyle/>
+          <a:p>
+            <a:pPr algn="ctr"/>
+            <a:endParaRPr lang="en-US"/>
+          </a:p>
+        </p:txBody>
+      </p:sp>
+      <p:sp>
+        <p:nvSpPr>
+          <p:cNvPr id="25608" name="Oval 53"/>
+          <p:cNvSpPr>
+            <a:spLocks noChangeAspect="1" noChangeArrowheads="1"/>
+          </p:cNvSpPr>
+          <p:nvPr/>
+        </p:nvSpPr>
+        <p:spPr bwMode="auto">
+          <a:xfrm>
+            <a:off x="4379913" y="1543050"/>
+            <a:ext cx="449262" cy="450850"/>
+          </a:xfrm>
+          <a:prstGeom prst="ellipse">
+            <a:avLst/>
+          </a:prstGeom>
+          <a:solidFill>
+            <a:srgbClr val="FF6600">
+              <a:alpha val="25098"/>
+            </a:srgbClr>
+          </a:solidFill>
+          <a:ln w="28575">
+            <a:solidFill>
+              <a:srgbClr val="FF6600"/>
+            </a:solidFill>
+            <a:round/>
+            <a:headEnd/>
+            <a:tailEnd/>
+          </a:ln>
+        </p:spPr>
+        <p:txBody>
+          <a:bodyPr wrap="none" anchor="ctr">
+            <a:prstTxWarp prst="textNoShape">
+              <a:avLst/>
+            </a:prstTxWarp>
+          </a:bodyPr>
+          <a:lstStyle/>
+          <a:p>
+            <a:pPr algn="ctr"/>
+            <a:endParaRPr lang="en-US"/>
+          </a:p>
+        </p:txBody>
+      </p:sp>
+      <p:sp>
+        <p:nvSpPr>
+          <p:cNvPr id="25609" name="Oval 54"/>
+          <p:cNvSpPr>
+            <a:spLocks noChangeAspect="1" noChangeArrowheads="1"/>
+          </p:cNvSpPr>
+          <p:nvPr/>
+        </p:nvSpPr>
+        <p:spPr bwMode="auto">
+          <a:xfrm>
+            <a:off x="5151438" y="2559050"/>
+            <a:ext cx="450850" cy="452438"/>
+          </a:xfrm>
+          <a:prstGeom prst="ellipse">
+            <a:avLst/>
+          </a:prstGeom>
+          <a:solidFill>
+            <a:srgbClr val="008000">
+              <a:alpha val="25098"/>
+            </a:srgbClr>
+          </a:solidFill>
+          <a:ln w="28575">
+            <a:solidFill>
+              <a:srgbClr val="008000"/>
+            </a:solidFill>
+            <a:round/>
+            <a:headEnd/>
+            <a:tailEnd/>
+          </a:ln>
+        </p:spPr>
+        <p:txBody>
+          <a:bodyPr wrap="none" anchor="ctr">
+            <a:prstTxWarp prst="textNoShape">
+              <a:avLst/>
+            </a:prstTxWarp>
+          </a:bodyPr>
+          <a:lstStyle/>
+          <a:p>
+            <a:pPr algn="ctr"/>
+            <a:endParaRPr lang="en-US"/>
+          </a:p>
+        </p:txBody>
+      </p:sp>
+      <p:cxnSp>
+        <p:nvCxnSpPr>
+          <p:cNvPr id="25610" name="AutoShape 55"/>
+          <p:cNvCxnSpPr>
+            <a:cxnSpLocks noChangeAspect="1" noChangeShapeType="1"/>
+            <a:stCxn id="25607" idx="0"/>
+            <a:endCxn id="25608" idx="2"/>
+          </p:cNvCxnSpPr>
+          <p:nvPr/>
+        </p:nvCxnSpPr>
+        <p:spPr bwMode="auto">
+          <a:xfrm rot="-5400000">
+            <a:off x="3614737" y="1858963"/>
+            <a:ext cx="842963" cy="661988"/>
+          </a:xfrm>
+          <a:prstGeom prst="curvedConnector2">
+            <a:avLst/>
+          </a:prstGeom>
+          <a:noFill/>
+          <a:ln w="28575">
+            <a:solidFill>
+              <a:schemeClr val="accent2"/>
+            </a:solidFill>
+            <a:round/>
+            <a:headEnd/>
+            <a:tailEnd type="triangle" w="med" len="med"/>
+          </a:ln>
+        </p:spPr>
+      </p:cxnSp>
+      <p:cxnSp>
+        <p:nvCxnSpPr>
+          <p:cNvPr id="25611" name="AutoShape 56"/>
+          <p:cNvCxnSpPr>
+            <a:cxnSpLocks noChangeAspect="1" noChangeShapeType="1"/>
+            <a:stCxn id="25608" idx="6"/>
+            <a:endCxn id="25608" idx="0"/>
+          </p:cNvCxnSpPr>
+          <p:nvPr/>
+        </p:nvCxnSpPr>
+        <p:spPr bwMode="auto">
+          <a:xfrm flipH="1" flipV="1">
+            <a:off x="4603750" y="1530350"/>
+            <a:ext cx="238125" cy="238125"/>
+          </a:xfrm>
+          <a:prstGeom prst="curvedConnector4">
+            <a:avLst>
+              <a:gd name="adj1" fmla="val -106847"/>
+              <a:gd name="adj2" fmla="val 209884"/>
+            </a:avLst>
+          </a:prstGeom>
+          <a:noFill/>
+          <a:ln w="28575">
+            <a:solidFill>
+              <a:srgbClr val="FF6600"/>
+            </a:solidFill>
+            <a:round/>
+            <a:headEnd/>
+            <a:tailEnd type="triangle" w="med" len="med"/>
+          </a:ln>
+        </p:spPr>
+      </p:cxnSp>
+      <p:cxnSp>
+        <p:nvCxnSpPr>
+          <p:cNvPr id="25612" name="AutoShape 57"/>
+          <p:cNvCxnSpPr>
+            <a:cxnSpLocks noChangeAspect="1" noChangeShapeType="1"/>
+            <a:stCxn id="25608" idx="6"/>
+            <a:endCxn id="25609" idx="0"/>
+          </p:cNvCxnSpPr>
+          <p:nvPr/>
+        </p:nvCxnSpPr>
+        <p:spPr bwMode="auto">
+          <a:xfrm>
+            <a:off x="4841875" y="1768475"/>
+            <a:ext cx="533400" cy="779463"/>
+          </a:xfrm>
+          <a:prstGeom prst="curvedConnector2">
+            <a:avLst/>
+          </a:prstGeom>
+          <a:noFill/>
+          <a:ln w="28575">
+            <a:solidFill>
+              <a:srgbClr val="FF6600"/>
+            </a:solidFill>
+            <a:round/>
+            <a:headEnd/>
+            <a:tailEnd type="triangle" w="med" len="med"/>
+          </a:ln>
+        </p:spPr>
+      </p:cxnSp>
+      <p:cxnSp>
+        <p:nvCxnSpPr>
+          <p:cNvPr id="25613" name="AutoShape 58"/>
+          <p:cNvCxnSpPr>
+            <a:cxnSpLocks noChangeAspect="1" noChangeShapeType="1"/>
+            <a:stCxn id="25609" idx="4"/>
+            <a:endCxn id="25607" idx="5"/>
+          </p:cNvCxnSpPr>
+          <p:nvPr/>
+        </p:nvCxnSpPr>
+        <p:spPr bwMode="auto">
+          <a:xfrm rot="16200000" flipV="1">
+            <a:off x="4618831" y="2266157"/>
+            <a:ext cx="1587" cy="1511300"/>
+          </a:xfrm>
+          <a:prstGeom prst="curvedConnector3">
+            <a:avLst>
+              <a:gd name="adj1" fmla="val -12200005"/>
+            </a:avLst>
+          </a:prstGeom>
+          <a:noFill/>
+          <a:ln w="28575">
+            <a:solidFill>
+              <a:srgbClr val="008000"/>
+            </a:solidFill>
+            <a:round/>
+            <a:headEnd/>
+            <a:tailEnd type="triangle" w="med" len="med"/>
+          </a:ln>
+        </p:spPr>
+      </p:cxnSp>
+      <p:sp>
+        <p:nvSpPr>
+          <p:cNvPr id="25614" name="Rectangle 59"/>
+          <p:cNvSpPr>
+            <a:spLocks noChangeAspect="1" noChangeArrowheads="1"/>
+          </p:cNvSpPr>
+          <p:nvPr/>
+        </p:nvSpPr>
+        <p:spPr bwMode="auto">
+          <a:xfrm>
+            <a:off x="3276600" y="1898650"/>
+            <a:ext cx="584200" cy="396875"/>
+          </a:xfrm>
+          <a:prstGeom prst="rect">
+            <a:avLst/>
+          </a:prstGeom>
+          <a:noFill/>
+          <a:ln w="9525">
+            <a:noFill/>
+            <a:miter lim="800000"/>
+            <a:headEnd/>
+            <a:tailEnd/>
+          </a:ln>
+        </p:spPr>
+        <p:txBody>
+          <a:bodyPr wrap="none">
+            <a:prstTxWarp prst="textNoShape">
+              <a:avLst/>
+            </a:prstTxWarp>
+            <a:spAutoFit/>
+          </a:bodyPr>
+          <a:lstStyle/>
+          <a:p>
+            <a:r>
+              <a:rPr lang="en-US" sz="2000">
+                <a:solidFill>
+                  <a:schemeClr val="accent2"/>
+                </a:solidFill>
+              </a:rPr>
+              <a:t>1/4</a:t>
+            </a:r>
+          </a:p>
+        </p:txBody>
+      </p:sp>
+      <p:sp>
+        <p:nvSpPr>
+          <p:cNvPr id="25615" name="Rectangle 60"/>
+          <p:cNvSpPr>
+            <a:spLocks noChangeAspect="1" noChangeArrowheads="1"/>
+          </p:cNvSpPr>
+          <p:nvPr/>
+        </p:nvSpPr>
+        <p:spPr bwMode="auto">
+          <a:xfrm>
+            <a:off x="4267200" y="2438400"/>
+            <a:ext cx="584200" cy="396875"/>
+          </a:xfrm>
+          <a:prstGeom prst="rect">
+            <a:avLst/>
+          </a:prstGeom>
+          <a:noFill/>
+          <a:ln w="9525">
+            <a:noFill/>
+            <a:miter lim="800000"/>
+            <a:headEnd/>
+            <a:tailEnd/>
+          </a:ln>
+        </p:spPr>
+        <p:txBody>
+          <a:bodyPr wrap="none">
+            <a:prstTxWarp prst="textNoShape">
+              <a:avLst/>
+            </a:prstTxWarp>
+            <a:spAutoFit/>
+          </a:bodyPr>
+          <a:lstStyle/>
+          <a:p>
+            <a:r>
+              <a:rPr lang="en-US" sz="2000">
+                <a:solidFill>
+                  <a:schemeClr val="accent2"/>
+                </a:solidFill>
+              </a:rPr>
+              <a:t>1/4</a:t>
+            </a:r>
+          </a:p>
+        </p:txBody>
+      </p:sp>
+      <p:sp>
+        <p:nvSpPr>
+          <p:cNvPr id="25616" name="Rectangle 61"/>
+          <p:cNvSpPr>
+            <a:spLocks noChangeAspect="1" noChangeArrowheads="1"/>
+          </p:cNvSpPr>
+          <p:nvPr/>
+        </p:nvSpPr>
+        <p:spPr bwMode="auto">
+          <a:xfrm>
+            <a:off x="5257800" y="1905000"/>
+            <a:ext cx="623888" cy="396875"/>
+          </a:xfrm>
+          <a:prstGeom prst="rect">
+            <a:avLst/>
+          </a:prstGeom>
+          <a:noFill/>
+          <a:ln w="9525">
+            <a:noFill/>
+            <a:miter lim="800000"/>
+            <a:headEnd/>
+            <a:tailEnd/>
+          </a:ln>
+        </p:spPr>
+        <p:txBody>
+          <a:bodyPr wrap="none">
+            <a:prstTxWarp prst="textNoShape">
+              <a:avLst/>
+            </a:prstTxWarp>
+            <a:spAutoFit/>
+          </a:bodyPr>
+          <a:lstStyle/>
+          <a:p>
+            <a:r>
+              <a:rPr lang="en-US" sz="2000">
+                <a:solidFill>
+                  <a:srgbClr val="FF6600"/>
+                </a:solidFill>
+              </a:rPr>
+              <a:t>2/3</a:t>
+            </a:r>
+          </a:p>
+        </p:txBody>
+      </p:sp>
+      <p:sp>
+        <p:nvSpPr>
+          <p:cNvPr id="25617" name="Rectangle 62"/>
+          <p:cNvSpPr>
+            <a:spLocks noChangeAspect="1" noChangeArrowheads="1"/>
+          </p:cNvSpPr>
+          <p:nvPr/>
+        </p:nvSpPr>
+        <p:spPr bwMode="auto">
+          <a:xfrm>
+            <a:off x="5022850" y="1204913"/>
+            <a:ext cx="584200" cy="396875"/>
+          </a:xfrm>
+          <a:prstGeom prst="rect">
+            <a:avLst/>
+          </a:prstGeom>
+          <a:noFill/>
+          <a:ln w="9525">
+            <a:noFill/>
+            <a:miter lim="800000"/>
+            <a:headEnd/>
+            <a:tailEnd/>
+          </a:ln>
+        </p:spPr>
+        <p:txBody>
+          <a:bodyPr wrap="none">
+            <a:prstTxWarp prst="textNoShape">
+              <a:avLst/>
+            </a:prstTxWarp>
+            <a:spAutoFit/>
+          </a:bodyPr>
+          <a:lstStyle/>
+          <a:p>
+            <a:r>
+              <a:rPr lang="en-US" sz="2000">
+                <a:solidFill>
+                  <a:srgbClr val="FF6600"/>
+                </a:solidFill>
+              </a:rPr>
+              <a:t>1/3</a:t>
+            </a:r>
+          </a:p>
+        </p:txBody>
+      </p:sp>
+      <p:sp>
+        <p:nvSpPr>
+          <p:cNvPr id="25618" name="Rectangle 63"/>
+          <p:cNvSpPr>
+            <a:spLocks noChangeAspect="1" noChangeArrowheads="1"/>
+          </p:cNvSpPr>
+          <p:nvPr/>
+        </p:nvSpPr>
+        <p:spPr bwMode="auto">
+          <a:xfrm>
+            <a:off x="4483100" y="2879725"/>
+            <a:ext cx="298450" cy="396875"/>
+          </a:xfrm>
+          <a:prstGeom prst="rect">
+            <a:avLst/>
+          </a:prstGeom>
+          <a:noFill/>
+          <a:ln w="9525">
+            <a:noFill/>
+            <a:miter lim="800000"/>
+            <a:headEnd/>
+            <a:tailEnd/>
+          </a:ln>
+        </p:spPr>
+        <p:txBody>
+          <a:bodyPr wrap="none">
+            <a:prstTxWarp prst="textNoShape">
+              <a:avLst/>
+            </a:prstTxWarp>
+            <a:spAutoFit/>
+          </a:bodyPr>
+          <a:lstStyle/>
+          <a:p>
+            <a:r>
+              <a:rPr lang="en-US" sz="2000">
+                <a:solidFill>
+                  <a:srgbClr val="008000"/>
+                </a:solidFill>
+              </a:rPr>
+              <a:t>1</a:t>
+            </a:r>
+          </a:p>
+        </p:txBody>
+      </p:sp>
+      <p:cxnSp>
+        <p:nvCxnSpPr>
+          <p:cNvPr id="25619" name="AutoShape 64"/>
+          <p:cNvCxnSpPr>
+            <a:cxnSpLocks noChangeAspect="1" noChangeShapeType="1"/>
+            <a:stCxn id="25607" idx="7"/>
+            <a:endCxn id="25609" idx="1"/>
+          </p:cNvCxnSpPr>
+          <p:nvPr/>
+        </p:nvCxnSpPr>
+        <p:spPr bwMode="auto">
+          <a:xfrm rot="-5400000">
+            <a:off x="4507706" y="1969294"/>
+            <a:ext cx="65088" cy="1352550"/>
+          </a:xfrm>
+          <a:prstGeom prst="curvedConnector3">
+            <a:avLst>
+              <a:gd name="adj1" fmla="val 297917"/>
+            </a:avLst>
+          </a:prstGeom>
+          <a:noFill/>
+          <a:ln w="28575">
+            <a:solidFill>
+              <a:schemeClr val="accent2"/>
+            </a:solidFill>
+            <a:round/>
+            <a:headEnd/>
+            <a:tailEnd type="triangle" w="med" len="med"/>
+          </a:ln>
+        </p:spPr>
+      </p:cxnSp>
+      <p:cxnSp>
+        <p:nvCxnSpPr>
+          <p:cNvPr id="25620" name="AutoShape 65"/>
+          <p:cNvCxnSpPr>
+            <a:cxnSpLocks noChangeAspect="1" noChangeShapeType="1"/>
+            <a:stCxn id="25607" idx="4"/>
+            <a:endCxn id="25607" idx="2"/>
+          </p:cNvCxnSpPr>
+          <p:nvPr/>
+        </p:nvCxnSpPr>
+        <p:spPr bwMode="auto">
+          <a:xfrm rot="16200000" flipV="1">
+            <a:off x="3467894" y="2848769"/>
+            <a:ext cx="236537" cy="238125"/>
+          </a:xfrm>
+          <a:prstGeom prst="curvedConnector4">
+            <a:avLst>
+              <a:gd name="adj1" fmla="val -133338"/>
+              <a:gd name="adj2" fmla="val 235593"/>
+            </a:avLst>
+          </a:prstGeom>
+          <a:noFill/>
+          <a:ln w="28575">
+            <a:solidFill>
+              <a:schemeClr val="accent2"/>
+            </a:solidFill>
+            <a:round/>
+            <a:headEnd/>
+            <a:tailEnd type="triangle" w="med" len="med"/>
+          </a:ln>
+        </p:spPr>
+      </p:cxnSp>
+      <p:sp>
+        <p:nvSpPr>
+          <p:cNvPr id="25621" name="Rectangle 66"/>
+          <p:cNvSpPr>
+            <a:spLocks noChangeAspect="1" noChangeArrowheads="1"/>
+          </p:cNvSpPr>
+          <p:nvPr/>
+        </p:nvSpPr>
+        <p:spPr bwMode="auto">
+          <a:xfrm>
+            <a:off x="2590800" y="2859088"/>
+            <a:ext cx="584200" cy="396875"/>
+          </a:xfrm>
+          <a:prstGeom prst="rect">
+            <a:avLst/>
+          </a:prstGeom>
+          <a:noFill/>
+          <a:ln w="9525">
+            <a:noFill/>
+            <a:miter lim="800000"/>
+            <a:headEnd/>
+            <a:tailEnd/>
+          </a:ln>
+        </p:spPr>
+        <p:txBody>
+          <a:bodyPr wrap="none">
+            <a:prstTxWarp prst="textNoShape">
+              <a:avLst/>
+            </a:prstTxWarp>
+            <a:spAutoFit/>
+          </a:bodyPr>
+          <a:lstStyle/>
+          <a:p>
+            <a:r>
+              <a:rPr lang="en-US" sz="2000">
+                <a:solidFill>
+                  <a:schemeClr val="accent2"/>
+                </a:solidFill>
+              </a:rPr>
+              <a:t>1/2</a:t>
+            </a:r>
+          </a:p>
+        </p:txBody>
+      </p:sp>
+      <p:sp>
+        <p:nvSpPr>
+          <p:cNvPr id="25622" name="Rectangle 22"/>
+          <p:cNvSpPr>
+            <a:spLocks noChangeArrowheads="1"/>
+          </p:cNvSpPr>
+          <p:nvPr/>
+        </p:nvSpPr>
+        <p:spPr bwMode="auto">
+          <a:xfrm>
+            <a:off x="3276600" y="2438400"/>
+            <a:ext cx="328613" cy="366713"/>
+          </a:xfrm>
+          <a:prstGeom prst="rect">
+            <a:avLst/>
+          </a:prstGeom>
+          <a:noFill/>
+          <a:ln w="9525">
+            <a:noFill/>
+            <a:miter lim="800000"/>
+            <a:headEnd/>
+            <a:tailEnd/>
+          </a:ln>
+        </p:spPr>
+        <p:txBody>
+          <a:bodyPr wrap="none">
+            <a:prstTxWarp prst="textNoShape">
+              <a:avLst/>
+            </a:prstTxWarp>
+            <a:spAutoFit/>
+          </a:bodyPr>
+          <a:lstStyle/>
+          <a:p>
+            <a:r>
+              <a:rPr lang="en-US" sz="1800">
+                <a:solidFill>
+                  <a:schemeClr val="accent2"/>
+                </a:solidFill>
+              </a:rPr>
+              <a:t>B</a:t>
+            </a:r>
+          </a:p>
+        </p:txBody>
+      </p:sp>
+      <p:sp>
+        <p:nvSpPr>
+          <p:cNvPr id="25623" name="Rectangle 23"/>
+          <p:cNvSpPr>
+            <a:spLocks noChangeArrowheads="1"/>
+          </p:cNvSpPr>
+          <p:nvPr/>
+        </p:nvSpPr>
+        <p:spPr bwMode="auto">
+          <a:xfrm>
+            <a:off x="4191000" y="1295400"/>
+            <a:ext cx="366713" cy="366713"/>
+          </a:xfrm>
+          <a:prstGeom prst="rect">
+            <a:avLst/>
+          </a:prstGeom>
+          <a:noFill/>
+          <a:ln w="9525">
+            <a:noFill/>
+            <a:miter lim="800000"/>
+            <a:headEnd/>
+            <a:tailEnd/>
+          </a:ln>
+        </p:spPr>
+        <p:txBody>
+          <a:bodyPr wrap="none">
+            <a:prstTxWarp prst="textNoShape">
+              <a:avLst/>
+            </a:prstTxWarp>
+            <a:spAutoFit/>
+          </a:bodyPr>
+          <a:lstStyle/>
+          <a:p>
+            <a:r>
+              <a:rPr lang="en-US" sz="1800">
+                <a:solidFill>
+                  <a:srgbClr val="FF6600"/>
+                </a:solidFill>
+              </a:rPr>
+              <a:t>O</a:t>
+            </a:r>
+          </a:p>
+        </p:txBody>
+      </p:sp>
+      <p:sp>
+        <p:nvSpPr>
+          <p:cNvPr id="25624" name="Rectangle 24"/>
+          <p:cNvSpPr>
+            <a:spLocks noChangeArrowheads="1"/>
+          </p:cNvSpPr>
+          <p:nvPr/>
+        </p:nvSpPr>
+        <p:spPr bwMode="auto">
+          <a:xfrm>
+            <a:off x="5562600" y="2590800"/>
+            <a:ext cx="339725" cy="366713"/>
+          </a:xfrm>
+          <a:prstGeom prst="rect">
+            <a:avLst/>
+          </a:prstGeom>
+          <a:noFill/>
+          <a:ln w="9525">
+            <a:noFill/>
+            <a:miter lim="800000"/>
+            <a:headEnd/>
+            <a:tailEnd/>
+          </a:ln>
+        </p:spPr>
+        <p:txBody>
+          <a:bodyPr wrap="none">
+            <a:prstTxWarp prst="textNoShape">
+              <a:avLst/>
+            </a:prstTxWarp>
+            <a:spAutoFit/>
+          </a:bodyPr>
+          <a:lstStyle/>
+          <a:p>
+            <a:r>
+              <a:rPr lang="en-US" sz="1800">
+                <a:solidFill>
+                  <a:srgbClr val="008000"/>
+                </a:solidFill>
+              </a:rPr>
+              <a:t>G</a:t>
+            </a:r>
+          </a:p>
+        </p:txBody>
+      </p:sp>
+      <p:sp>
+        <p:nvSpPr>
+          <p:cNvPr id="25" name="Rectangle 4"/>
+          <p:cNvSpPr>
+            <a:spLocks noGrp="1" noChangeArrowheads="1"/>
+          </p:cNvSpPr>
+          <p:nvPr>
+            <p:ph type="dt" sz="half" idx="4294967295"/>
+          </p:nvPr>
+        </p:nvSpPr>
+        <p:spPr bwMode="auto">
+          <a:xfrm>
+            <a:off x="3124200" y="6629400"/>
+            <a:ext cx="2863850" cy="228600"/>
+          </a:xfrm>
+          <a:prstGeom prst="rect">
+            <a:avLst/>
+          </a:prstGeom>
+          <a:noFill/>
+          <a:ln w="9525">
+            <a:noFill/>
+            <a:miter lim="800000"/>
+            <a:headEnd/>
+            <a:tailEnd/>
+          </a:ln>
+        </p:spPr>
+        <p:txBody>
+          <a:bodyPr vert="horz" wrap="square" lIns="91440" tIns="45720" rIns="91440" bIns="45720" numCol="1" anchor="t" anchorCtr="0" compatLnSpc="1">
+            <a:prstTxWarp prst="textNoShape">
+              <a:avLst/>
+            </a:prstTxWarp>
+          </a:bodyPr>
+          <a:lstStyle>
+            <a:lvl1pPr algn="ctr" eaLnBrk="1" hangingPunct="1">
+              <a:defRPr sz="1000">
+                <a:latin typeface="Comic Sans MS" pitchFamily="-64" charset="0"/>
+                <a:ea typeface="ＭＳ Ｐゴシック" pitchFamily="-64" charset="-128"/>
+                <a:cs typeface="+mn-cs"/>
+              </a:defRPr>
+            </a:lvl1pPr>
+          </a:lstStyle>
+          <a:p>
+            <a:pPr>
+              <a:defRPr/>
+            </a:pPr>
+            <a:r>
+              <a:rPr lang="en-US" dirty="0" smtClean="0"/>
+              <a:t>Albert R Meyer,                       May 16, 2012</a:t>
+            </a:r>
+            <a:endParaRPr lang="en-US" dirty="0"/>
+          </a:p>
+        </p:txBody>
+      </p:sp>
+    </p:spTree>
+  </p:cSld>
+  <p:clrMapOvr>
+    <a:masterClrMapping/>
+  </p:clrMapOvr>
+  <p:transition xmlns:p14="http://schemas.microsoft.com/office/powerpoint/2010/main" spd="slow">
+    <p:fade thruBlk="1"/>
+  </p:transition>
+  <p:timing>
+    <p:tnLst>
+      <p:par>
+        <p:cTn xmlns:p14="http://schemas.microsoft.com/office/powerpoint/2010/main" id="1" dur="indefinite" restart="never" nodeType="tmRoot">
+          <p:childTnLst>
+            <p:seq concurrent="1" nextAc="seek">
+              <p:cTn id="2" dur="indefinite" nodeType="mainSeq">
+                <p:childTnLst>
+                  <p:par>
+                    <p:cTn id="3" fill="hold">
+                      <p:stCondLst>
+                        <p:cond delay="indefinite"/>
+                      </p:stCondLst>
+                      <p:childTnLst>
+                        <p:par>
+                          <p:cTn id="4" fill="hold">
+                            <p:stCondLst>
+                              <p:cond delay="0"/>
+                            </p:stCondLst>
+                            <p:childTnLst>
+                              <p:par>
+                                <p:cTn id="5" presetID="22" presetClass="entr" presetSubtype="8" fill="hold" grpId="0" nodeType="clickEffect">
+                                  <p:stCondLst>
+                                    <p:cond delay="0"/>
+                                  </p:stCondLst>
+                                  <p:childTnLst>
+                                    <p:set>
+                                      <p:cBhvr>
+                                        <p:cTn id="6" dur="1" fill="hold">
+                                          <p:stCondLst>
+                                            <p:cond delay="0"/>
+                                          </p:stCondLst>
+                                        </p:cTn>
+                                        <p:tgtEl>
+                                          <p:spTgt spid="18438">
+                                            <p:txEl>
+                                              <p:pRg st="1" end="1"/>
+                                            </p:txEl>
+                                          </p:spTgt>
+                                        </p:tgtEl>
+                                        <p:attrNameLst>
+                                          <p:attrName>style.visibility</p:attrName>
+                                        </p:attrNameLst>
+                                      </p:cBhvr>
+                                      <p:to>
+                                        <p:strVal val="visible"/>
+                                      </p:to>
+                                    </p:set>
+                                    <p:animEffect transition="in" filter="wipe(left)">
+                                      <p:cBhvr>
+                                        <p:cTn id="7" dur="500"/>
+                                        <p:tgtEl>
+                                          <p:spTgt spid="18438">
+                                            <p:txEl>
+                                              <p:pRg st="1" end="1"/>
+                                            </p:txEl>
+                                          </p:spTgt>
+                                        </p:tgtEl>
+                                      </p:cBhvr>
+                                    </p:animEffect>
+                                  </p:childTnLst>
+                                </p:cTn>
+                              </p:par>
+                            </p:childTnLst>
+                          </p:cTn>
+                        </p:par>
+                      </p:childTnLst>
+                    </p:cTn>
+                  </p:par>
+                  <p:par>
+                    <p:cTn id="8" fill="hold">
+                      <p:stCondLst>
+                        <p:cond delay="indefinite"/>
+                      </p:stCondLst>
+                      <p:childTnLst>
+                        <p:par>
+                          <p:cTn id="9" fill="hold">
+                            <p:stCondLst>
+                              <p:cond delay="0"/>
+                            </p:stCondLst>
+                            <p:childTnLst>
+                              <p:par>
+                                <p:cTn id="10" presetID="22" presetClass="entr" presetSubtype="8" fill="hold" grpId="0" nodeType="clickEffect">
+                                  <p:stCondLst>
+                                    <p:cond delay="0"/>
+                                  </p:stCondLst>
+                                  <p:childTnLst>
+                                    <p:set>
+                                      <p:cBhvr>
+                                        <p:cTn id="11" dur="1" fill="hold">
+                                          <p:stCondLst>
+                                            <p:cond delay="0"/>
+                                          </p:stCondLst>
+                                        </p:cTn>
+                                        <p:tgtEl>
+                                          <p:spTgt spid="18438">
+                                            <p:txEl>
+                                              <p:pRg st="2" end="2"/>
+                                            </p:txEl>
+                                          </p:spTgt>
+                                        </p:tgtEl>
+                                        <p:attrNameLst>
+                                          <p:attrName>style.visibility</p:attrName>
+                                        </p:attrNameLst>
+                                      </p:cBhvr>
+                                      <p:to>
+                                        <p:strVal val="visible"/>
+                                      </p:to>
+                                    </p:set>
+                                    <p:animEffect transition="in" filter="wipe(left)">
+                                      <p:cBhvr>
+                                        <p:cTn id="12" dur="500"/>
+                                        <p:tgtEl>
+                                          <p:spTgt spid="18438">
+                                            <p:txEl>
+                                              <p:pRg st="2" end="2"/>
+                                            </p:txEl>
+                                          </p:spTgt>
+                                        </p:tgtEl>
+                                      </p:cBhvr>
+                                    </p:animEffect>
+                                  </p:childTnLst>
+                                </p:cTn>
+                              </p:par>
+                            </p:childTnLst>
+                          </p:cTn>
+                        </p:par>
+                      </p:childTnLst>
+                    </p:cTn>
+                  </p:par>
+                </p:childTnLst>
+              </p:cTn>
+              <p:prevCondLst>
+                <p:cond evt="onPrev" delay="0">
+                  <p:tgtEl>
+                    <p:sldTgt/>
+                  </p:tgtEl>
+                </p:cond>
+              </p:prevCondLst>
+              <p:nextCondLst>
+                <p:cond evt="onNext" delay="0">
+                  <p:tgtEl>
+                    <p:sldTgt/>
+                  </p:tgtEl>
+                </p:cond>
+              </p:nextCondLst>
+            </p:seq>
+          </p:childTnLst>
+        </p:cTn>
+      </p:par>
+    </p:tnLst>
+    <p:bldLst>
+      <p:bldP spid="18438" grpId="0" build="p"/>
+    </p:bldLst>
+  </p:timing>
+</p:sld>
+</file>
+
+<file path=ppt/slides/slide21.xml><?xml version="1.0" encoding="utf-8"?>
+<p:sld xmlns:a="http://schemas.openxmlformats.org/drawingml/2006/main" xmlns:r="http://schemas.openxmlformats.org/officeDocument/2006/relationships" xmlns:p="http://schemas.openxmlformats.org/presentationml/2006/main">
+  <p:cSld>
+    <p:spTree>
+      <p:nvGrpSpPr>
+        <p:cNvPr id="1" name=""/>
+        <p:cNvGrpSpPr/>
+        <p:nvPr/>
+      </p:nvGrpSpPr>
+      <p:grpSpPr>
+        <a:xfrm>
+          <a:off x="0" y="0"/>
+          <a:ext cx="0" cy="0"/>
+          <a:chOff x="0" y="0"/>
+          <a:chExt cx="0" cy="0"/>
+        </a:xfrm>
+      </p:grpSpPr>
+      <p:sp>
+        <p:nvSpPr>
+          <p:cNvPr id="54276" name="Slide Number Placeholder 5"/>
+          <p:cNvSpPr>
+            <a:spLocks noGrp="1"/>
+          </p:cNvSpPr>
+          <p:nvPr>
+            <p:ph type="sldNum" sz="quarter" idx="12"/>
+          </p:nvPr>
+        </p:nvSpPr>
+        <p:spPr>
+          <a:noFill/>
+        </p:spPr>
+        <p:txBody>
+          <a:bodyPr/>
+          <a:lstStyle/>
+          <a:p>
+            <a:r>
+              <a:rPr lang="en-US" dirty="0" err="1"/>
+              <a:t>Lec</a:t>
+            </a:r>
+            <a:r>
+              <a:rPr lang="en-US" dirty="0" smtClean="0"/>
+              <a:t> 14M.</a:t>
+            </a:r>
+            <a:fld id="{B826CD8C-0477-834C-B53A-FCC4FCE3844A}" type="slidenum">
+              <a:rPr lang="en-US" smtClean="0"/>
+              <a:pPr/>
+              <a:t>21</a:t>
+            </a:fld>
+            <a:endParaRPr lang="en-US" dirty="0"/>
+          </a:p>
+          <a:p>
+            <a:endParaRPr lang="en-US" dirty="0"/>
+          </a:p>
+        </p:txBody>
+      </p:sp>
+      <p:sp>
+        <p:nvSpPr>
+          <p:cNvPr id="54277" name="Rectangle 2"/>
+          <p:cNvSpPr>
+            <a:spLocks noGrp="1" noChangeArrowheads="1"/>
+          </p:cNvSpPr>
+          <p:nvPr>
+            <p:ph type="title"/>
+          </p:nvPr>
+        </p:nvSpPr>
+        <p:spPr>
+          <a:xfrm>
+            <a:off x="1443038" y="301625"/>
+            <a:ext cx="6405562" cy="1069975"/>
+          </a:xfrm>
+        </p:spPr>
+        <p:txBody>
+          <a:bodyPr/>
+          <a:lstStyle/>
+          <a:p>
+            <a:pPr eaLnBrk="1" hangingPunct="1"/>
+            <a:r>
+              <a:rPr lang="en-US" dirty="0" smtClean="0"/>
+              <a:t>Example: Gambler’s </a:t>
+            </a:r>
+            <a:r>
+              <a:rPr lang="en-US" dirty="0"/>
+              <a:t>Ruin</a:t>
+            </a:r>
+          </a:p>
+        </p:txBody>
+      </p:sp>
+      <p:sp>
+        <p:nvSpPr>
+          <p:cNvPr id="54278" name="Rectangle 3"/>
+          <p:cNvSpPr>
+            <a:spLocks noGrp="1" noChangeArrowheads="1"/>
+          </p:cNvSpPr>
+          <p:nvPr>
+            <p:ph type="body" idx="1"/>
+          </p:nvPr>
+        </p:nvSpPr>
+        <p:spPr>
+          <a:xfrm>
+            <a:off x="685800" y="1600200"/>
+            <a:ext cx="7924800" cy="762000"/>
+          </a:xfrm>
+        </p:spPr>
+        <p:txBody>
+          <a:bodyPr/>
+          <a:lstStyle/>
+          <a:p>
+            <a:pPr eaLnBrk="1" hangingPunct="1">
+              <a:buFontTx/>
+              <a:buNone/>
+            </a:pPr>
+            <a:r>
+              <a:rPr lang="en-US"/>
+              <a:t>View as random walk on a line.</a:t>
+            </a:r>
+          </a:p>
+        </p:txBody>
+      </p:sp>
+      <p:sp>
+        <p:nvSpPr>
+          <p:cNvPr id="31751" name="Rectangle 5"/>
+          <p:cNvSpPr>
+            <a:spLocks noChangeArrowheads="1"/>
+          </p:cNvSpPr>
+          <p:nvPr/>
+        </p:nvSpPr>
+        <p:spPr bwMode="auto">
+          <a:xfrm>
+            <a:off x="685800" y="3810000"/>
+            <a:ext cx="7848600" cy="685800"/>
+          </a:xfrm>
+          <a:prstGeom prst="rect">
+            <a:avLst/>
+          </a:prstGeom>
+          <a:noFill/>
+          <a:ln w="9525">
+            <a:noFill/>
+            <a:miter lim="800000"/>
+            <a:headEnd/>
+            <a:tailEnd/>
+          </a:ln>
+        </p:spPr>
+        <p:txBody>
+          <a:bodyPr>
+            <a:prstTxWarp prst="textNoShape">
+              <a:avLst/>
+            </a:prstTxWarp>
+          </a:bodyPr>
+          <a:lstStyle/>
+          <a:p>
+            <a:pPr eaLnBrk="1" hangingPunct="1">
+              <a:lnSpc>
+                <a:spcPct val="90000"/>
+              </a:lnSpc>
+              <a:spcBef>
+                <a:spcPct val="20000"/>
+              </a:spcBef>
+              <a:buClr>
+                <a:schemeClr val="tx1"/>
+              </a:buClr>
+            </a:pPr>
+            <a:r>
+              <a:rPr lang="en-US" sz="3600" dirty="0">
+                <a:solidFill>
+                  <a:srgbClr val="008000"/>
+                </a:solidFill>
+              </a:rPr>
+              <a:t>p</a:t>
+            </a:r>
+            <a:r>
+              <a:rPr lang="en-US" sz="3600" dirty="0"/>
+              <a:t> ::=</a:t>
+            </a:r>
+            <a:r>
+              <a:rPr lang="en-US" sz="3600" dirty="0" err="1" smtClean="0"/>
+              <a:t>Pr</a:t>
+            </a:r>
+            <a:r>
+              <a:rPr lang="en-US" sz="3600" dirty="0"/>
+              <a:t>[</a:t>
+            </a:r>
+            <a:r>
+              <a:rPr lang="en-US" sz="3600" dirty="0" smtClean="0">
+                <a:solidFill>
+                  <a:srgbClr val="008000"/>
+                </a:solidFill>
+              </a:rPr>
+              <a:t>win</a:t>
+            </a:r>
+            <a:r>
+              <a:rPr lang="en-US" sz="3600" dirty="0" smtClean="0"/>
+              <a:t> </a:t>
+            </a:r>
+            <a:r>
+              <a:rPr lang="en-US" sz="3600" dirty="0"/>
+              <a:t>a </a:t>
+            </a:r>
+            <a:r>
+              <a:rPr lang="en-US" sz="3600" dirty="0" smtClean="0"/>
+              <a:t>bet]</a:t>
+            </a:r>
+            <a:endParaRPr lang="en-US" dirty="0"/>
+          </a:p>
+        </p:txBody>
+      </p:sp>
+      <p:sp>
+        <p:nvSpPr>
+          <p:cNvPr id="54280" name="Oval 6"/>
+          <p:cNvSpPr>
+            <a:spLocks noChangeArrowheads="1"/>
+          </p:cNvSpPr>
+          <p:nvPr/>
+        </p:nvSpPr>
+        <p:spPr bwMode="auto">
+          <a:xfrm>
+            <a:off x="273050" y="2819400"/>
+            <a:ext cx="457200" cy="457200"/>
+          </a:xfrm>
+          <a:prstGeom prst="ellipse">
+            <a:avLst/>
+          </a:prstGeom>
+          <a:solidFill>
+            <a:srgbClr val="E6E6E6"/>
+          </a:solidFill>
+          <a:ln w="9525">
+            <a:solidFill>
+              <a:schemeClr val="tx1"/>
+            </a:solidFill>
+            <a:round/>
+            <a:headEnd/>
+            <a:tailEnd/>
+          </a:ln>
+        </p:spPr>
+        <p:txBody>
+          <a:bodyPr wrap="none" anchor="ctr">
+            <a:prstTxWarp prst="textNoShape">
+              <a:avLst/>
+            </a:prstTxWarp>
+          </a:bodyPr>
+          <a:lstStyle/>
+          <a:p>
+            <a:pPr algn="ctr"/>
+            <a:r>
+              <a:rPr lang="en-US">
+                <a:solidFill>
+                  <a:srgbClr val="CC0000"/>
+                </a:solidFill>
+              </a:rPr>
+              <a:t>$0</a:t>
+            </a:r>
+          </a:p>
+        </p:txBody>
+      </p:sp>
+      <p:sp>
+        <p:nvSpPr>
+          <p:cNvPr id="54281" name="Oval 10"/>
+          <p:cNvSpPr>
+            <a:spLocks noChangeArrowheads="1"/>
+          </p:cNvSpPr>
+          <p:nvPr/>
+        </p:nvSpPr>
+        <p:spPr bwMode="auto">
+          <a:xfrm>
+            <a:off x="3463925" y="2819400"/>
+            <a:ext cx="457200" cy="457200"/>
+          </a:xfrm>
+          <a:prstGeom prst="ellipse">
+            <a:avLst/>
+          </a:prstGeom>
+          <a:solidFill>
+            <a:srgbClr val="E6E6E6"/>
+          </a:solidFill>
+          <a:ln w="9525">
+            <a:solidFill>
+              <a:schemeClr val="tx1"/>
+            </a:solidFill>
+            <a:round/>
+            <a:headEnd/>
+            <a:tailEnd/>
+          </a:ln>
+        </p:spPr>
+        <p:txBody>
+          <a:bodyPr wrap="none" anchor="ctr">
+            <a:prstTxWarp prst="textNoShape">
+              <a:avLst/>
+            </a:prstTxWarp>
+          </a:bodyPr>
+          <a:lstStyle/>
+          <a:p>
+            <a:pPr algn="ctr"/>
+            <a:r>
+              <a:rPr lang="en-US"/>
+              <a:t>n-1</a:t>
+            </a:r>
+          </a:p>
+        </p:txBody>
+      </p:sp>
+      <p:cxnSp>
+        <p:nvCxnSpPr>
+          <p:cNvPr id="54282" name="AutoShape 13"/>
+          <p:cNvCxnSpPr>
+            <a:cxnSpLocks noChangeShapeType="1"/>
+            <a:stCxn id="54312" idx="2"/>
+            <a:endCxn id="54280" idx="6"/>
+          </p:cNvCxnSpPr>
+          <p:nvPr/>
+        </p:nvCxnSpPr>
+        <p:spPr bwMode="auto">
+          <a:xfrm flipH="1">
+            <a:off x="730250" y="3048000"/>
+            <a:ext cx="488950" cy="0"/>
+          </a:xfrm>
+          <a:prstGeom prst="straightConnector1">
+            <a:avLst/>
+          </a:prstGeom>
+          <a:noFill/>
+          <a:ln w="28575">
+            <a:solidFill>
+              <a:srgbClr val="CC0000"/>
+            </a:solidFill>
+            <a:round/>
+            <a:headEnd/>
+            <a:tailEnd type="triangle" w="med" len="med"/>
+          </a:ln>
+        </p:spPr>
+      </p:cxnSp>
+      <p:sp>
+        <p:nvSpPr>
+          <p:cNvPr id="54283" name="Oval 14"/>
+          <p:cNvSpPr>
+            <a:spLocks noChangeArrowheads="1"/>
+          </p:cNvSpPr>
+          <p:nvPr/>
+        </p:nvSpPr>
+        <p:spPr bwMode="auto">
+          <a:xfrm>
+            <a:off x="4432300" y="2819400"/>
+            <a:ext cx="457200" cy="457200"/>
+          </a:xfrm>
+          <a:prstGeom prst="ellipse">
+            <a:avLst/>
+          </a:prstGeom>
+          <a:solidFill>
+            <a:srgbClr val="E6E6E6"/>
+          </a:solidFill>
+          <a:ln w="9525">
+            <a:solidFill>
+              <a:schemeClr val="tx1"/>
+            </a:solidFill>
+            <a:round/>
+            <a:headEnd/>
+            <a:tailEnd/>
+          </a:ln>
+        </p:spPr>
+        <p:txBody>
+          <a:bodyPr wrap="none" anchor="ctr">
+            <a:prstTxWarp prst="textNoShape">
+              <a:avLst/>
+            </a:prstTxWarp>
+          </a:bodyPr>
+          <a:lstStyle/>
+          <a:p>
+            <a:pPr algn="ctr"/>
+            <a:r>
+              <a:rPr lang="en-US"/>
+              <a:t>n</a:t>
+            </a:r>
+          </a:p>
+        </p:txBody>
+      </p:sp>
+      <p:cxnSp>
+        <p:nvCxnSpPr>
+          <p:cNvPr id="54284" name="AutoShape 15"/>
+          <p:cNvCxnSpPr>
+            <a:cxnSpLocks noChangeShapeType="1"/>
+            <a:stCxn id="54281" idx="7"/>
+            <a:endCxn id="54283" idx="1"/>
+          </p:cNvCxnSpPr>
+          <p:nvPr/>
+        </p:nvCxnSpPr>
+        <p:spPr bwMode="auto">
+          <a:xfrm rot="5400000" flipV="1">
+            <a:off x="4175919" y="2564606"/>
+            <a:ext cx="1588" cy="644525"/>
+          </a:xfrm>
+          <a:prstGeom prst="curvedConnector3">
+            <a:avLst>
+              <a:gd name="adj1" fmla="val -13200005"/>
+            </a:avLst>
+          </a:prstGeom>
+          <a:noFill/>
+          <a:ln w="28575">
+            <a:solidFill>
+              <a:srgbClr val="008000"/>
+            </a:solidFill>
+            <a:round/>
+            <a:headEnd/>
+            <a:tailEnd type="triangle" w="med" len="med"/>
+          </a:ln>
+        </p:spPr>
+      </p:cxnSp>
+      <p:cxnSp>
+        <p:nvCxnSpPr>
+          <p:cNvPr id="54285" name="AutoShape 16"/>
+          <p:cNvCxnSpPr>
+            <a:cxnSpLocks noChangeShapeType="1"/>
+            <a:stCxn id="54283" idx="3"/>
+            <a:endCxn id="54281" idx="5"/>
+          </p:cNvCxnSpPr>
+          <p:nvPr/>
+        </p:nvCxnSpPr>
+        <p:spPr bwMode="auto">
+          <a:xfrm rot="5400000">
+            <a:off x="4175919" y="2888456"/>
+            <a:ext cx="1588" cy="644525"/>
+          </a:xfrm>
+          <a:prstGeom prst="curvedConnector3">
+            <a:avLst>
+              <a:gd name="adj1" fmla="val 13000005"/>
+            </a:avLst>
+          </a:prstGeom>
+          <a:noFill/>
+          <a:ln w="28575">
+            <a:solidFill>
+              <a:srgbClr val="CC0000"/>
+            </a:solidFill>
+            <a:round/>
+            <a:headEnd/>
+            <a:tailEnd type="triangle" w="med" len="med"/>
+          </a:ln>
+        </p:spPr>
+      </p:cxnSp>
+      <p:sp>
+        <p:nvSpPr>
+          <p:cNvPr id="54286" name="Oval 17"/>
+          <p:cNvSpPr>
+            <a:spLocks noChangeArrowheads="1"/>
+          </p:cNvSpPr>
+          <p:nvPr/>
+        </p:nvSpPr>
+        <p:spPr bwMode="auto">
+          <a:xfrm>
+            <a:off x="5368925" y="2809875"/>
+            <a:ext cx="457200" cy="457200"/>
+          </a:xfrm>
+          <a:prstGeom prst="ellipse">
+            <a:avLst/>
+          </a:prstGeom>
+          <a:solidFill>
+            <a:srgbClr val="E6E6E6"/>
+          </a:solidFill>
+          <a:ln w="9525">
+            <a:solidFill>
+              <a:schemeClr val="tx1"/>
+            </a:solidFill>
+            <a:round/>
+            <a:headEnd/>
+            <a:tailEnd/>
+          </a:ln>
+        </p:spPr>
+        <p:txBody>
+          <a:bodyPr wrap="none" anchor="ctr">
+            <a:prstTxWarp prst="textNoShape">
+              <a:avLst/>
+            </a:prstTxWarp>
+          </a:bodyPr>
+          <a:lstStyle/>
+          <a:p>
+            <a:pPr algn="ctr"/>
+            <a:r>
+              <a:rPr lang="en-US"/>
+              <a:t>n+1</a:t>
+            </a:r>
+          </a:p>
+        </p:txBody>
+      </p:sp>
+      <p:cxnSp>
+        <p:nvCxnSpPr>
+          <p:cNvPr id="54287" name="AutoShape 18"/>
+          <p:cNvCxnSpPr>
+            <a:cxnSpLocks noChangeShapeType="1"/>
+            <a:stCxn id="54283" idx="7"/>
+            <a:endCxn id="54286" idx="1"/>
+          </p:cNvCxnSpPr>
+          <p:nvPr/>
+        </p:nvCxnSpPr>
+        <p:spPr bwMode="auto">
+          <a:xfrm rot="-5400000">
+            <a:off x="5124450" y="2574925"/>
+            <a:ext cx="9525" cy="612775"/>
+          </a:xfrm>
+          <a:prstGeom prst="curvedConnector3">
+            <a:avLst>
+              <a:gd name="adj1" fmla="val 2166667"/>
+            </a:avLst>
+          </a:prstGeom>
+          <a:noFill/>
+          <a:ln w="28575">
+            <a:solidFill>
+              <a:srgbClr val="008000"/>
+            </a:solidFill>
+            <a:round/>
+            <a:headEnd/>
+            <a:tailEnd type="triangle" w="med" len="med"/>
+          </a:ln>
+        </p:spPr>
+      </p:cxnSp>
+      <p:cxnSp>
+        <p:nvCxnSpPr>
+          <p:cNvPr id="54288" name="AutoShape 19"/>
+          <p:cNvCxnSpPr>
+            <a:cxnSpLocks noChangeShapeType="1"/>
+            <a:stCxn id="54286" idx="3"/>
+            <a:endCxn id="54283" idx="5"/>
+          </p:cNvCxnSpPr>
+          <p:nvPr/>
+        </p:nvCxnSpPr>
+        <p:spPr bwMode="auto">
+          <a:xfrm rot="5400000">
+            <a:off x="5124450" y="2898775"/>
+            <a:ext cx="9525" cy="612775"/>
+          </a:xfrm>
+          <a:prstGeom prst="curvedConnector3">
+            <a:avLst>
+              <a:gd name="adj1" fmla="val 2150000"/>
+            </a:avLst>
+          </a:prstGeom>
+          <a:noFill/>
+          <a:ln w="28575">
+            <a:solidFill>
+              <a:srgbClr val="CC0000"/>
+            </a:solidFill>
+            <a:round/>
+            <a:headEnd/>
+            <a:tailEnd type="triangle" w="med" len="med"/>
+          </a:ln>
+        </p:spPr>
+      </p:cxnSp>
+      <p:sp>
+        <p:nvSpPr>
+          <p:cNvPr id="54289" name="Oval 25"/>
+          <p:cNvSpPr>
+            <a:spLocks noChangeArrowheads="1"/>
+          </p:cNvSpPr>
+          <p:nvPr/>
+        </p:nvSpPr>
+        <p:spPr bwMode="auto">
+          <a:xfrm>
+            <a:off x="8382000" y="2819400"/>
+            <a:ext cx="457200" cy="457200"/>
+          </a:xfrm>
+          <a:prstGeom prst="ellipse">
+            <a:avLst/>
+          </a:prstGeom>
+          <a:solidFill>
+            <a:srgbClr val="E6E6E6"/>
+          </a:solidFill>
+          <a:ln w="9525">
+            <a:solidFill>
+              <a:schemeClr val="tx1"/>
+            </a:solidFill>
+            <a:round/>
+            <a:headEnd/>
+            <a:tailEnd/>
+          </a:ln>
+        </p:spPr>
+        <p:txBody>
+          <a:bodyPr wrap="none" anchor="ctr">
+            <a:prstTxWarp prst="textNoShape">
+              <a:avLst/>
+            </a:prstTxWarp>
+          </a:bodyPr>
+          <a:lstStyle/>
+          <a:p>
+            <a:pPr algn="ctr"/>
+            <a:r>
+              <a:rPr lang="en-US">
+                <a:solidFill>
+                  <a:srgbClr val="008000"/>
+                </a:solidFill>
+              </a:rPr>
+              <a:t>T</a:t>
+            </a:r>
+          </a:p>
+        </p:txBody>
+      </p:sp>
+      <p:cxnSp>
+        <p:nvCxnSpPr>
+          <p:cNvPr id="54290" name="AutoShape 34"/>
+          <p:cNvCxnSpPr>
+            <a:cxnSpLocks noChangeShapeType="1"/>
+            <a:stCxn id="54280" idx="2"/>
+            <a:endCxn id="54280" idx="0"/>
+          </p:cNvCxnSpPr>
+          <p:nvPr/>
+        </p:nvCxnSpPr>
+        <p:spPr bwMode="auto">
+          <a:xfrm rot="10800000" flipH="1">
+            <a:off x="273050" y="2819400"/>
+            <a:ext cx="228600" cy="228600"/>
+          </a:xfrm>
+          <a:prstGeom prst="curvedConnector4">
+            <a:avLst>
+              <a:gd name="adj1" fmla="val -100000"/>
+              <a:gd name="adj2" fmla="val 200000"/>
+            </a:avLst>
+          </a:prstGeom>
+          <a:noFill/>
+          <a:ln w="28575">
+            <a:solidFill>
+              <a:schemeClr val="tx1"/>
+            </a:solidFill>
+            <a:round/>
+            <a:headEnd/>
+            <a:tailEnd type="triangle" w="med" len="med"/>
+          </a:ln>
+        </p:spPr>
+      </p:cxnSp>
+      <p:sp>
+        <p:nvSpPr>
+          <p:cNvPr id="31763" name="Oval 35"/>
+          <p:cNvSpPr>
+            <a:spLocks noChangeArrowheads="1"/>
+          </p:cNvSpPr>
+          <p:nvPr/>
+        </p:nvSpPr>
+        <p:spPr bwMode="auto">
+          <a:xfrm>
+            <a:off x="5486400" y="4114800"/>
+            <a:ext cx="457200" cy="457200"/>
+          </a:xfrm>
+          <a:prstGeom prst="ellipse">
+            <a:avLst/>
+          </a:prstGeom>
+          <a:solidFill>
+            <a:srgbClr val="E6E6E6"/>
+          </a:solidFill>
+          <a:ln w="9525">
+            <a:solidFill>
+              <a:schemeClr val="tx1"/>
+            </a:solidFill>
+            <a:round/>
+            <a:headEnd/>
+            <a:tailEnd/>
+          </a:ln>
+        </p:spPr>
+        <p:txBody>
+          <a:bodyPr wrap="none" anchor="ctr">
+            <a:prstTxWarp prst="textNoShape">
+              <a:avLst/>
+            </a:prstTxWarp>
+          </a:bodyPr>
+          <a:lstStyle/>
+          <a:p>
+            <a:pPr algn="ctr"/>
+            <a:r>
+              <a:rPr lang="en-US"/>
+              <a:t>k</a:t>
+            </a:r>
+          </a:p>
+        </p:txBody>
+      </p:sp>
+      <p:sp>
+        <p:nvSpPr>
+          <p:cNvPr id="31764" name="Oval 36"/>
+          <p:cNvSpPr>
+            <a:spLocks noChangeArrowheads="1"/>
+          </p:cNvSpPr>
+          <p:nvPr/>
+        </p:nvSpPr>
+        <p:spPr bwMode="auto">
+          <a:xfrm>
+            <a:off x="6553200" y="4114800"/>
+            <a:ext cx="457200" cy="457200"/>
+          </a:xfrm>
+          <a:prstGeom prst="ellipse">
+            <a:avLst/>
+          </a:prstGeom>
+          <a:solidFill>
+            <a:srgbClr val="E6E6E6"/>
+          </a:solidFill>
+          <a:ln w="9525">
+            <a:solidFill>
+              <a:schemeClr val="tx1"/>
+            </a:solidFill>
+            <a:round/>
+            <a:headEnd/>
+            <a:tailEnd/>
+          </a:ln>
+        </p:spPr>
+        <p:txBody>
+          <a:bodyPr wrap="none" anchor="ctr">
+            <a:prstTxWarp prst="textNoShape">
+              <a:avLst/>
+            </a:prstTxWarp>
+          </a:bodyPr>
+          <a:lstStyle/>
+          <a:p>
+            <a:pPr algn="ctr"/>
+            <a:endParaRPr lang="en-US">
+              <a:latin typeface="Arial" pitchFamily="-111" charset="0"/>
+            </a:endParaRPr>
+          </a:p>
+        </p:txBody>
+      </p:sp>
+      <p:cxnSp>
+        <p:nvCxnSpPr>
+          <p:cNvPr id="31765" name="AutoShape 37"/>
+          <p:cNvCxnSpPr>
+            <a:cxnSpLocks noChangeShapeType="1"/>
+            <a:stCxn id="31763" idx="7"/>
+            <a:endCxn id="31764" idx="1"/>
+          </p:cNvCxnSpPr>
+          <p:nvPr/>
+        </p:nvCxnSpPr>
+        <p:spPr bwMode="auto">
+          <a:xfrm rot="5400000" flipV="1">
+            <a:off x="6247606" y="3810794"/>
+            <a:ext cx="1588" cy="742950"/>
+          </a:xfrm>
+          <a:prstGeom prst="curvedConnector3">
+            <a:avLst>
+              <a:gd name="adj1" fmla="val -13200005"/>
+            </a:avLst>
+          </a:prstGeom>
+          <a:noFill/>
+          <a:ln w="28575">
+            <a:solidFill>
+              <a:srgbClr val="008000"/>
+            </a:solidFill>
+            <a:round/>
+            <a:headEnd/>
+            <a:tailEnd type="triangle" w="med" len="med"/>
+          </a:ln>
+        </p:spPr>
+      </p:cxnSp>
+      <p:sp>
+        <p:nvSpPr>
+          <p:cNvPr id="31766" name="Rectangle 38"/>
+          <p:cNvSpPr>
+            <a:spLocks noChangeArrowheads="1"/>
+          </p:cNvSpPr>
+          <p:nvPr/>
+        </p:nvSpPr>
+        <p:spPr bwMode="auto">
+          <a:xfrm>
+            <a:off x="6053138" y="3505200"/>
+            <a:ext cx="347662" cy="457200"/>
+          </a:xfrm>
+          <a:prstGeom prst="rect">
+            <a:avLst/>
+          </a:prstGeom>
+          <a:noFill/>
+          <a:ln w="9525">
+            <a:noFill/>
+            <a:miter lim="800000"/>
+            <a:headEnd/>
+            <a:tailEnd/>
+          </a:ln>
+        </p:spPr>
+        <p:txBody>
+          <a:bodyPr wrap="none">
+            <a:prstTxWarp prst="textNoShape">
+              <a:avLst/>
+            </a:prstTxWarp>
+            <a:spAutoFit/>
+          </a:bodyPr>
+          <a:lstStyle/>
+          <a:p>
+            <a:r>
+              <a:rPr lang="en-US">
+                <a:solidFill>
+                  <a:srgbClr val="008000"/>
+                </a:solidFill>
+              </a:rPr>
+              <a:t>p</a:t>
+            </a:r>
+          </a:p>
+        </p:txBody>
+      </p:sp>
+      <p:sp>
+        <p:nvSpPr>
+          <p:cNvPr id="31767" name="Rectangle 39"/>
+          <p:cNvSpPr>
+            <a:spLocks noChangeArrowheads="1"/>
+          </p:cNvSpPr>
+          <p:nvPr/>
+        </p:nvSpPr>
+        <p:spPr bwMode="auto">
+          <a:xfrm>
+            <a:off x="6440488" y="4143375"/>
+            <a:ext cx="631825" cy="457200"/>
+          </a:xfrm>
+          <a:prstGeom prst="rect">
+            <a:avLst/>
+          </a:prstGeom>
+          <a:noFill/>
+          <a:ln w="9525">
+            <a:noFill/>
+            <a:miter lim="800000"/>
+            <a:headEnd/>
+            <a:tailEnd/>
+          </a:ln>
+        </p:spPr>
+        <p:txBody>
+          <a:bodyPr wrap="none">
+            <a:prstTxWarp prst="textNoShape">
+              <a:avLst/>
+            </a:prstTxWarp>
+            <a:spAutoFit/>
+          </a:bodyPr>
+          <a:lstStyle/>
+          <a:p>
+            <a:r>
+              <a:rPr lang="en-US"/>
+              <a:t>k+1</a:t>
+            </a:r>
+          </a:p>
+        </p:txBody>
+      </p:sp>
+      <p:sp>
+        <p:nvSpPr>
+          <p:cNvPr id="31768" name="Oval 40"/>
+          <p:cNvSpPr>
+            <a:spLocks noChangeArrowheads="1"/>
+          </p:cNvSpPr>
+          <p:nvPr/>
+        </p:nvSpPr>
+        <p:spPr bwMode="auto">
+          <a:xfrm>
+            <a:off x="6791325" y="4876800"/>
+            <a:ext cx="457200" cy="457200"/>
+          </a:xfrm>
+          <a:prstGeom prst="ellipse">
+            <a:avLst/>
+          </a:prstGeom>
+          <a:solidFill>
+            <a:srgbClr val="E6E6E6"/>
+          </a:solidFill>
+          <a:ln w="9525">
+            <a:solidFill>
+              <a:schemeClr val="tx1"/>
+            </a:solidFill>
+            <a:round/>
+            <a:headEnd/>
+            <a:tailEnd/>
+          </a:ln>
+        </p:spPr>
+        <p:txBody>
+          <a:bodyPr wrap="none" anchor="ctr">
+            <a:prstTxWarp prst="textNoShape">
+              <a:avLst/>
+            </a:prstTxWarp>
+          </a:bodyPr>
+          <a:lstStyle/>
+          <a:p>
+            <a:pPr algn="ctr"/>
+            <a:endParaRPr lang="en-US">
+              <a:latin typeface="Arial" pitchFamily="-111" charset="0"/>
+            </a:endParaRPr>
+          </a:p>
+        </p:txBody>
+      </p:sp>
+      <p:sp>
+        <p:nvSpPr>
+          <p:cNvPr id="31769" name="Oval 41"/>
+          <p:cNvSpPr>
+            <a:spLocks noChangeArrowheads="1"/>
+          </p:cNvSpPr>
+          <p:nvPr/>
+        </p:nvSpPr>
+        <p:spPr bwMode="auto">
+          <a:xfrm>
+            <a:off x="7848600" y="4867275"/>
+            <a:ext cx="457200" cy="457200"/>
+          </a:xfrm>
+          <a:prstGeom prst="ellipse">
+            <a:avLst/>
+          </a:prstGeom>
+          <a:solidFill>
+            <a:srgbClr val="E6E6E6"/>
+          </a:solidFill>
+          <a:ln w="9525">
+            <a:solidFill>
+              <a:schemeClr val="tx1"/>
+            </a:solidFill>
+            <a:round/>
+            <a:headEnd/>
+            <a:tailEnd/>
+          </a:ln>
+        </p:spPr>
+        <p:txBody>
+          <a:bodyPr wrap="none" anchor="ctr">
+            <a:prstTxWarp prst="textNoShape">
+              <a:avLst/>
+            </a:prstTxWarp>
+          </a:bodyPr>
+          <a:lstStyle/>
+          <a:p>
+            <a:pPr algn="ctr"/>
+            <a:r>
+              <a:rPr lang="en-US"/>
+              <a:t>k</a:t>
+            </a:r>
+          </a:p>
+        </p:txBody>
+      </p:sp>
+      <p:cxnSp>
+        <p:nvCxnSpPr>
+          <p:cNvPr id="31770" name="AutoShape 42"/>
+          <p:cNvCxnSpPr>
+            <a:cxnSpLocks noChangeShapeType="1"/>
+            <a:stCxn id="31769" idx="3"/>
+          </p:cNvCxnSpPr>
+          <p:nvPr/>
+        </p:nvCxnSpPr>
+        <p:spPr bwMode="auto">
+          <a:xfrm rot="5400000">
+            <a:off x="7543006" y="4887119"/>
+            <a:ext cx="1588" cy="742950"/>
+          </a:xfrm>
+          <a:prstGeom prst="curvedConnector3">
+            <a:avLst>
+              <a:gd name="adj1" fmla="val 13200005"/>
+            </a:avLst>
+          </a:prstGeom>
+          <a:noFill/>
+          <a:ln w="28575">
+            <a:solidFill>
+              <a:srgbClr val="CC0000"/>
+            </a:solidFill>
+            <a:round/>
+            <a:headEnd/>
+            <a:tailEnd type="triangle" w="med" len="med"/>
+          </a:ln>
+        </p:spPr>
+      </p:cxnSp>
+      <p:sp>
+        <p:nvSpPr>
+          <p:cNvPr id="31771" name="Rectangle 43"/>
+          <p:cNvSpPr>
+            <a:spLocks noChangeArrowheads="1"/>
+          </p:cNvSpPr>
+          <p:nvPr/>
+        </p:nvSpPr>
+        <p:spPr bwMode="auto">
+          <a:xfrm>
+            <a:off x="6705600" y="4875213"/>
+            <a:ext cx="612775" cy="457200"/>
+          </a:xfrm>
+          <a:prstGeom prst="rect">
+            <a:avLst/>
+          </a:prstGeom>
+          <a:noFill/>
+          <a:ln w="9525">
+            <a:noFill/>
+            <a:miter lim="800000"/>
+            <a:headEnd/>
+            <a:tailEnd/>
+          </a:ln>
+        </p:spPr>
+        <p:txBody>
+          <a:bodyPr wrap="none">
+            <a:prstTxWarp prst="textNoShape">
+              <a:avLst/>
+            </a:prstTxWarp>
+            <a:spAutoFit/>
+          </a:bodyPr>
+          <a:lstStyle/>
+          <a:p>
+            <a:r>
+              <a:rPr lang="en-US"/>
+              <a:t>k-1</a:t>
+            </a:r>
+          </a:p>
+        </p:txBody>
+      </p:sp>
+      <p:sp>
+        <p:nvSpPr>
+          <p:cNvPr id="31772" name="Rectangle 44"/>
+          <p:cNvSpPr>
+            <a:spLocks noChangeArrowheads="1"/>
+          </p:cNvSpPr>
+          <p:nvPr/>
+        </p:nvSpPr>
+        <p:spPr bwMode="auto">
+          <a:xfrm>
+            <a:off x="7391400" y="5410200"/>
+            <a:ext cx="342900" cy="457200"/>
+          </a:xfrm>
+          <a:prstGeom prst="rect">
+            <a:avLst/>
+          </a:prstGeom>
+          <a:noFill/>
+          <a:ln w="9525">
+            <a:noFill/>
+            <a:miter lim="800000"/>
+            <a:headEnd/>
+            <a:tailEnd/>
+          </a:ln>
+        </p:spPr>
+        <p:txBody>
+          <a:bodyPr wrap="none">
+            <a:prstTxWarp prst="textNoShape">
+              <a:avLst/>
+            </a:prstTxWarp>
+            <a:spAutoFit/>
+          </a:bodyPr>
+          <a:lstStyle/>
+          <a:p>
+            <a:r>
+              <a:rPr lang="en-US">
+                <a:solidFill>
+                  <a:srgbClr val="CC0000"/>
+                </a:solidFill>
+              </a:rPr>
+              <a:t>q</a:t>
+            </a:r>
+            <a:endParaRPr lang="en-US">
+              <a:solidFill>
+                <a:srgbClr val="008000"/>
+              </a:solidFill>
+            </a:endParaRPr>
+          </a:p>
+        </p:txBody>
+      </p:sp>
+      <p:cxnSp>
+        <p:nvCxnSpPr>
+          <p:cNvPr id="54301" name="AutoShape 48"/>
+          <p:cNvCxnSpPr>
+            <a:cxnSpLocks noChangeShapeType="1"/>
+            <a:stCxn id="54289" idx="6"/>
+            <a:endCxn id="54289" idx="0"/>
+          </p:cNvCxnSpPr>
+          <p:nvPr/>
+        </p:nvCxnSpPr>
+        <p:spPr bwMode="auto">
+          <a:xfrm flipH="1" flipV="1">
+            <a:off x="8610600" y="2819400"/>
+            <a:ext cx="228600" cy="228600"/>
+          </a:xfrm>
+          <a:prstGeom prst="curvedConnector4">
+            <a:avLst>
+              <a:gd name="adj1" fmla="val -100000"/>
+              <a:gd name="adj2" fmla="val 200000"/>
+            </a:avLst>
+          </a:prstGeom>
+          <a:noFill/>
+          <a:ln w="28575">
+            <a:solidFill>
+              <a:schemeClr val="tx1"/>
+            </a:solidFill>
+            <a:round/>
+            <a:headEnd/>
+            <a:tailEnd type="triangle" w="med" len="med"/>
+          </a:ln>
+        </p:spPr>
+      </p:cxnSp>
+      <p:sp>
+        <p:nvSpPr>
+          <p:cNvPr id="54302" name="Rectangle 49"/>
+          <p:cNvSpPr>
+            <a:spLocks noChangeArrowheads="1"/>
+          </p:cNvSpPr>
+          <p:nvPr/>
+        </p:nvSpPr>
+        <p:spPr bwMode="auto">
+          <a:xfrm>
+            <a:off x="6324600" y="2590800"/>
+            <a:ext cx="641350" cy="641350"/>
+          </a:xfrm>
+          <a:prstGeom prst="rect">
+            <a:avLst/>
+          </a:prstGeom>
+          <a:noFill/>
+          <a:ln w="9525">
+            <a:noFill/>
+            <a:miter lim="800000"/>
+            <a:headEnd/>
+            <a:tailEnd/>
+          </a:ln>
+        </p:spPr>
+        <p:txBody>
+          <a:bodyPr wrap="none">
+            <a:prstTxWarp prst="textNoShape">
+              <a:avLst/>
+            </a:prstTxWarp>
+            <a:spAutoFit/>
+          </a:bodyPr>
+          <a:lstStyle/>
+          <a:p>
+            <a:r>
+              <a:rPr lang="en-US" sz="3600">
+                <a:latin typeface="Arial" pitchFamily="-111" charset="0"/>
+              </a:rPr>
+              <a:t>…</a:t>
+            </a:r>
+          </a:p>
+        </p:txBody>
+      </p:sp>
+      <p:cxnSp>
+        <p:nvCxnSpPr>
+          <p:cNvPr id="54303" name="AutoShape 53"/>
+          <p:cNvCxnSpPr>
+            <a:cxnSpLocks noChangeShapeType="1"/>
+            <a:stCxn id="54309" idx="6"/>
+            <a:endCxn id="54289" idx="2"/>
+          </p:cNvCxnSpPr>
+          <p:nvPr/>
+        </p:nvCxnSpPr>
+        <p:spPr bwMode="auto">
+          <a:xfrm>
+            <a:off x="7937500" y="3048000"/>
+            <a:ext cx="444500" cy="0"/>
+          </a:xfrm>
+          <a:prstGeom prst="straightConnector1">
+            <a:avLst/>
+          </a:prstGeom>
+          <a:noFill/>
+          <a:ln w="28575">
+            <a:solidFill>
+              <a:srgbClr val="008000"/>
+            </a:solidFill>
+            <a:round/>
+            <a:headEnd/>
+            <a:tailEnd type="triangle" w="med" len="med"/>
+          </a:ln>
+        </p:spPr>
+      </p:cxnSp>
+      <p:sp>
+        <p:nvSpPr>
+          <p:cNvPr id="54304" name="Rectangle 54"/>
+          <p:cNvSpPr>
+            <a:spLocks noChangeArrowheads="1"/>
+          </p:cNvSpPr>
+          <p:nvPr/>
+        </p:nvSpPr>
+        <p:spPr bwMode="auto">
+          <a:xfrm>
+            <a:off x="2286000" y="2590800"/>
+            <a:ext cx="641350" cy="641350"/>
+          </a:xfrm>
+          <a:prstGeom prst="rect">
+            <a:avLst/>
+          </a:prstGeom>
+          <a:noFill/>
+          <a:ln w="9525">
+            <a:noFill/>
+            <a:miter lim="800000"/>
+            <a:headEnd/>
+            <a:tailEnd/>
+          </a:ln>
+        </p:spPr>
+        <p:txBody>
+          <a:bodyPr wrap="none">
+            <a:prstTxWarp prst="textNoShape">
+              <a:avLst/>
+            </a:prstTxWarp>
+            <a:spAutoFit/>
+          </a:bodyPr>
+          <a:lstStyle/>
+          <a:p>
+            <a:r>
+              <a:rPr lang="en-US" sz="3600">
+                <a:latin typeface="Arial" pitchFamily="-111" charset="0"/>
+              </a:rPr>
+              <a:t>…</a:t>
+            </a:r>
+          </a:p>
+        </p:txBody>
+      </p:sp>
+      <p:cxnSp>
+        <p:nvCxnSpPr>
+          <p:cNvPr id="54305" name="AutoShape 59"/>
+          <p:cNvCxnSpPr>
+            <a:cxnSpLocks noChangeShapeType="1"/>
+            <a:stCxn id="54286" idx="7"/>
+          </p:cNvCxnSpPr>
+          <p:nvPr/>
+        </p:nvCxnSpPr>
+        <p:spPr bwMode="auto">
+          <a:xfrm rot="5400000" flipV="1">
+            <a:off x="6049962" y="2586038"/>
+            <a:ext cx="9525" cy="590550"/>
+          </a:xfrm>
+          <a:prstGeom prst="curvedConnector3">
+            <a:avLst>
+              <a:gd name="adj1" fmla="val -2083338"/>
+            </a:avLst>
+          </a:prstGeom>
+          <a:noFill/>
+          <a:ln w="28575">
+            <a:solidFill>
+              <a:srgbClr val="008000"/>
+            </a:solidFill>
+            <a:round/>
+            <a:headEnd/>
+            <a:tailEnd type="triangle" w="med" len="med"/>
+          </a:ln>
+        </p:spPr>
+      </p:cxnSp>
+      <p:cxnSp>
+        <p:nvCxnSpPr>
+          <p:cNvPr id="54306" name="AutoShape 60"/>
+          <p:cNvCxnSpPr>
+            <a:cxnSpLocks noChangeShapeType="1"/>
+            <a:endCxn id="54286" idx="5"/>
+          </p:cNvCxnSpPr>
+          <p:nvPr/>
+        </p:nvCxnSpPr>
+        <p:spPr bwMode="auto">
+          <a:xfrm rot="16200000" flipV="1">
+            <a:off x="6049962" y="2909888"/>
+            <a:ext cx="9525" cy="590550"/>
+          </a:xfrm>
+          <a:prstGeom prst="curvedConnector3">
+            <a:avLst>
+              <a:gd name="adj1" fmla="val -2083338"/>
+            </a:avLst>
+          </a:prstGeom>
+          <a:noFill/>
+          <a:ln w="28575">
+            <a:solidFill>
+              <a:srgbClr val="CC0000"/>
+            </a:solidFill>
+            <a:round/>
+            <a:headEnd/>
+            <a:tailEnd type="triangle" w="med" len="med"/>
+          </a:ln>
+        </p:spPr>
+      </p:cxnSp>
+      <p:cxnSp>
+        <p:nvCxnSpPr>
+          <p:cNvPr id="54307" name="AutoShape 65"/>
+          <p:cNvCxnSpPr>
+            <a:cxnSpLocks noChangeShapeType="1"/>
+            <a:endCxn id="54281" idx="1"/>
+          </p:cNvCxnSpPr>
+          <p:nvPr/>
+        </p:nvCxnSpPr>
+        <p:spPr bwMode="auto">
+          <a:xfrm rot="5400000" flipV="1">
+            <a:off x="3212306" y="2567782"/>
+            <a:ext cx="1587" cy="635000"/>
+          </a:xfrm>
+          <a:prstGeom prst="curvedConnector3">
+            <a:avLst>
+              <a:gd name="adj1" fmla="val -12400005"/>
+            </a:avLst>
+          </a:prstGeom>
+          <a:noFill/>
+          <a:ln w="28575">
+            <a:solidFill>
+              <a:srgbClr val="008000"/>
+            </a:solidFill>
+            <a:round/>
+            <a:headEnd/>
+            <a:tailEnd type="triangle" w="med" len="med"/>
+          </a:ln>
+        </p:spPr>
+      </p:cxnSp>
+      <p:cxnSp>
+        <p:nvCxnSpPr>
+          <p:cNvPr id="54308" name="AutoShape 66"/>
+          <p:cNvCxnSpPr>
+            <a:cxnSpLocks noChangeShapeType="1"/>
+            <a:stCxn id="54281" idx="3"/>
+          </p:cNvCxnSpPr>
+          <p:nvPr/>
+        </p:nvCxnSpPr>
+        <p:spPr bwMode="auto">
+          <a:xfrm rot="5400000">
+            <a:off x="3212306" y="2893219"/>
+            <a:ext cx="1588" cy="635000"/>
+          </a:xfrm>
+          <a:prstGeom prst="curvedConnector3">
+            <a:avLst>
+              <a:gd name="adj1" fmla="val 13100005"/>
+            </a:avLst>
+          </a:prstGeom>
+          <a:noFill/>
+          <a:ln w="28575">
+            <a:solidFill>
+              <a:srgbClr val="CC0000"/>
+            </a:solidFill>
+            <a:round/>
+            <a:headEnd/>
+            <a:tailEnd type="triangle" w="med" len="med"/>
+          </a:ln>
+        </p:spPr>
+      </p:cxnSp>
+      <p:sp>
+        <p:nvSpPr>
+          <p:cNvPr id="54309" name="Oval 67"/>
+          <p:cNvSpPr>
+            <a:spLocks noChangeArrowheads="1"/>
+          </p:cNvSpPr>
+          <p:nvPr/>
+        </p:nvSpPr>
+        <p:spPr bwMode="auto">
+          <a:xfrm>
+            <a:off x="7480300" y="2819400"/>
+            <a:ext cx="457200" cy="457200"/>
+          </a:xfrm>
+          <a:prstGeom prst="ellipse">
+            <a:avLst/>
+          </a:prstGeom>
+          <a:solidFill>
+            <a:srgbClr val="E6E6E6"/>
+          </a:solidFill>
+          <a:ln w="9525">
+            <a:solidFill>
+              <a:schemeClr val="tx1"/>
+            </a:solidFill>
+            <a:round/>
+            <a:headEnd/>
+            <a:tailEnd/>
+          </a:ln>
+        </p:spPr>
+        <p:txBody>
+          <a:bodyPr wrap="none" anchor="ctr">
+            <a:prstTxWarp prst="textNoShape">
+              <a:avLst/>
+            </a:prstTxWarp>
+          </a:bodyPr>
+          <a:lstStyle/>
+          <a:p>
+            <a:pPr algn="ctr"/>
+            <a:r>
+              <a:rPr lang="en-US"/>
+              <a:t>T-1 </a:t>
+            </a:r>
+          </a:p>
+        </p:txBody>
+      </p:sp>
+      <p:cxnSp>
+        <p:nvCxnSpPr>
+          <p:cNvPr id="54310" name="AutoShape 68"/>
+          <p:cNvCxnSpPr>
+            <a:cxnSpLocks noChangeShapeType="1"/>
+            <a:endCxn id="54309" idx="1"/>
+          </p:cNvCxnSpPr>
+          <p:nvPr/>
+        </p:nvCxnSpPr>
+        <p:spPr bwMode="auto">
+          <a:xfrm rot="-5400000">
+            <a:off x="7235825" y="2584450"/>
+            <a:ext cx="9525" cy="612775"/>
+          </a:xfrm>
+          <a:prstGeom prst="curvedConnector3">
+            <a:avLst>
+              <a:gd name="adj1" fmla="val 2166667"/>
+            </a:avLst>
+          </a:prstGeom>
+          <a:noFill/>
+          <a:ln w="28575">
+            <a:solidFill>
+              <a:srgbClr val="008000"/>
+            </a:solidFill>
+            <a:round/>
+            <a:headEnd/>
+            <a:tailEnd type="triangle" w="med" len="med"/>
+          </a:ln>
+        </p:spPr>
+      </p:cxnSp>
+      <p:cxnSp>
+        <p:nvCxnSpPr>
+          <p:cNvPr id="54311" name="AutoShape 69"/>
+          <p:cNvCxnSpPr>
+            <a:cxnSpLocks noChangeShapeType="1"/>
+            <a:stCxn id="54309" idx="3"/>
+          </p:cNvCxnSpPr>
+          <p:nvPr/>
+        </p:nvCxnSpPr>
+        <p:spPr bwMode="auto">
+          <a:xfrm rot="5400000">
+            <a:off x="7235825" y="2908300"/>
+            <a:ext cx="9525" cy="612775"/>
+          </a:xfrm>
+          <a:prstGeom prst="curvedConnector3">
+            <a:avLst>
+              <a:gd name="adj1" fmla="val 2150000"/>
+            </a:avLst>
+          </a:prstGeom>
+          <a:noFill/>
+          <a:ln w="28575">
+            <a:solidFill>
+              <a:srgbClr val="CC0000"/>
+            </a:solidFill>
+            <a:round/>
+            <a:headEnd/>
+            <a:tailEnd type="triangle" w="med" len="med"/>
+          </a:ln>
+        </p:spPr>
+      </p:cxnSp>
+      <p:sp>
+        <p:nvSpPr>
+          <p:cNvPr id="54312" name="Oval 70"/>
+          <p:cNvSpPr>
+            <a:spLocks noChangeArrowheads="1"/>
+          </p:cNvSpPr>
+          <p:nvPr/>
+        </p:nvSpPr>
+        <p:spPr bwMode="auto">
+          <a:xfrm>
+            <a:off x="1219200" y="2819400"/>
+            <a:ext cx="457200" cy="457200"/>
+          </a:xfrm>
+          <a:prstGeom prst="ellipse">
+            <a:avLst/>
+          </a:prstGeom>
+          <a:solidFill>
+            <a:srgbClr val="E6E6E6"/>
+          </a:solidFill>
+          <a:ln w="9525">
+            <a:solidFill>
+              <a:schemeClr val="tx1"/>
+            </a:solidFill>
+            <a:round/>
+            <a:headEnd/>
+            <a:tailEnd/>
+          </a:ln>
+        </p:spPr>
+        <p:txBody>
+          <a:bodyPr wrap="none" anchor="ctr">
+            <a:prstTxWarp prst="textNoShape">
+              <a:avLst/>
+            </a:prstTxWarp>
+          </a:bodyPr>
+          <a:lstStyle/>
+          <a:p>
+            <a:pPr algn="ctr"/>
+            <a:r>
+              <a:rPr lang="en-US"/>
+              <a:t>$1</a:t>
+            </a:r>
+          </a:p>
+        </p:txBody>
+      </p:sp>
+      <p:cxnSp>
+        <p:nvCxnSpPr>
+          <p:cNvPr id="54313" name="AutoShape 71"/>
+          <p:cNvCxnSpPr>
+            <a:cxnSpLocks noChangeShapeType="1"/>
+            <a:stCxn id="54312" idx="7"/>
+          </p:cNvCxnSpPr>
+          <p:nvPr/>
+        </p:nvCxnSpPr>
+        <p:spPr bwMode="auto">
+          <a:xfrm rot="5400000" flipV="1">
+            <a:off x="1931194" y="2564606"/>
+            <a:ext cx="1588" cy="644525"/>
+          </a:xfrm>
+          <a:prstGeom prst="curvedConnector3">
+            <a:avLst>
+              <a:gd name="adj1" fmla="val -13200005"/>
+            </a:avLst>
+          </a:prstGeom>
+          <a:noFill/>
+          <a:ln w="28575">
+            <a:solidFill>
+              <a:srgbClr val="008000"/>
+            </a:solidFill>
+            <a:round/>
+            <a:headEnd/>
+            <a:tailEnd type="triangle" w="med" len="med"/>
+          </a:ln>
+        </p:spPr>
+      </p:cxnSp>
+      <p:cxnSp>
+        <p:nvCxnSpPr>
+          <p:cNvPr id="54314" name="AutoShape 72"/>
+          <p:cNvCxnSpPr>
+            <a:cxnSpLocks noChangeShapeType="1"/>
+            <a:endCxn id="54312" idx="5"/>
+          </p:cNvCxnSpPr>
+          <p:nvPr/>
+        </p:nvCxnSpPr>
+        <p:spPr bwMode="auto">
+          <a:xfrm rot="5400000">
+            <a:off x="1931194" y="2886869"/>
+            <a:ext cx="1587" cy="644525"/>
+          </a:xfrm>
+          <a:prstGeom prst="curvedConnector3">
+            <a:avLst>
+              <a:gd name="adj1" fmla="val 13000005"/>
+            </a:avLst>
+          </a:prstGeom>
+          <a:noFill/>
+          <a:ln w="28575">
+            <a:solidFill>
+              <a:srgbClr val="CC0000"/>
+            </a:solidFill>
+            <a:round/>
+            <a:headEnd/>
+            <a:tailEnd type="triangle" w="med" len="med"/>
+          </a:ln>
+        </p:spPr>
+      </p:cxnSp>
+      <p:sp>
+        <p:nvSpPr>
+          <p:cNvPr id="31787" name="Rectangle 5"/>
+          <p:cNvSpPr>
+            <a:spLocks noChangeArrowheads="1"/>
+          </p:cNvSpPr>
+          <p:nvPr/>
+        </p:nvSpPr>
+        <p:spPr bwMode="auto">
+          <a:xfrm>
+            <a:off x="685800" y="4800600"/>
+            <a:ext cx="7848600" cy="685800"/>
+          </a:xfrm>
+          <a:prstGeom prst="rect">
+            <a:avLst/>
+          </a:prstGeom>
+          <a:noFill/>
+          <a:ln w="9525">
+            <a:noFill/>
+            <a:miter lim="800000"/>
+            <a:headEnd/>
+            <a:tailEnd/>
+          </a:ln>
+        </p:spPr>
+        <p:txBody>
+          <a:bodyPr>
+            <a:prstTxWarp prst="textNoShape">
+              <a:avLst/>
+            </a:prstTxWarp>
+          </a:bodyPr>
+          <a:lstStyle/>
+          <a:p>
+            <a:pPr eaLnBrk="1" hangingPunct="1">
+              <a:lnSpc>
+                <a:spcPct val="90000"/>
+              </a:lnSpc>
+              <a:spcBef>
+                <a:spcPct val="20000"/>
+              </a:spcBef>
+              <a:buClr>
+                <a:schemeClr val="tx1"/>
+              </a:buClr>
+            </a:pPr>
+            <a:r>
+              <a:rPr lang="en-US" sz="3600" dirty="0">
+                <a:solidFill>
+                  <a:srgbClr val="CC0000"/>
+                </a:solidFill>
+              </a:rPr>
+              <a:t>q </a:t>
+            </a:r>
+            <a:r>
+              <a:rPr lang="en-US" sz="3600" dirty="0"/>
+              <a:t>::= 1-</a:t>
+            </a:r>
+            <a:r>
+              <a:rPr lang="en-US" sz="3600" dirty="0">
+                <a:solidFill>
+                  <a:srgbClr val="008000"/>
+                </a:solidFill>
+              </a:rPr>
+              <a:t>p</a:t>
+            </a:r>
+            <a:r>
+              <a:rPr lang="en-US" sz="3600" dirty="0"/>
+              <a:t> = </a:t>
+            </a:r>
+            <a:r>
+              <a:rPr lang="en-US" sz="3600" dirty="0" err="1" smtClean="0"/>
+              <a:t>Pr</a:t>
+            </a:r>
+            <a:r>
+              <a:rPr lang="en-US" sz="3600" dirty="0"/>
+              <a:t>[</a:t>
+            </a:r>
+            <a:r>
+              <a:rPr lang="en-US" sz="3600" dirty="0" smtClean="0">
+                <a:solidFill>
+                  <a:srgbClr val="CC0000"/>
+                </a:solidFill>
+              </a:rPr>
+              <a:t>lose</a:t>
+            </a:r>
+            <a:r>
+              <a:rPr lang="en-US" sz="3600" dirty="0" smtClean="0"/>
+              <a:t> </a:t>
+            </a:r>
+            <a:r>
+              <a:rPr lang="en-US" sz="3600" dirty="0"/>
+              <a:t>a </a:t>
+            </a:r>
+            <a:r>
+              <a:rPr lang="en-US" sz="3600" dirty="0" smtClean="0"/>
+              <a:t>bet]</a:t>
+            </a:r>
+            <a:endParaRPr lang="en-US" sz="3600" dirty="0"/>
+          </a:p>
+        </p:txBody>
+      </p:sp>
+      <p:sp>
+        <p:nvSpPr>
+          <p:cNvPr id="31788" name="Rectangle 5"/>
+          <p:cNvSpPr>
+            <a:spLocks noChangeArrowheads="1"/>
+          </p:cNvSpPr>
+          <p:nvPr/>
+        </p:nvSpPr>
+        <p:spPr bwMode="auto">
+          <a:xfrm>
+            <a:off x="685800" y="5791200"/>
+            <a:ext cx="7848600" cy="685800"/>
+          </a:xfrm>
+          <a:prstGeom prst="rect">
+            <a:avLst/>
+          </a:prstGeom>
+          <a:noFill/>
+          <a:ln w="9525">
+            <a:noFill/>
+            <a:miter lim="800000"/>
+            <a:headEnd/>
+            <a:tailEnd/>
+          </a:ln>
+        </p:spPr>
+        <p:txBody>
+          <a:bodyPr>
+            <a:prstTxWarp prst="textNoShape">
+              <a:avLst/>
+            </a:prstTxWarp>
+          </a:bodyPr>
+          <a:lstStyle/>
+          <a:p>
+            <a:pPr marL="342900" indent="-342900" eaLnBrk="1" hangingPunct="1">
+              <a:lnSpc>
+                <a:spcPct val="90000"/>
+              </a:lnSpc>
+              <a:spcBef>
+                <a:spcPct val="20000"/>
+              </a:spcBef>
+              <a:buClr>
+                <a:schemeClr val="tx1"/>
+              </a:buClr>
+            </a:pPr>
+            <a:r>
+              <a:rPr lang="en-US" sz="3600" dirty="0"/>
+              <a:t>What is </a:t>
+            </a:r>
+            <a:r>
+              <a:rPr lang="en-US" sz="3600" dirty="0" err="1" smtClean="0"/>
+              <a:t>Pr</a:t>
+            </a:r>
+            <a:r>
+              <a:rPr lang="en-US" sz="3600" dirty="0"/>
+              <a:t>[</a:t>
+            </a:r>
+            <a:r>
+              <a:rPr lang="en-US" sz="3600" dirty="0" smtClean="0"/>
+              <a:t>reach </a:t>
+            </a:r>
+            <a:r>
+              <a:rPr lang="en-US" sz="3600" dirty="0">
+                <a:solidFill>
+                  <a:srgbClr val="008000"/>
+                </a:solidFill>
+              </a:rPr>
+              <a:t>T</a:t>
+            </a:r>
+            <a:r>
+              <a:rPr lang="en-US" sz="3600" dirty="0"/>
+              <a:t> before </a:t>
+            </a:r>
+            <a:r>
+              <a:rPr lang="en-US" sz="3600" dirty="0" smtClean="0">
+                <a:solidFill>
+                  <a:srgbClr val="CC0000"/>
+                </a:solidFill>
+              </a:rPr>
+              <a:t>0</a:t>
+            </a:r>
+            <a:r>
+              <a:rPr lang="en-US" sz="3600" dirty="0"/>
+              <a:t>]</a:t>
+            </a:r>
+            <a:r>
+              <a:rPr lang="en-US" sz="3600" dirty="0" smtClean="0"/>
+              <a:t>?</a:t>
+            </a:r>
+            <a:endParaRPr lang="en-US" sz="3600" dirty="0"/>
+          </a:p>
+        </p:txBody>
+      </p:sp>
+      <p:sp>
+        <p:nvSpPr>
+          <p:cNvPr id="45" name="Rectangle 4"/>
+          <p:cNvSpPr>
+            <a:spLocks noGrp="1" noChangeArrowheads="1"/>
+          </p:cNvSpPr>
+          <p:nvPr>
+            <p:ph type="dt" sz="half" idx="4294967295"/>
+          </p:nvPr>
+        </p:nvSpPr>
+        <p:spPr bwMode="auto">
+          <a:xfrm>
+            <a:off x="3124200" y="6629400"/>
+            <a:ext cx="2863850" cy="228600"/>
+          </a:xfrm>
+          <a:prstGeom prst="rect">
+            <a:avLst/>
+          </a:prstGeom>
+          <a:noFill/>
+          <a:ln w="9525">
+            <a:noFill/>
+            <a:miter lim="800000"/>
+            <a:headEnd/>
+            <a:tailEnd/>
+          </a:ln>
+        </p:spPr>
+        <p:txBody>
+          <a:bodyPr vert="horz" wrap="square" lIns="91440" tIns="45720" rIns="91440" bIns="45720" numCol="1" anchor="t" anchorCtr="0" compatLnSpc="1">
+            <a:prstTxWarp prst="textNoShape">
+              <a:avLst/>
+            </a:prstTxWarp>
+          </a:bodyPr>
+          <a:lstStyle>
+            <a:lvl1pPr algn="ctr" eaLnBrk="1" hangingPunct="1">
+              <a:defRPr sz="1000">
+                <a:latin typeface="Comic Sans MS" pitchFamily="-64" charset="0"/>
+                <a:ea typeface="ＭＳ Ｐゴシック" pitchFamily="-64" charset="-128"/>
+                <a:cs typeface="+mn-cs"/>
+              </a:defRPr>
+            </a:lvl1pPr>
+          </a:lstStyle>
+          <a:p>
+            <a:pPr>
+              <a:defRPr/>
+            </a:pPr>
+            <a:r>
+              <a:rPr lang="en-US" dirty="0" smtClean="0"/>
+              <a:t>Albert R Meyer,               May 14, 2012</a:t>
+            </a:r>
+            <a:endParaRPr lang="en-US" dirty="0"/>
+          </a:p>
+        </p:txBody>
+      </p:sp>
+    </p:spTree>
+    <p:extLst>
+      <p:ext uri="{BB962C8B-B14F-4D97-AF65-F5344CB8AC3E}">
+        <p14:creationId xmlns:p14="http://schemas.microsoft.com/office/powerpoint/2010/main" val="1937096605"/>
+      </p:ext>
+    </p:extLst>
+  </p:cSld>
+  <p:clrMapOvr>
+    <a:masterClrMapping/>
+  </p:clrMapOvr>
+  <mc:AlternateContent xmlns:mc="http://schemas.openxmlformats.org/markup-compatibility/2006">
+    <mc:Choice xmlns:p14="http://schemas.microsoft.com/office/powerpoint/2010/main" Requires="p14">
+      <p:transition spd="med" p14:dur="700">
+        <p:fade/>
+      </p:transition>
+    </mc:Choice>
+    <mc:Fallback>
+      <p:transition xmlns:p14="http://schemas.microsoft.com/office/powerpoint/2010/main" spd="med">
+        <p:fade/>
+      </p:transition>
+    </mc:Fallback>
+  </mc:AlternateContent>
+  <p:timing>
+    <p:tnLst>
+      <p:par>
+        <p:cTn xmlns:p14="http://schemas.microsoft.com/office/powerpoint/2010/main" id="1" dur="indefinite" restart="never" nodeType="tmRoot">
+          <p:childTnLst>
+            <p:seq concurrent="1" nextAc="seek">
+              <p:cTn id="2" dur="indefinite" nodeType="mainSeq">
+                <p:childTnLst>
+                  <p:par>
+                    <p:cTn id="3" fill="hold">
+                      <p:stCondLst>
+                        <p:cond delay="indefinite"/>
+                      </p:stCondLst>
+                      <p:childTnLst>
+                        <p:par>
+                          <p:cTn id="4" fill="hold">
+                            <p:stCondLst>
+                              <p:cond delay="0"/>
+                            </p:stCondLst>
+                            <p:childTnLst>
+                              <p:par>
+                                <p:cTn id="5" presetID="9" presetClass="entr" presetSubtype="0" fill="hold" grpId="0" nodeType="clickEffect">
+                                  <p:stCondLst>
+                                    <p:cond delay="0"/>
+                                  </p:stCondLst>
+                                  <p:childTnLst>
+                                    <p:set>
+                                      <p:cBhvr>
+                                        <p:cTn id="6" dur="1" fill="hold">
+                                          <p:stCondLst>
+                                            <p:cond delay="0"/>
+                                          </p:stCondLst>
+                                        </p:cTn>
+                                        <p:tgtEl>
+                                          <p:spTgt spid="31751"/>
+                                        </p:tgtEl>
+                                        <p:attrNameLst>
+                                          <p:attrName>style.visibility</p:attrName>
+                                        </p:attrNameLst>
+                                      </p:cBhvr>
+                                      <p:to>
+                                        <p:strVal val="visible"/>
+                                      </p:to>
+                                    </p:set>
+                                    <p:animEffect transition="in" filter="dissolve">
+                                      <p:cBhvr>
+                                        <p:cTn id="7" dur="500"/>
+                                        <p:tgtEl>
+                                          <p:spTgt spid="31751"/>
+                                        </p:tgtEl>
+                                      </p:cBhvr>
+                                    </p:animEffect>
+                                  </p:childTnLst>
+                                </p:cTn>
+                              </p:par>
+                              <p:par>
+                                <p:cTn id="8" presetID="9" presetClass="entr" presetSubtype="0" fill="hold" grpId="0" nodeType="withEffect">
+                                  <p:stCondLst>
+                                    <p:cond delay="0"/>
+                                  </p:stCondLst>
+                                  <p:childTnLst>
+                                    <p:set>
+                                      <p:cBhvr>
+                                        <p:cTn id="9" dur="1" fill="hold">
+                                          <p:stCondLst>
+                                            <p:cond delay="0"/>
+                                          </p:stCondLst>
+                                        </p:cTn>
+                                        <p:tgtEl>
+                                          <p:spTgt spid="31764"/>
+                                        </p:tgtEl>
+                                        <p:attrNameLst>
+                                          <p:attrName>style.visibility</p:attrName>
+                                        </p:attrNameLst>
+                                      </p:cBhvr>
+                                      <p:to>
+                                        <p:strVal val="visible"/>
+                                      </p:to>
+                                    </p:set>
+                                    <p:animEffect transition="in" filter="dissolve">
+                                      <p:cBhvr>
+                                        <p:cTn id="10" dur="500"/>
+                                        <p:tgtEl>
+                                          <p:spTgt spid="31764"/>
+                                        </p:tgtEl>
+                                      </p:cBhvr>
+                                    </p:animEffect>
+                                  </p:childTnLst>
+                                </p:cTn>
+                              </p:par>
+                              <p:par>
+                                <p:cTn id="11" presetID="9" presetClass="entr" presetSubtype="0" fill="hold" nodeType="withEffect">
+                                  <p:stCondLst>
+                                    <p:cond delay="0"/>
+                                  </p:stCondLst>
+                                  <p:childTnLst>
+                                    <p:set>
+                                      <p:cBhvr>
+                                        <p:cTn id="12" dur="1" fill="hold">
+                                          <p:stCondLst>
+                                            <p:cond delay="0"/>
+                                          </p:stCondLst>
+                                        </p:cTn>
+                                        <p:tgtEl>
+                                          <p:spTgt spid="31765"/>
+                                        </p:tgtEl>
+                                        <p:attrNameLst>
+                                          <p:attrName>style.visibility</p:attrName>
+                                        </p:attrNameLst>
+                                      </p:cBhvr>
+                                      <p:to>
+                                        <p:strVal val="visible"/>
+                                      </p:to>
+                                    </p:set>
+                                    <p:animEffect transition="in" filter="dissolve">
+                                      <p:cBhvr>
+                                        <p:cTn id="13" dur="500"/>
+                                        <p:tgtEl>
+                                          <p:spTgt spid="31765"/>
+                                        </p:tgtEl>
+                                      </p:cBhvr>
+                                    </p:animEffect>
+                                  </p:childTnLst>
+                                </p:cTn>
+                              </p:par>
+                              <p:par>
+                                <p:cTn id="14" presetID="9" presetClass="entr" presetSubtype="0" fill="hold" grpId="0" nodeType="withEffect">
+                                  <p:stCondLst>
+                                    <p:cond delay="0"/>
+                                  </p:stCondLst>
+                                  <p:childTnLst>
+                                    <p:set>
+                                      <p:cBhvr>
+                                        <p:cTn id="15" dur="1" fill="hold">
+                                          <p:stCondLst>
+                                            <p:cond delay="0"/>
+                                          </p:stCondLst>
+                                        </p:cTn>
+                                        <p:tgtEl>
+                                          <p:spTgt spid="31766"/>
+                                        </p:tgtEl>
+                                        <p:attrNameLst>
+                                          <p:attrName>style.visibility</p:attrName>
+                                        </p:attrNameLst>
+                                      </p:cBhvr>
+                                      <p:to>
+                                        <p:strVal val="visible"/>
+                                      </p:to>
+                                    </p:set>
+                                    <p:animEffect transition="in" filter="dissolve">
+                                      <p:cBhvr>
+                                        <p:cTn id="16" dur="500"/>
+                                        <p:tgtEl>
+                                          <p:spTgt spid="31766"/>
+                                        </p:tgtEl>
+                                      </p:cBhvr>
+                                    </p:animEffect>
+                                  </p:childTnLst>
+                                </p:cTn>
+                              </p:par>
+                              <p:par>
+                                <p:cTn id="17" presetID="9" presetClass="entr" presetSubtype="0" fill="hold" grpId="0" nodeType="withEffect">
+                                  <p:stCondLst>
+                                    <p:cond delay="0"/>
+                                  </p:stCondLst>
+                                  <p:childTnLst>
+                                    <p:set>
+                                      <p:cBhvr>
+                                        <p:cTn id="18" dur="1" fill="hold">
+                                          <p:stCondLst>
+                                            <p:cond delay="0"/>
+                                          </p:stCondLst>
+                                        </p:cTn>
+                                        <p:tgtEl>
+                                          <p:spTgt spid="31767"/>
+                                        </p:tgtEl>
+                                        <p:attrNameLst>
+                                          <p:attrName>style.visibility</p:attrName>
+                                        </p:attrNameLst>
+                                      </p:cBhvr>
+                                      <p:to>
+                                        <p:strVal val="visible"/>
+                                      </p:to>
+                                    </p:set>
+                                    <p:animEffect transition="in" filter="dissolve">
+                                      <p:cBhvr>
+                                        <p:cTn id="19" dur="500"/>
+                                        <p:tgtEl>
+                                          <p:spTgt spid="31767"/>
+                                        </p:tgtEl>
+                                      </p:cBhvr>
+                                    </p:animEffect>
+                                  </p:childTnLst>
+                                </p:cTn>
+                              </p:par>
+                              <p:par>
+                                <p:cTn id="20" presetID="9" presetClass="entr" presetSubtype="0" fill="hold" grpId="0" nodeType="withEffect">
+                                  <p:stCondLst>
+                                    <p:cond delay="0"/>
+                                  </p:stCondLst>
+                                  <p:childTnLst>
+                                    <p:set>
+                                      <p:cBhvr>
+                                        <p:cTn id="21" dur="1" fill="hold">
+                                          <p:stCondLst>
+                                            <p:cond delay="0"/>
+                                          </p:stCondLst>
+                                        </p:cTn>
+                                        <p:tgtEl>
+                                          <p:spTgt spid="31763"/>
+                                        </p:tgtEl>
+                                        <p:attrNameLst>
+                                          <p:attrName>style.visibility</p:attrName>
+                                        </p:attrNameLst>
+                                      </p:cBhvr>
+                                      <p:to>
+                                        <p:strVal val="visible"/>
+                                      </p:to>
+                                    </p:set>
+                                    <p:animEffect transition="in" filter="dissolve">
+                                      <p:cBhvr>
+                                        <p:cTn id="22" dur="500"/>
+                                        <p:tgtEl>
+                                          <p:spTgt spid="31763"/>
+                                        </p:tgtEl>
+                                      </p:cBhvr>
+                                    </p:animEffect>
+                                  </p:childTnLst>
+                                </p:cTn>
+                              </p:par>
+                            </p:childTnLst>
+                          </p:cTn>
+                        </p:par>
+                      </p:childTnLst>
+                    </p:cTn>
+                  </p:par>
+                  <p:par>
+                    <p:cTn id="23" fill="hold">
+                      <p:stCondLst>
+                        <p:cond delay="indefinite"/>
+                      </p:stCondLst>
+                      <p:childTnLst>
+                        <p:par>
+                          <p:cTn id="24" fill="hold">
+                            <p:stCondLst>
+                              <p:cond delay="0"/>
+                            </p:stCondLst>
+                            <p:childTnLst>
+                              <p:par>
+                                <p:cTn id="25" presetID="9" presetClass="entr" presetSubtype="0" fill="hold" nodeType="clickEffect">
+                                  <p:stCondLst>
+                                    <p:cond delay="0"/>
+                                  </p:stCondLst>
+                                  <p:childTnLst>
+                                    <p:set>
+                                      <p:cBhvr>
+                                        <p:cTn id="26" dur="1" fill="hold">
+                                          <p:stCondLst>
+                                            <p:cond delay="0"/>
+                                          </p:stCondLst>
+                                        </p:cTn>
+                                        <p:tgtEl>
+                                          <p:spTgt spid="31770"/>
+                                        </p:tgtEl>
+                                        <p:attrNameLst>
+                                          <p:attrName>style.visibility</p:attrName>
+                                        </p:attrNameLst>
+                                      </p:cBhvr>
+                                      <p:to>
+                                        <p:strVal val="visible"/>
+                                      </p:to>
+                                    </p:set>
+                                    <p:animEffect transition="in" filter="dissolve">
+                                      <p:cBhvr>
+                                        <p:cTn id="27" dur="500"/>
+                                        <p:tgtEl>
+                                          <p:spTgt spid="31770"/>
+                                        </p:tgtEl>
+                                      </p:cBhvr>
+                                    </p:animEffect>
+                                  </p:childTnLst>
+                                </p:cTn>
+                              </p:par>
+                              <p:par>
+                                <p:cTn id="28" presetID="9" presetClass="entr" presetSubtype="0" fill="hold" grpId="0" nodeType="withEffect">
+                                  <p:stCondLst>
+                                    <p:cond delay="0"/>
+                                  </p:stCondLst>
+                                  <p:childTnLst>
+                                    <p:set>
+                                      <p:cBhvr>
+                                        <p:cTn id="29" dur="1" fill="hold">
+                                          <p:stCondLst>
+                                            <p:cond delay="0"/>
+                                          </p:stCondLst>
+                                        </p:cTn>
+                                        <p:tgtEl>
+                                          <p:spTgt spid="31772"/>
+                                        </p:tgtEl>
+                                        <p:attrNameLst>
+                                          <p:attrName>style.visibility</p:attrName>
+                                        </p:attrNameLst>
+                                      </p:cBhvr>
+                                      <p:to>
+                                        <p:strVal val="visible"/>
+                                      </p:to>
+                                    </p:set>
+                                    <p:animEffect transition="in" filter="dissolve">
+                                      <p:cBhvr>
+                                        <p:cTn id="30" dur="500"/>
+                                        <p:tgtEl>
+                                          <p:spTgt spid="31772"/>
+                                        </p:tgtEl>
+                                      </p:cBhvr>
+                                    </p:animEffect>
+                                  </p:childTnLst>
+                                </p:cTn>
+                              </p:par>
+                              <p:par>
+                                <p:cTn id="31" presetID="9" presetClass="entr" presetSubtype="0" fill="hold" grpId="0" nodeType="withEffect">
+                                  <p:stCondLst>
+                                    <p:cond delay="0"/>
+                                  </p:stCondLst>
+                                  <p:childTnLst>
+                                    <p:set>
+                                      <p:cBhvr>
+                                        <p:cTn id="32" dur="1" fill="hold">
+                                          <p:stCondLst>
+                                            <p:cond delay="0"/>
+                                          </p:stCondLst>
+                                        </p:cTn>
+                                        <p:tgtEl>
+                                          <p:spTgt spid="31769"/>
+                                        </p:tgtEl>
+                                        <p:attrNameLst>
+                                          <p:attrName>style.visibility</p:attrName>
+                                        </p:attrNameLst>
+                                      </p:cBhvr>
+                                      <p:to>
+                                        <p:strVal val="visible"/>
+                                      </p:to>
+                                    </p:set>
+                                    <p:animEffect transition="in" filter="dissolve">
+                                      <p:cBhvr>
+                                        <p:cTn id="33" dur="500"/>
+                                        <p:tgtEl>
+                                          <p:spTgt spid="31769"/>
+                                        </p:tgtEl>
+                                      </p:cBhvr>
+                                    </p:animEffect>
+                                  </p:childTnLst>
+                                </p:cTn>
+                              </p:par>
+                              <p:par>
+                                <p:cTn id="34" presetID="9" presetClass="entr" presetSubtype="0" fill="hold" grpId="0" nodeType="withEffect">
+                                  <p:stCondLst>
+                                    <p:cond delay="0"/>
+                                  </p:stCondLst>
+                                  <p:childTnLst>
+                                    <p:set>
+                                      <p:cBhvr>
+                                        <p:cTn id="35" dur="1" fill="hold">
+                                          <p:stCondLst>
+                                            <p:cond delay="0"/>
+                                          </p:stCondLst>
+                                        </p:cTn>
+                                        <p:tgtEl>
+                                          <p:spTgt spid="31768"/>
+                                        </p:tgtEl>
+                                        <p:attrNameLst>
+                                          <p:attrName>style.visibility</p:attrName>
+                                        </p:attrNameLst>
+                                      </p:cBhvr>
+                                      <p:to>
+                                        <p:strVal val="visible"/>
+                                      </p:to>
+                                    </p:set>
+                                    <p:animEffect transition="in" filter="dissolve">
+                                      <p:cBhvr>
+                                        <p:cTn id="36" dur="500"/>
+                                        <p:tgtEl>
+                                          <p:spTgt spid="31768"/>
+                                        </p:tgtEl>
+                                      </p:cBhvr>
+                                    </p:animEffect>
+                                  </p:childTnLst>
+                                </p:cTn>
+                              </p:par>
+                              <p:par>
+                                <p:cTn id="37" presetID="9" presetClass="entr" presetSubtype="0" fill="hold" grpId="0" nodeType="withEffect">
+                                  <p:stCondLst>
+                                    <p:cond delay="0"/>
+                                  </p:stCondLst>
+                                  <p:childTnLst>
+                                    <p:set>
+                                      <p:cBhvr>
+                                        <p:cTn id="38" dur="1" fill="hold">
+                                          <p:stCondLst>
+                                            <p:cond delay="0"/>
+                                          </p:stCondLst>
+                                        </p:cTn>
+                                        <p:tgtEl>
+                                          <p:spTgt spid="31771"/>
+                                        </p:tgtEl>
+                                        <p:attrNameLst>
+                                          <p:attrName>style.visibility</p:attrName>
+                                        </p:attrNameLst>
+                                      </p:cBhvr>
+                                      <p:to>
+                                        <p:strVal val="visible"/>
+                                      </p:to>
+                                    </p:set>
+                                    <p:animEffect transition="in" filter="dissolve">
+                                      <p:cBhvr>
+                                        <p:cTn id="39" dur="500"/>
+                                        <p:tgtEl>
+                                          <p:spTgt spid="31771"/>
+                                        </p:tgtEl>
+                                      </p:cBhvr>
+                                    </p:animEffect>
+                                  </p:childTnLst>
+                                </p:cTn>
+                              </p:par>
+                              <p:par>
+                                <p:cTn id="40" presetID="9" presetClass="entr" presetSubtype="0" fill="hold" grpId="0" nodeType="withEffect">
+                                  <p:stCondLst>
+                                    <p:cond delay="0"/>
+                                  </p:stCondLst>
+                                  <p:childTnLst>
+                                    <p:set>
+                                      <p:cBhvr>
+                                        <p:cTn id="41" dur="1" fill="hold">
+                                          <p:stCondLst>
+                                            <p:cond delay="0"/>
+                                          </p:stCondLst>
+                                        </p:cTn>
+                                        <p:tgtEl>
+                                          <p:spTgt spid="31787"/>
+                                        </p:tgtEl>
+                                        <p:attrNameLst>
+                                          <p:attrName>style.visibility</p:attrName>
+                                        </p:attrNameLst>
+                                      </p:cBhvr>
+                                      <p:to>
+                                        <p:strVal val="visible"/>
+                                      </p:to>
+                                    </p:set>
+                                    <p:animEffect transition="in" filter="dissolve">
+                                      <p:cBhvr>
+                                        <p:cTn id="42" dur="500"/>
+                                        <p:tgtEl>
+                                          <p:spTgt spid="31787"/>
+                                        </p:tgtEl>
+                                      </p:cBhvr>
+                                    </p:animEffect>
+                                  </p:childTnLst>
+                                </p:cTn>
+                              </p:par>
+                            </p:childTnLst>
+                          </p:cTn>
+                        </p:par>
+                      </p:childTnLst>
+                    </p:cTn>
+                  </p:par>
+                  <p:par>
+                    <p:cTn id="43" fill="hold">
+                      <p:stCondLst>
+                        <p:cond delay="indefinite"/>
+                      </p:stCondLst>
+                      <p:childTnLst>
+                        <p:par>
+                          <p:cTn id="44" fill="hold">
+                            <p:stCondLst>
+                              <p:cond delay="0"/>
+                            </p:stCondLst>
+                            <p:childTnLst>
+                              <p:par>
+                                <p:cTn id="45" presetID="9" presetClass="entr" presetSubtype="0" fill="hold" grpId="0" nodeType="clickEffect">
+                                  <p:stCondLst>
+                                    <p:cond delay="0"/>
+                                  </p:stCondLst>
+                                  <p:childTnLst>
+                                    <p:set>
+                                      <p:cBhvr>
+                                        <p:cTn id="46" dur="1" fill="hold">
+                                          <p:stCondLst>
+                                            <p:cond delay="0"/>
+                                          </p:stCondLst>
+                                        </p:cTn>
+                                        <p:tgtEl>
+                                          <p:spTgt spid="31788"/>
+                                        </p:tgtEl>
+                                        <p:attrNameLst>
+                                          <p:attrName>style.visibility</p:attrName>
+                                        </p:attrNameLst>
+                                      </p:cBhvr>
+                                      <p:to>
+                                        <p:strVal val="visible"/>
+                                      </p:to>
+                                    </p:set>
+                                    <p:animEffect transition="in" filter="dissolve">
+                                      <p:cBhvr>
+                                        <p:cTn id="47" dur="500"/>
+                                        <p:tgtEl>
+                                          <p:spTgt spid="31788"/>
+                                        </p:tgtEl>
+                                      </p:cBhvr>
+                                    </p:animEffect>
+                                  </p:childTnLst>
+                                </p:cTn>
+                              </p:par>
+                            </p:childTnLst>
+                          </p:cTn>
+                        </p:par>
+                      </p:childTnLst>
+                    </p:cTn>
+                  </p:par>
+                </p:childTnLst>
+              </p:cTn>
+              <p:prevCondLst>
+                <p:cond evt="onPrev" delay="0">
+                  <p:tgtEl>
+                    <p:sldTgt/>
+                  </p:tgtEl>
+                </p:cond>
+              </p:prevCondLst>
+              <p:nextCondLst>
+                <p:cond evt="onNext" delay="0">
+                  <p:tgtEl>
+                    <p:sldTgt/>
+                  </p:tgtEl>
+                </p:cond>
+              </p:nextCondLst>
+            </p:seq>
+          </p:childTnLst>
+        </p:cTn>
+      </p:par>
+    </p:tnLst>
+    <p:bldLst>
+      <p:bldP spid="31751" grpId="0"/>
+      <p:bldP spid="31763" grpId="0" animBg="1"/>
+      <p:bldP spid="31764" grpId="0" animBg="1"/>
+      <p:bldP spid="31766" grpId="0"/>
+      <p:bldP spid="31767" grpId="0"/>
+      <p:bldP spid="31768" grpId="0" animBg="1"/>
+      <p:bldP spid="31769" grpId="0" animBg="1"/>
+      <p:bldP spid="31771" grpId="0"/>
+      <p:bldP spid="31772" grpId="0"/>
+      <p:bldP spid="31787" grpId="0"/>
+      <p:bldP spid="31788" grpId="0"/>
+    </p:bldLst>
+  </p:timing>
+</p:sld>
+</file>
+
+<file path=ppt/slides/slide3.xml><?xml version="1.0" encoding="utf-8"?>
+<p:sld xmlns:a="http://schemas.openxmlformats.org/drawingml/2006/main" xmlns:r="http://schemas.openxmlformats.org/officeDocument/2006/relationships" xmlns:p="http://schemas.openxmlformats.org/presentationml/2006/main">
+  <p:cSld>
+    <p:spTree>
+      <p:nvGrpSpPr>
+        <p:cNvPr id="1" name=""/>
+        <p:cNvGrpSpPr/>
+        <p:nvPr/>
+      </p:nvGrpSpPr>
+      <p:grpSpPr>
+        <a:xfrm>
+          <a:off x="0" y="0"/>
+          <a:ext cx="0" cy="0"/>
+          <a:chOff x="0" y="0"/>
+          <a:chExt cx="0" cy="0"/>
+        </a:xfrm>
+      </p:grpSpPr>
+      <p:sp>
+        <p:nvSpPr>
+          <p:cNvPr id="17412" name="Slide Number Placeholder 5"/>
+          <p:cNvSpPr>
+            <a:spLocks noGrp="1"/>
+          </p:cNvSpPr>
+          <p:nvPr>
+            <p:ph type="sldNum" sz="quarter" idx="12"/>
+          </p:nvPr>
+        </p:nvSpPr>
+        <p:spPr>
+          <a:noFill/>
+        </p:spPr>
+        <p:txBody>
+          <a:bodyPr/>
+          <a:lstStyle/>
+          <a:p>
+            <a:r>
+              <a:rPr lang="en-US" dirty="0" err="1"/>
+              <a:t>Lec</a:t>
+            </a:r>
+            <a:r>
+              <a:rPr lang="en-US" dirty="0" smtClean="0"/>
+              <a:t> 14W.</a:t>
+            </a:r>
+            <a:fld id="{4E5A7F2C-4A32-A14D-9867-A3721D1A9C1D}" type="slidenum">
+              <a:rPr lang="en-US" smtClean="0"/>
+              <a:pPr/>
+              <a:t>3</a:t>
+            </a:fld>
+            <a:endParaRPr lang="en-US" dirty="0"/>
+          </a:p>
+          <a:p>
+            <a:endParaRPr lang="en-US" dirty="0"/>
+          </a:p>
+        </p:txBody>
+      </p:sp>
+      <p:sp>
+        <p:nvSpPr>
+          <p:cNvPr id="17413" name="Rectangle 2"/>
+          <p:cNvSpPr>
+            <a:spLocks noGrp="1" noChangeArrowheads="1"/>
+          </p:cNvSpPr>
+          <p:nvPr>
+            <p:ph type="title"/>
+          </p:nvPr>
+        </p:nvSpPr>
+        <p:spPr/>
+        <p:txBody>
+          <a:bodyPr/>
+          <a:lstStyle/>
+          <a:p>
+            <a:pPr eaLnBrk="1" hangingPunct="1"/>
+            <a:r>
+              <a:rPr lang="en-US"/>
+              <a:t>Applications of Random Walk</a:t>
+            </a:r>
+          </a:p>
+        </p:txBody>
+      </p:sp>
+      <p:sp>
+        <p:nvSpPr>
+          <p:cNvPr id="17414" name="Rectangle 3"/>
+          <p:cNvSpPr>
+            <a:spLocks noGrp="1" noChangeArrowheads="1"/>
+          </p:cNvSpPr>
+          <p:nvPr>
+            <p:ph type="body" idx="1"/>
+          </p:nvPr>
+        </p:nvSpPr>
+        <p:spPr>
+          <a:xfrm>
+            <a:off x="533400" y="1600200"/>
+            <a:ext cx="8153400" cy="3657600"/>
+          </a:xfrm>
+        </p:spPr>
+        <p:txBody>
+          <a:bodyPr/>
+          <a:lstStyle/>
+          <a:p>
+            <a:pPr eaLnBrk="1" hangingPunct="1"/>
+            <a:r>
+              <a:rPr lang="en-US" sz="4800" dirty="0" smtClean="0"/>
+              <a:t>Physics — Brownian motion</a:t>
+            </a:r>
+          </a:p>
+          <a:p>
+            <a:pPr eaLnBrk="1" hangingPunct="1"/>
+            <a:r>
+              <a:rPr lang="en-US" sz="4800" dirty="0" smtClean="0"/>
+              <a:t>Finance — stocks, options</a:t>
+            </a:r>
+          </a:p>
+          <a:p>
+            <a:pPr eaLnBrk="1" hangingPunct="1"/>
+            <a:r>
+              <a:rPr lang="en-US" sz="4800" dirty="0" smtClean="0"/>
+              <a:t>Algorithms </a:t>
+            </a:r>
+            <a:r>
+              <a:rPr lang="en-US" sz="4800" dirty="0"/>
+              <a:t>— web search, </a:t>
+            </a:r>
+            <a:r>
+              <a:rPr lang="en-US" sz="4800" dirty="0" smtClean="0"/>
+              <a:t>clustering</a:t>
+            </a:r>
+            <a:endParaRPr lang="en-US" sz="4800" dirty="0"/>
+          </a:p>
+        </p:txBody>
+      </p:sp>
+      <p:sp>
+        <p:nvSpPr>
+          <p:cNvPr id="7" name="Rectangle 4"/>
+          <p:cNvSpPr>
+            <a:spLocks noGrp="1" noChangeArrowheads="1"/>
+          </p:cNvSpPr>
+          <p:nvPr>
+            <p:ph type="dt" sz="half" idx="4294967295"/>
+          </p:nvPr>
+        </p:nvSpPr>
+        <p:spPr bwMode="auto">
+          <a:xfrm>
+            <a:off x="3124200" y="6629400"/>
+            <a:ext cx="2863850" cy="228600"/>
+          </a:xfrm>
+          <a:prstGeom prst="rect">
+            <a:avLst/>
+          </a:prstGeom>
+          <a:noFill/>
+          <a:ln w="9525">
+            <a:noFill/>
+            <a:miter lim="800000"/>
+            <a:headEnd/>
+            <a:tailEnd/>
+          </a:ln>
+        </p:spPr>
+        <p:txBody>
+          <a:bodyPr vert="horz" wrap="square" lIns="91440" tIns="45720" rIns="91440" bIns="45720" numCol="1" anchor="t" anchorCtr="0" compatLnSpc="1">
+            <a:prstTxWarp prst="textNoShape">
+              <a:avLst/>
+            </a:prstTxWarp>
+          </a:bodyPr>
+          <a:lstStyle>
+            <a:lvl1pPr algn="ctr" eaLnBrk="1" hangingPunct="1">
+              <a:defRPr sz="1000">
+                <a:latin typeface="Comic Sans MS" pitchFamily="-64" charset="0"/>
+                <a:ea typeface="ＭＳ Ｐゴシック" pitchFamily="-64" charset="-128"/>
+                <a:cs typeface="+mn-cs"/>
+              </a:defRPr>
+            </a:lvl1pPr>
+          </a:lstStyle>
+          <a:p>
+            <a:pPr>
+              <a:defRPr/>
+            </a:pPr>
+            <a:r>
+              <a:rPr lang="en-US" dirty="0" smtClean="0"/>
+              <a:t>Albert R Meyer,                       May 16, 2012</a:t>
+            </a:r>
+            <a:endParaRPr lang="en-US" dirty="0"/>
+          </a:p>
+        </p:txBody>
+      </p:sp>
+    </p:spTree>
+  </p:cSld>
+  <p:clrMapOvr>
+    <a:masterClrMapping/>
+  </p:clrMapOvr>
+  <p:transition xmlns:p14="http://schemas.microsoft.com/office/powerpoint/2010/main" spd="slow">
+    <p:fade thruBlk="1"/>
   </p:transition>
   <p:timing>
     <p:tnLst>
@@ -19270,7 +23055,7 @@
 </p:sld>
 </file>
 
-<file path=ppt/slides/slide20.xml><?xml version="1.0" encoding="utf-8"?>
+<file path=ppt/slides/slide4.xml><?xml version="1.0" encoding="utf-8"?>
 <p:sld xmlns:a="http://schemas.openxmlformats.org/drawingml/2006/main" xmlns:r="http://schemas.openxmlformats.org/officeDocument/2006/relationships" xmlns:p="http://schemas.openxmlformats.org/presentationml/2006/main">
   <p:cSld>
     <p:spTree>
@@ -19289,7 +23074,7 @@
       </p:grpSpPr>
       <p:sp>
         <p:nvSpPr>
-          <p:cNvPr id="25604" name="Slide Number Placeholder 5"/>
+          <p:cNvPr id="21508" name="Slide Number Placeholder 5"/>
           <p:cNvSpPr>
             <a:spLocks noGrp="1"/>
           </p:cNvSpPr>
@@ -19312,10 +23097,10 @@
               <a:rPr lang="en-US" dirty="0" smtClean="0"/>
               <a:t> 14W.</a:t>
             </a:r>
-            <a:fld id="{45EE687B-6412-EB45-B7C7-83D7DCF91618}" type="slidenum">
+            <a:fld id="{D73E32CF-FE78-5945-942C-324A7986BBD0}" type="slidenum">
               <a:rPr lang="en-US" smtClean="0"/>
               <a:pPr/>
-              <a:t>20</a:t>
+              <a:t>4</a:t>
             </a:fld>
             <a:endParaRPr lang="en-US" dirty="0"/>
           </a:p>
@@ -19326,7 +23111,7 @@
       </p:sp>
       <p:sp>
         <p:nvSpPr>
-          <p:cNvPr id="25605" name="Rectangle 2"/>
+          <p:cNvPr id="21509" name="Rectangle 2"/>
           <p:cNvSpPr>
             <a:spLocks noGrp="1" noChangeArrowheads="1"/>
           </p:cNvSpPr>
@@ -19341,16 +23126,15 @@
           <a:p>
             <a:pPr eaLnBrk="1" hangingPunct="1"/>
             <a:r>
-              <a:rPr lang="en-US" dirty="0" smtClean="0"/>
-              <a:t>Further Questions</a:t>
-            </a:r>
-            <a:endParaRPr lang="en-US" dirty="0"/>
-          </a:p>
-        </p:txBody>
-      </p:sp>
-      <p:sp>
-        <p:nvSpPr>
-          <p:cNvPr id="18438" name="Rectangle 3"/>
+              <a:rPr lang="en-US"/>
+              <a:t>Google Page Rank</a:t>
+            </a:r>
+          </a:p>
+        </p:txBody>
+      </p:sp>
+      <p:sp>
+        <p:nvSpPr>
+          <p:cNvPr id="16390" name="Rectangle 3"/>
           <p:cNvSpPr>
             <a:spLocks noGrp="1" noChangeArrowheads="1"/>
           </p:cNvSpPr>
@@ -19360,843 +23144,93 @@
         </p:nvSpPr>
         <p:spPr>
           <a:xfrm>
-            <a:off x="381000" y="3429000"/>
-            <a:ext cx="8534400" cy="2362200"/>
+            <a:off x="228600" y="1219200"/>
+            <a:ext cx="8686800" cy="4495800"/>
           </a:xfrm>
         </p:spPr>
         <p:txBody>
           <a:bodyPr/>
           <a:lstStyle/>
           <a:p>
+            <a:pPr eaLnBrk="1" hangingPunct="1">
+              <a:buFontTx/>
+              <a:buNone/>
+            </a:pPr>
+            <a:r>
+              <a:rPr lang="en-US" dirty="0" smtClean="0"/>
+              <a:t>Which webpages </a:t>
+            </a:r>
+            <a:r>
+              <a:rPr lang="en-US" dirty="0"/>
+              <a:t>are “more important?”</a:t>
+            </a:r>
+          </a:p>
+          <a:p>
+            <a:pPr eaLnBrk="1" hangingPunct="1">
+              <a:buFontTx/>
+              <a:buNone/>
+            </a:pPr>
+            <a:endParaRPr lang="en-US" sz="1000" dirty="0"/>
+          </a:p>
+          <a:p>
+            <a:pPr eaLnBrk="1" hangingPunct="1">
+              <a:buFontTx/>
+              <a:buNone/>
+            </a:pPr>
+            <a:r>
+              <a:rPr lang="en-US" dirty="0"/>
+              <a:t>Model of internet:</a:t>
+            </a:r>
+          </a:p>
+          <a:p>
             <a:pPr eaLnBrk="1" hangingPunct="1"/>
             <a:r>
-              <a:rPr lang="en-US" sz="4000" dirty="0" err="1" smtClean="0"/>
-              <a:t>Pr</a:t>
-            </a:r>
-            <a:r>
-              <a:rPr lang="en-US" sz="4000" dirty="0" err="1"/>
-              <a:t>{ever</a:t>
-            </a:r>
-            <a:r>
-              <a:rPr lang="en-US" sz="4000" dirty="0"/>
-              <a:t> reach </a:t>
-            </a:r>
-            <a:r>
-              <a:rPr lang="en-US" sz="4000" dirty="0">
-                <a:solidFill>
-                  <a:srgbClr val="FF6600"/>
-                </a:solidFill>
-              </a:rPr>
-              <a:t>O</a:t>
-            </a:r>
-            <a:r>
-              <a:rPr lang="en-US" sz="4000" dirty="0"/>
-              <a:t> | start at </a:t>
-            </a:r>
-            <a:r>
-              <a:rPr lang="en-US" sz="4000" dirty="0">
-                <a:solidFill>
-                  <a:schemeClr val="accent2"/>
-                </a:solidFill>
-              </a:rPr>
-              <a:t>B</a:t>
-            </a:r>
-            <a:r>
-              <a:rPr lang="en-US" sz="4000" dirty="0" smtClean="0"/>
-              <a:t>}</a:t>
+              <a:rPr lang="en-US" dirty="0"/>
+              <a:t>Users click random link on a page.</a:t>
             </a:r>
           </a:p>
           <a:p>
             <a:pPr eaLnBrk="1" hangingPunct="1"/>
             <a:r>
-              <a:rPr lang="en-US" sz="4000" dirty="0" err="1" smtClean="0"/>
-              <a:t>Pr{reach</a:t>
-            </a:r>
-            <a:r>
-              <a:rPr lang="en-US" sz="4000" dirty="0" smtClean="0"/>
-              <a:t> </a:t>
-            </a:r>
-            <a:r>
-              <a:rPr lang="en-US" sz="4000" dirty="0" smtClean="0">
-                <a:solidFill>
-                  <a:srgbClr val="008000"/>
-                </a:solidFill>
-              </a:rPr>
-              <a:t>G</a:t>
-            </a:r>
-            <a:r>
-              <a:rPr lang="en-US" sz="4000" dirty="0" smtClean="0"/>
-              <a:t> before </a:t>
-            </a:r>
-            <a:r>
-              <a:rPr lang="en-US" sz="4000" dirty="0" smtClean="0">
-                <a:solidFill>
-                  <a:srgbClr val="FF6600"/>
-                </a:solidFill>
-              </a:rPr>
-              <a:t>O</a:t>
-            </a:r>
-            <a:r>
-              <a:rPr lang="en-US" sz="4000" dirty="0" smtClean="0"/>
-              <a:t> | start at </a:t>
-            </a:r>
-            <a:r>
-              <a:rPr lang="en-US" sz="4000" dirty="0" smtClean="0">
-                <a:solidFill>
-                  <a:schemeClr val="accent2"/>
-                </a:solidFill>
-              </a:rPr>
-              <a:t>B</a:t>
-            </a:r>
-            <a:r>
-              <a:rPr lang="en-US" sz="4000" dirty="0" smtClean="0"/>
-              <a:t>}</a:t>
-            </a:r>
-          </a:p>
-          <a:p>
-            <a:pPr eaLnBrk="1" hangingPunct="1"/>
-            <a:r>
-              <a:rPr lang="en-US" sz="4000" dirty="0"/>
-              <a:t>Average # steps for </a:t>
-            </a:r>
-            <a:r>
-              <a:rPr lang="en-US" sz="4000" dirty="0" smtClean="0">
-                <a:solidFill>
-                  <a:schemeClr val="accent2"/>
-                </a:solidFill>
-              </a:rPr>
-              <a:t>B</a:t>
-            </a:r>
-            <a:r>
-              <a:rPr lang="en-US" sz="4000" dirty="0" smtClean="0">
-                <a:sym typeface="Symbol" pitchFamily="-111" charset="2"/>
-              </a:rPr>
-              <a:t> to </a:t>
-            </a:r>
-            <a:r>
-              <a:rPr lang="en-US" sz="4000" dirty="0" smtClean="0">
-                <a:solidFill>
-                  <a:srgbClr val="FF6600"/>
-                </a:solidFill>
-              </a:rPr>
-              <a:t>O</a:t>
-            </a:r>
-            <a:endParaRPr lang="en-US" sz="4000" dirty="0" smtClean="0"/>
-          </a:p>
-        </p:txBody>
-      </p:sp>
-      <p:sp>
-        <p:nvSpPr>
-          <p:cNvPr id="25607" name="Oval 52"/>
-          <p:cNvSpPr>
-            <a:spLocks noChangeAspect="1" noChangeArrowheads="1"/>
-          </p:cNvSpPr>
-          <p:nvPr/>
-        </p:nvSpPr>
-        <p:spPr bwMode="auto">
-          <a:xfrm>
-            <a:off x="3478213" y="2624138"/>
-            <a:ext cx="450850" cy="450850"/>
-          </a:xfrm>
-          <a:prstGeom prst="ellipse">
-            <a:avLst/>
-          </a:prstGeom>
-          <a:solidFill>
-            <a:schemeClr val="accent2">
-              <a:alpha val="25098"/>
-            </a:schemeClr>
-          </a:solidFill>
-          <a:ln w="28575">
-            <a:solidFill>
-              <a:schemeClr val="accent2"/>
-            </a:solidFill>
-            <a:round/>
-            <a:headEnd/>
-            <a:tailEnd/>
-          </a:ln>
-        </p:spPr>
-        <p:txBody>
-          <a:bodyPr wrap="none" anchor="ctr">
-            <a:prstTxWarp prst="textNoShape">
-              <a:avLst/>
-            </a:prstTxWarp>
-          </a:bodyPr>
-          <a:lstStyle/>
-          <a:p>
-            <a:pPr algn="ctr"/>
-            <a:endParaRPr lang="en-US"/>
-          </a:p>
-        </p:txBody>
-      </p:sp>
-      <p:sp>
-        <p:nvSpPr>
-          <p:cNvPr id="25608" name="Oval 53"/>
-          <p:cNvSpPr>
-            <a:spLocks noChangeAspect="1" noChangeArrowheads="1"/>
-          </p:cNvSpPr>
-          <p:nvPr/>
-        </p:nvSpPr>
-        <p:spPr bwMode="auto">
-          <a:xfrm>
-            <a:off x="4379913" y="1543050"/>
-            <a:ext cx="449262" cy="450850"/>
-          </a:xfrm>
-          <a:prstGeom prst="ellipse">
-            <a:avLst/>
-          </a:prstGeom>
-          <a:solidFill>
-            <a:srgbClr val="FF6600">
-              <a:alpha val="25098"/>
-            </a:srgbClr>
-          </a:solidFill>
-          <a:ln w="28575">
-            <a:solidFill>
-              <a:srgbClr val="FF6600"/>
-            </a:solidFill>
-            <a:round/>
-            <a:headEnd/>
-            <a:tailEnd/>
-          </a:ln>
-        </p:spPr>
-        <p:txBody>
-          <a:bodyPr wrap="none" anchor="ctr">
-            <a:prstTxWarp prst="textNoShape">
-              <a:avLst/>
-            </a:prstTxWarp>
-          </a:bodyPr>
-          <a:lstStyle/>
-          <a:p>
-            <a:pPr algn="ctr"/>
-            <a:endParaRPr lang="en-US"/>
-          </a:p>
-        </p:txBody>
-      </p:sp>
-      <p:sp>
-        <p:nvSpPr>
-          <p:cNvPr id="25609" name="Oval 54"/>
-          <p:cNvSpPr>
-            <a:spLocks noChangeAspect="1" noChangeArrowheads="1"/>
-          </p:cNvSpPr>
-          <p:nvPr/>
-        </p:nvSpPr>
-        <p:spPr bwMode="auto">
-          <a:xfrm>
-            <a:off x="5151438" y="2559050"/>
-            <a:ext cx="450850" cy="452438"/>
-          </a:xfrm>
-          <a:prstGeom prst="ellipse">
-            <a:avLst/>
-          </a:prstGeom>
-          <a:solidFill>
-            <a:srgbClr val="008000">
-              <a:alpha val="25098"/>
-            </a:srgbClr>
-          </a:solidFill>
-          <a:ln w="28575">
-            <a:solidFill>
-              <a:srgbClr val="008000"/>
-            </a:solidFill>
-            <a:round/>
-            <a:headEnd/>
-            <a:tailEnd/>
-          </a:ln>
-        </p:spPr>
-        <p:txBody>
-          <a:bodyPr wrap="none" anchor="ctr">
-            <a:prstTxWarp prst="textNoShape">
-              <a:avLst/>
-            </a:prstTxWarp>
-          </a:bodyPr>
-          <a:lstStyle/>
-          <a:p>
-            <a:pPr algn="ctr"/>
-            <a:endParaRPr lang="en-US"/>
-          </a:p>
-        </p:txBody>
-      </p:sp>
-      <p:cxnSp>
-        <p:nvCxnSpPr>
-          <p:cNvPr id="25610" name="AutoShape 55"/>
-          <p:cNvCxnSpPr>
-            <a:cxnSpLocks noChangeAspect="1" noChangeShapeType="1"/>
-            <a:stCxn id="25607" idx="0"/>
-            <a:endCxn id="25608" idx="2"/>
-          </p:cNvCxnSpPr>
-          <p:nvPr/>
-        </p:nvCxnSpPr>
-        <p:spPr bwMode="auto">
-          <a:xfrm rot="-5400000">
-            <a:off x="3614737" y="1858963"/>
-            <a:ext cx="842963" cy="661988"/>
-          </a:xfrm>
-          <a:prstGeom prst="curvedConnector2">
-            <a:avLst/>
-          </a:prstGeom>
-          <a:noFill/>
-          <a:ln w="28575">
-            <a:solidFill>
-              <a:schemeClr val="accent2"/>
-            </a:solidFill>
-            <a:round/>
-            <a:headEnd/>
-            <a:tailEnd type="triangle" w="med" len="med"/>
-          </a:ln>
-        </p:spPr>
-      </p:cxnSp>
-      <p:cxnSp>
-        <p:nvCxnSpPr>
-          <p:cNvPr id="25611" name="AutoShape 56"/>
-          <p:cNvCxnSpPr>
-            <a:cxnSpLocks noChangeAspect="1" noChangeShapeType="1"/>
-            <a:stCxn id="25608" idx="6"/>
-            <a:endCxn id="25608" idx="0"/>
-          </p:cNvCxnSpPr>
-          <p:nvPr/>
-        </p:nvCxnSpPr>
-        <p:spPr bwMode="auto">
-          <a:xfrm flipH="1" flipV="1">
-            <a:off x="4603750" y="1530350"/>
-            <a:ext cx="238125" cy="238125"/>
-          </a:xfrm>
-          <a:prstGeom prst="curvedConnector4">
-            <a:avLst>
-              <a:gd name="adj1" fmla="val -106847"/>
-              <a:gd name="adj2" fmla="val 209884"/>
-            </a:avLst>
-          </a:prstGeom>
-          <a:noFill/>
-          <a:ln w="28575">
-            <a:solidFill>
-              <a:srgbClr val="FF6600"/>
-            </a:solidFill>
-            <a:round/>
-            <a:headEnd/>
-            <a:tailEnd type="triangle" w="med" len="med"/>
-          </a:ln>
-        </p:spPr>
-      </p:cxnSp>
-      <p:cxnSp>
-        <p:nvCxnSpPr>
-          <p:cNvPr id="25612" name="AutoShape 57"/>
-          <p:cNvCxnSpPr>
-            <a:cxnSpLocks noChangeAspect="1" noChangeShapeType="1"/>
-            <a:stCxn id="25608" idx="6"/>
-            <a:endCxn id="25609" idx="0"/>
-          </p:cNvCxnSpPr>
-          <p:nvPr/>
-        </p:nvCxnSpPr>
-        <p:spPr bwMode="auto">
-          <a:xfrm>
-            <a:off x="4841875" y="1768475"/>
-            <a:ext cx="533400" cy="779463"/>
-          </a:xfrm>
-          <a:prstGeom prst="curvedConnector2">
-            <a:avLst/>
-          </a:prstGeom>
-          <a:noFill/>
-          <a:ln w="28575">
-            <a:solidFill>
-              <a:srgbClr val="FF6600"/>
-            </a:solidFill>
-            <a:round/>
-            <a:headEnd/>
-            <a:tailEnd type="triangle" w="med" len="med"/>
-          </a:ln>
-        </p:spPr>
-      </p:cxnSp>
-      <p:cxnSp>
-        <p:nvCxnSpPr>
-          <p:cNvPr id="25613" name="AutoShape 58"/>
-          <p:cNvCxnSpPr>
-            <a:cxnSpLocks noChangeAspect="1" noChangeShapeType="1"/>
-            <a:stCxn id="25609" idx="4"/>
-            <a:endCxn id="25607" idx="5"/>
-          </p:cNvCxnSpPr>
-          <p:nvPr/>
-        </p:nvCxnSpPr>
-        <p:spPr bwMode="auto">
-          <a:xfrm rot="16200000" flipV="1">
-            <a:off x="4618831" y="2266157"/>
-            <a:ext cx="1587" cy="1511300"/>
-          </a:xfrm>
-          <a:prstGeom prst="curvedConnector3">
-            <a:avLst>
-              <a:gd name="adj1" fmla="val -12200005"/>
-            </a:avLst>
-          </a:prstGeom>
-          <a:noFill/>
-          <a:ln w="28575">
-            <a:solidFill>
-              <a:srgbClr val="008000"/>
-            </a:solidFill>
-            <a:round/>
-            <a:headEnd/>
-            <a:tailEnd type="triangle" w="med" len="med"/>
-          </a:ln>
-        </p:spPr>
-      </p:cxnSp>
-      <p:sp>
-        <p:nvSpPr>
-          <p:cNvPr id="25614" name="Rectangle 59"/>
-          <p:cNvSpPr>
-            <a:spLocks noChangeAspect="1" noChangeArrowheads="1"/>
-          </p:cNvSpPr>
-          <p:nvPr/>
-        </p:nvSpPr>
-        <p:spPr bwMode="auto">
-          <a:xfrm>
-            <a:off x="3276600" y="1898650"/>
-            <a:ext cx="584200" cy="396875"/>
-          </a:xfrm>
-          <a:prstGeom prst="rect">
-            <a:avLst/>
-          </a:prstGeom>
-          <a:noFill/>
-          <a:ln w="9525">
-            <a:noFill/>
-            <a:miter lim="800000"/>
-            <a:headEnd/>
-            <a:tailEnd/>
-          </a:ln>
-        </p:spPr>
-        <p:txBody>
-          <a:bodyPr wrap="none">
-            <a:prstTxWarp prst="textNoShape">
-              <a:avLst/>
-            </a:prstTxWarp>
-            <a:spAutoFit/>
-          </a:bodyPr>
-          <a:lstStyle/>
-          <a:p>
-            <a:r>
-              <a:rPr lang="en-US" sz="2000">
-                <a:solidFill>
-                  <a:schemeClr val="accent2"/>
-                </a:solidFill>
-              </a:rPr>
-              <a:t>1/4</a:t>
-            </a:r>
-          </a:p>
-        </p:txBody>
-      </p:sp>
-      <p:sp>
-        <p:nvSpPr>
-          <p:cNvPr id="25615" name="Rectangle 60"/>
-          <p:cNvSpPr>
-            <a:spLocks noChangeAspect="1" noChangeArrowheads="1"/>
-          </p:cNvSpPr>
-          <p:nvPr/>
-        </p:nvSpPr>
-        <p:spPr bwMode="auto">
-          <a:xfrm>
-            <a:off x="4267200" y="2438400"/>
-            <a:ext cx="584200" cy="396875"/>
-          </a:xfrm>
-          <a:prstGeom prst="rect">
-            <a:avLst/>
-          </a:prstGeom>
-          <a:noFill/>
-          <a:ln w="9525">
-            <a:noFill/>
-            <a:miter lim="800000"/>
-            <a:headEnd/>
-            <a:tailEnd/>
-          </a:ln>
-        </p:spPr>
-        <p:txBody>
-          <a:bodyPr wrap="none">
-            <a:prstTxWarp prst="textNoShape">
-              <a:avLst/>
-            </a:prstTxWarp>
-            <a:spAutoFit/>
-          </a:bodyPr>
-          <a:lstStyle/>
-          <a:p>
-            <a:r>
-              <a:rPr lang="en-US" sz="2000">
-                <a:solidFill>
-                  <a:schemeClr val="accent2"/>
-                </a:solidFill>
-              </a:rPr>
-              <a:t>1/4</a:t>
-            </a:r>
-          </a:p>
-        </p:txBody>
-      </p:sp>
-      <p:sp>
-        <p:nvSpPr>
-          <p:cNvPr id="25616" name="Rectangle 61"/>
-          <p:cNvSpPr>
-            <a:spLocks noChangeAspect="1" noChangeArrowheads="1"/>
-          </p:cNvSpPr>
-          <p:nvPr/>
-        </p:nvSpPr>
-        <p:spPr bwMode="auto">
-          <a:xfrm>
-            <a:off x="5257800" y="1905000"/>
-            <a:ext cx="623888" cy="396875"/>
-          </a:xfrm>
-          <a:prstGeom prst="rect">
-            <a:avLst/>
-          </a:prstGeom>
-          <a:noFill/>
-          <a:ln w="9525">
-            <a:noFill/>
-            <a:miter lim="800000"/>
-            <a:headEnd/>
-            <a:tailEnd/>
-          </a:ln>
-        </p:spPr>
-        <p:txBody>
-          <a:bodyPr wrap="none">
-            <a:prstTxWarp prst="textNoShape">
-              <a:avLst/>
-            </a:prstTxWarp>
-            <a:spAutoFit/>
-          </a:bodyPr>
-          <a:lstStyle/>
-          <a:p>
-            <a:r>
-              <a:rPr lang="en-US" sz="2000">
-                <a:solidFill>
-                  <a:srgbClr val="FF6600"/>
-                </a:solidFill>
-              </a:rPr>
-              <a:t>2/3</a:t>
-            </a:r>
-          </a:p>
-        </p:txBody>
-      </p:sp>
-      <p:sp>
-        <p:nvSpPr>
-          <p:cNvPr id="25617" name="Rectangle 62"/>
-          <p:cNvSpPr>
-            <a:spLocks noChangeAspect="1" noChangeArrowheads="1"/>
-          </p:cNvSpPr>
-          <p:nvPr/>
-        </p:nvSpPr>
-        <p:spPr bwMode="auto">
-          <a:xfrm>
-            <a:off x="5022850" y="1204913"/>
-            <a:ext cx="584200" cy="396875"/>
-          </a:xfrm>
-          <a:prstGeom prst="rect">
-            <a:avLst/>
-          </a:prstGeom>
-          <a:noFill/>
-          <a:ln w="9525">
-            <a:noFill/>
-            <a:miter lim="800000"/>
-            <a:headEnd/>
-            <a:tailEnd/>
-          </a:ln>
-        </p:spPr>
-        <p:txBody>
-          <a:bodyPr wrap="none">
-            <a:prstTxWarp prst="textNoShape">
-              <a:avLst/>
-            </a:prstTxWarp>
-            <a:spAutoFit/>
-          </a:bodyPr>
-          <a:lstStyle/>
-          <a:p>
-            <a:r>
-              <a:rPr lang="en-US" sz="2000">
-                <a:solidFill>
-                  <a:srgbClr val="FF6600"/>
-                </a:solidFill>
-              </a:rPr>
-              <a:t>1/3</a:t>
-            </a:r>
-          </a:p>
-        </p:txBody>
-      </p:sp>
-      <p:sp>
-        <p:nvSpPr>
-          <p:cNvPr id="25618" name="Rectangle 63"/>
-          <p:cNvSpPr>
-            <a:spLocks noChangeAspect="1" noChangeArrowheads="1"/>
-          </p:cNvSpPr>
-          <p:nvPr/>
-        </p:nvSpPr>
-        <p:spPr bwMode="auto">
-          <a:xfrm>
-            <a:off x="4483100" y="2879725"/>
-            <a:ext cx="298450" cy="396875"/>
-          </a:xfrm>
-          <a:prstGeom prst="rect">
-            <a:avLst/>
-          </a:prstGeom>
-          <a:noFill/>
-          <a:ln w="9525">
-            <a:noFill/>
-            <a:miter lim="800000"/>
-            <a:headEnd/>
-            <a:tailEnd/>
-          </a:ln>
-        </p:spPr>
-        <p:txBody>
-          <a:bodyPr wrap="none">
-            <a:prstTxWarp prst="textNoShape">
-              <a:avLst/>
-            </a:prstTxWarp>
-            <a:spAutoFit/>
-          </a:bodyPr>
-          <a:lstStyle/>
-          <a:p>
-            <a:r>
-              <a:rPr lang="en-US" sz="2000">
-                <a:solidFill>
-                  <a:srgbClr val="008000"/>
-                </a:solidFill>
-              </a:rPr>
-              <a:t>1</a:t>
-            </a:r>
-          </a:p>
-        </p:txBody>
-      </p:sp>
-      <p:cxnSp>
-        <p:nvCxnSpPr>
-          <p:cNvPr id="25619" name="AutoShape 64"/>
-          <p:cNvCxnSpPr>
-            <a:cxnSpLocks noChangeAspect="1" noChangeShapeType="1"/>
-            <a:stCxn id="25607" idx="7"/>
-            <a:endCxn id="25609" idx="1"/>
-          </p:cNvCxnSpPr>
-          <p:nvPr/>
-        </p:nvCxnSpPr>
-        <p:spPr bwMode="auto">
-          <a:xfrm rot="-5400000">
-            <a:off x="4507706" y="1969294"/>
-            <a:ext cx="65088" cy="1352550"/>
-          </a:xfrm>
-          <a:prstGeom prst="curvedConnector3">
-            <a:avLst>
-              <a:gd name="adj1" fmla="val 297917"/>
-            </a:avLst>
-          </a:prstGeom>
-          <a:noFill/>
-          <a:ln w="28575">
-            <a:solidFill>
-              <a:schemeClr val="accent2"/>
-            </a:solidFill>
-            <a:round/>
-            <a:headEnd/>
-            <a:tailEnd type="triangle" w="med" len="med"/>
-          </a:ln>
-        </p:spPr>
-      </p:cxnSp>
-      <p:cxnSp>
-        <p:nvCxnSpPr>
-          <p:cNvPr id="25620" name="AutoShape 65"/>
-          <p:cNvCxnSpPr>
-            <a:cxnSpLocks noChangeAspect="1" noChangeShapeType="1"/>
-            <a:stCxn id="25607" idx="4"/>
-            <a:endCxn id="25607" idx="2"/>
-          </p:cNvCxnSpPr>
-          <p:nvPr/>
-        </p:nvCxnSpPr>
-        <p:spPr bwMode="auto">
-          <a:xfrm rot="16200000" flipV="1">
-            <a:off x="3467894" y="2848769"/>
-            <a:ext cx="236537" cy="238125"/>
-          </a:xfrm>
-          <a:prstGeom prst="curvedConnector4">
-            <a:avLst>
-              <a:gd name="adj1" fmla="val -133338"/>
-              <a:gd name="adj2" fmla="val 235593"/>
-            </a:avLst>
-          </a:prstGeom>
-          <a:noFill/>
-          <a:ln w="28575">
-            <a:solidFill>
-              <a:schemeClr val="accent2"/>
-            </a:solidFill>
-            <a:round/>
-            <a:headEnd/>
-            <a:tailEnd type="triangle" w="med" len="med"/>
-          </a:ln>
-        </p:spPr>
-      </p:cxnSp>
-      <p:sp>
-        <p:nvSpPr>
-          <p:cNvPr id="25621" name="Rectangle 66"/>
-          <p:cNvSpPr>
-            <a:spLocks noChangeAspect="1" noChangeArrowheads="1"/>
-          </p:cNvSpPr>
-          <p:nvPr/>
-        </p:nvSpPr>
-        <p:spPr bwMode="auto">
-          <a:xfrm>
-            <a:off x="2590800" y="2859088"/>
-            <a:ext cx="584200" cy="396875"/>
-          </a:xfrm>
-          <a:prstGeom prst="rect">
-            <a:avLst/>
-          </a:prstGeom>
-          <a:noFill/>
-          <a:ln w="9525">
-            <a:noFill/>
-            <a:miter lim="800000"/>
-            <a:headEnd/>
-            <a:tailEnd/>
-          </a:ln>
-        </p:spPr>
-        <p:txBody>
-          <a:bodyPr wrap="none">
-            <a:prstTxWarp prst="textNoShape">
-              <a:avLst/>
-            </a:prstTxWarp>
-            <a:spAutoFit/>
-          </a:bodyPr>
-          <a:lstStyle/>
-          <a:p>
-            <a:r>
-              <a:rPr lang="en-US" sz="2000">
-                <a:solidFill>
-                  <a:schemeClr val="accent2"/>
-                </a:solidFill>
-              </a:rPr>
-              <a:t>1/2</a:t>
-            </a:r>
-          </a:p>
-        </p:txBody>
-      </p:sp>
-      <p:sp>
-        <p:nvSpPr>
-          <p:cNvPr id="25622" name="Rectangle 22"/>
-          <p:cNvSpPr>
-            <a:spLocks noChangeArrowheads="1"/>
-          </p:cNvSpPr>
-          <p:nvPr/>
-        </p:nvSpPr>
-        <p:spPr bwMode="auto">
-          <a:xfrm>
-            <a:off x="3276600" y="2438400"/>
-            <a:ext cx="328613" cy="366713"/>
-          </a:xfrm>
-          <a:prstGeom prst="rect">
-            <a:avLst/>
-          </a:prstGeom>
-          <a:noFill/>
-          <a:ln w="9525">
-            <a:noFill/>
-            <a:miter lim="800000"/>
-            <a:headEnd/>
-            <a:tailEnd/>
-          </a:ln>
-        </p:spPr>
-        <p:txBody>
-          <a:bodyPr wrap="none">
-            <a:prstTxWarp prst="textNoShape">
-              <a:avLst/>
-            </a:prstTxWarp>
-            <a:spAutoFit/>
-          </a:bodyPr>
-          <a:lstStyle/>
-          <a:p>
-            <a:r>
-              <a:rPr lang="en-US" sz="1800">
-                <a:solidFill>
-                  <a:schemeClr val="accent2"/>
-                </a:solidFill>
-              </a:rPr>
-              <a:t>B</a:t>
-            </a:r>
-          </a:p>
-        </p:txBody>
-      </p:sp>
-      <p:sp>
-        <p:nvSpPr>
-          <p:cNvPr id="25623" name="Rectangle 23"/>
-          <p:cNvSpPr>
-            <a:spLocks noChangeArrowheads="1"/>
-          </p:cNvSpPr>
-          <p:nvPr/>
-        </p:nvSpPr>
-        <p:spPr bwMode="auto">
-          <a:xfrm>
-            <a:off x="4191000" y="1295400"/>
-            <a:ext cx="366713" cy="366713"/>
-          </a:xfrm>
-          <a:prstGeom prst="rect">
-            <a:avLst/>
-          </a:prstGeom>
-          <a:noFill/>
-          <a:ln w="9525">
-            <a:noFill/>
-            <a:miter lim="800000"/>
-            <a:headEnd/>
-            <a:tailEnd/>
-          </a:ln>
-        </p:spPr>
-        <p:txBody>
-          <a:bodyPr wrap="none">
-            <a:prstTxWarp prst="textNoShape">
-              <a:avLst/>
-            </a:prstTxWarp>
-            <a:spAutoFit/>
-          </a:bodyPr>
-          <a:lstStyle/>
-          <a:p>
-            <a:r>
-              <a:rPr lang="en-US" sz="1800">
-                <a:solidFill>
-                  <a:srgbClr val="FF6600"/>
-                </a:solidFill>
-              </a:rPr>
-              <a:t>O</a:t>
-            </a:r>
-          </a:p>
-        </p:txBody>
-      </p:sp>
-      <p:sp>
-        <p:nvSpPr>
-          <p:cNvPr id="25624" name="Rectangle 24"/>
-          <p:cNvSpPr>
-            <a:spLocks noChangeArrowheads="1"/>
-          </p:cNvSpPr>
-          <p:nvPr/>
-        </p:nvSpPr>
-        <p:spPr bwMode="auto">
-          <a:xfrm>
-            <a:off x="5562600" y="2590800"/>
-            <a:ext cx="339725" cy="366713"/>
-          </a:xfrm>
-          <a:prstGeom prst="rect">
-            <a:avLst/>
-          </a:prstGeom>
-          <a:noFill/>
-          <a:ln w="9525">
-            <a:noFill/>
-            <a:miter lim="800000"/>
-            <a:headEnd/>
-            <a:tailEnd/>
-          </a:ln>
-        </p:spPr>
-        <p:txBody>
-          <a:bodyPr wrap="none">
-            <a:prstTxWarp prst="textNoShape">
-              <a:avLst/>
-            </a:prstTxWarp>
-            <a:spAutoFit/>
-          </a:bodyPr>
-          <a:lstStyle/>
-          <a:p>
-            <a:r>
-              <a:rPr lang="en-US" sz="1800">
-                <a:solidFill>
-                  <a:srgbClr val="008000"/>
-                </a:solidFill>
-              </a:rPr>
-              <a:t>G</a:t>
-            </a:r>
-          </a:p>
-        </p:txBody>
-      </p:sp>
-      <p:sp>
-        <p:nvSpPr>
-          <p:cNvPr id="25" name="Rectangle 4"/>
+              <a:rPr lang="en-US" dirty="0"/>
+              <a:t>Occasionally start over.</a:t>
+            </a:r>
+          </a:p>
+          <a:p>
+            <a:pPr eaLnBrk="1" hangingPunct="1">
+              <a:buFontTx/>
+              <a:buNone/>
+            </a:pPr>
+            <a:endParaRPr lang="en-US" sz="1000" dirty="0"/>
+          </a:p>
+          <a:p>
+            <a:pPr eaLnBrk="1" hangingPunct="1">
+              <a:buFontTx/>
+              <a:buNone/>
+            </a:pPr>
+            <a:r>
+              <a:rPr lang="en-US" dirty="0"/>
+              <a:t>A page is “more important” if </a:t>
+            </a:r>
+            <a:r>
+              <a:rPr lang="en-US" dirty="0" smtClean="0"/>
+              <a:t>viewed </a:t>
+            </a:r>
+            <a:r>
+              <a:rPr lang="en-US" dirty="0"/>
+              <a:t>a large fraction of </a:t>
+            </a:r>
+            <a:r>
+              <a:rPr lang="en-US" dirty="0" smtClean="0"/>
+              <a:t>time</a:t>
+            </a:r>
+            <a:endParaRPr lang="en-US" dirty="0"/>
+          </a:p>
+        </p:txBody>
+      </p:sp>
+      <p:sp>
+        <p:nvSpPr>
+          <p:cNvPr id="7" name="Rectangle 4"/>
           <p:cNvSpPr>
             <a:spLocks noGrp="1" noChangeArrowheads="1"/>
           </p:cNvSpPr>
@@ -20241,390 +23275,7 @@
             </a:pPr>
             <a:r>
               <a:rPr lang="en-US" dirty="0" smtClean="0"/>
-              <a:t>Albert R Meyer,                       </a:t>
-            </a:r>
-            <a:r>
-              <a:rPr lang="en-US" dirty="0" smtClean="0"/>
-              <a:t>May 16, 2012</a:t>
-            </a:r>
-            <a:endParaRPr lang="en-US" dirty="0"/>
-          </a:p>
-        </p:txBody>
-      </p:sp>
-    </p:spTree>
-  </p:cSld>
-  <p:clrMapOvr>
-    <a:masterClrMapping/>
-  </p:clrMapOvr>
-  <p:transition xmlns:p14="http://schemas.microsoft.com/office/powerpoint/2010/main" spd="slow">
-    <p:fade/>
-  </p:transition>
-  <p:timing>
-    <p:tnLst>
-      <p:par>
-        <p:cTn xmlns:p14="http://schemas.microsoft.com/office/powerpoint/2010/main" id="1" dur="indefinite" restart="never" nodeType="tmRoot">
-          <p:childTnLst>
-            <p:seq concurrent="1" nextAc="seek">
-              <p:cTn id="2" dur="indefinite" nodeType="mainSeq">
-                <p:childTnLst>
-                  <p:par>
-                    <p:cTn id="3" fill="hold">
-                      <p:stCondLst>
-                        <p:cond delay="indefinite"/>
-                      </p:stCondLst>
-                      <p:childTnLst>
-                        <p:par>
-                          <p:cTn id="4" fill="hold">
-                            <p:stCondLst>
-                              <p:cond delay="0"/>
-                            </p:stCondLst>
-                            <p:childTnLst>
-                              <p:par>
-                                <p:cTn id="5" presetID="22" presetClass="entr" presetSubtype="8" fill="hold" grpId="0" nodeType="clickEffect">
-                                  <p:stCondLst>
-                                    <p:cond delay="0"/>
-                                  </p:stCondLst>
-                                  <p:childTnLst>
-                                    <p:set>
-                                      <p:cBhvr>
-                                        <p:cTn id="6" dur="1" fill="hold">
-                                          <p:stCondLst>
-                                            <p:cond delay="0"/>
-                                          </p:stCondLst>
-                                        </p:cTn>
-                                        <p:tgtEl>
-                                          <p:spTgt spid="18438">
-                                            <p:txEl>
-                                              <p:pRg st="1" end="1"/>
-                                            </p:txEl>
-                                          </p:spTgt>
-                                        </p:tgtEl>
-                                        <p:attrNameLst>
-                                          <p:attrName>style.visibility</p:attrName>
-                                        </p:attrNameLst>
-                                      </p:cBhvr>
-                                      <p:to>
-                                        <p:strVal val="visible"/>
-                                      </p:to>
-                                    </p:set>
-                                    <p:animEffect transition="in" filter="wipe(left)">
-                                      <p:cBhvr>
-                                        <p:cTn id="7" dur="500"/>
-                                        <p:tgtEl>
-                                          <p:spTgt spid="18438">
-                                            <p:txEl>
-                                              <p:pRg st="1" end="1"/>
-                                            </p:txEl>
-                                          </p:spTgt>
-                                        </p:tgtEl>
-                                      </p:cBhvr>
-                                    </p:animEffect>
-                                  </p:childTnLst>
-                                </p:cTn>
-                              </p:par>
-                            </p:childTnLst>
-                          </p:cTn>
-                        </p:par>
-                      </p:childTnLst>
-                    </p:cTn>
-                  </p:par>
-                  <p:par>
-                    <p:cTn id="8" fill="hold">
-                      <p:stCondLst>
-                        <p:cond delay="indefinite"/>
-                      </p:stCondLst>
-                      <p:childTnLst>
-                        <p:par>
-                          <p:cTn id="9" fill="hold">
-                            <p:stCondLst>
-                              <p:cond delay="0"/>
-                            </p:stCondLst>
-                            <p:childTnLst>
-                              <p:par>
-                                <p:cTn id="10" presetID="22" presetClass="entr" presetSubtype="8" fill="hold" grpId="0" nodeType="clickEffect">
-                                  <p:stCondLst>
-                                    <p:cond delay="0"/>
-                                  </p:stCondLst>
-                                  <p:childTnLst>
-                                    <p:set>
-                                      <p:cBhvr>
-                                        <p:cTn id="11" dur="1" fill="hold">
-                                          <p:stCondLst>
-                                            <p:cond delay="0"/>
-                                          </p:stCondLst>
-                                        </p:cTn>
-                                        <p:tgtEl>
-                                          <p:spTgt spid="18438">
-                                            <p:txEl>
-                                              <p:pRg st="2" end="2"/>
-                                            </p:txEl>
-                                          </p:spTgt>
-                                        </p:tgtEl>
-                                        <p:attrNameLst>
-                                          <p:attrName>style.visibility</p:attrName>
-                                        </p:attrNameLst>
-                                      </p:cBhvr>
-                                      <p:to>
-                                        <p:strVal val="visible"/>
-                                      </p:to>
-                                    </p:set>
-                                    <p:animEffect transition="in" filter="wipe(left)">
-                                      <p:cBhvr>
-                                        <p:cTn id="12" dur="500"/>
-                                        <p:tgtEl>
-                                          <p:spTgt spid="18438">
-                                            <p:txEl>
-                                              <p:pRg st="2" end="2"/>
-                                            </p:txEl>
-                                          </p:spTgt>
-                                        </p:tgtEl>
-                                      </p:cBhvr>
-                                    </p:animEffect>
-                                  </p:childTnLst>
-                                </p:cTn>
-                              </p:par>
-                            </p:childTnLst>
-                          </p:cTn>
-                        </p:par>
-                      </p:childTnLst>
-                    </p:cTn>
-                  </p:par>
-                </p:childTnLst>
-              </p:cTn>
-              <p:prevCondLst>
-                <p:cond evt="onPrev" delay="0">
-                  <p:tgtEl>
-                    <p:sldTgt/>
-                  </p:tgtEl>
-                </p:cond>
-              </p:prevCondLst>
-              <p:nextCondLst>
-                <p:cond evt="onNext" delay="0">
-                  <p:tgtEl>
-                    <p:sldTgt/>
-                  </p:tgtEl>
-                </p:cond>
-              </p:nextCondLst>
-            </p:seq>
-          </p:childTnLst>
-        </p:cTn>
-      </p:par>
-    </p:tnLst>
-    <p:bldLst>
-      <p:bldP spid="18438" grpId="0" build="p"/>
-    </p:bldLst>
-  </p:timing>
-</p:sld>
-</file>
-
-<file path=ppt/slides/slide3.xml><?xml version="1.0" encoding="utf-8"?>
-<p:sld xmlns:a="http://schemas.openxmlformats.org/drawingml/2006/main" xmlns:r="http://schemas.openxmlformats.org/officeDocument/2006/relationships" xmlns:p="http://schemas.openxmlformats.org/presentationml/2006/main">
-  <p:cSld>
-    <p:spTree>
-      <p:nvGrpSpPr>
-        <p:cNvPr id="1" name=""/>
-        <p:cNvGrpSpPr/>
-        <p:nvPr/>
-      </p:nvGrpSpPr>
-      <p:grpSpPr>
-        <a:xfrm>
-          <a:off x="0" y="0"/>
-          <a:ext cx="0" cy="0"/>
-          <a:chOff x="0" y="0"/>
-          <a:chExt cx="0" cy="0"/>
-        </a:xfrm>
-      </p:grpSpPr>
-      <p:sp>
-        <p:nvSpPr>
-          <p:cNvPr id="21508" name="Slide Number Placeholder 5"/>
-          <p:cNvSpPr>
-            <a:spLocks noGrp="1"/>
-          </p:cNvSpPr>
-          <p:nvPr>
-            <p:ph type="sldNum" sz="quarter" idx="12"/>
-          </p:nvPr>
-        </p:nvSpPr>
-        <p:spPr>
-          <a:noFill/>
-        </p:spPr>
-        <p:txBody>
-          <a:bodyPr/>
-          <a:lstStyle/>
-          <a:p>
-            <a:r>
-              <a:rPr lang="en-US" dirty="0" err="1"/>
-              <a:t>Lec</a:t>
-            </a:r>
-            <a:r>
-              <a:rPr lang="en-US" dirty="0" smtClean="0"/>
-              <a:t> 14W.</a:t>
-            </a:r>
-            <a:fld id="{D73E32CF-FE78-5945-942C-324A7986BBD0}" type="slidenum">
-              <a:rPr lang="en-US" smtClean="0"/>
-              <a:pPr/>
-              <a:t>3</a:t>
-            </a:fld>
-            <a:endParaRPr lang="en-US" dirty="0"/>
-          </a:p>
-          <a:p>
-            <a:endParaRPr lang="en-US" dirty="0"/>
-          </a:p>
-        </p:txBody>
-      </p:sp>
-      <p:sp>
-        <p:nvSpPr>
-          <p:cNvPr id="21509" name="Rectangle 2"/>
-          <p:cNvSpPr>
-            <a:spLocks noGrp="1" noChangeArrowheads="1"/>
-          </p:cNvSpPr>
-          <p:nvPr>
-            <p:ph type="title"/>
-          </p:nvPr>
-        </p:nvSpPr>
-        <p:spPr/>
-        <p:txBody>
-          <a:bodyPr/>
-          <a:lstStyle/>
-          <a:p>
-            <a:pPr eaLnBrk="1" hangingPunct="1"/>
-            <a:r>
-              <a:rPr lang="en-US"/>
-              <a:t>Google Page Rank</a:t>
-            </a:r>
-          </a:p>
-        </p:txBody>
-      </p:sp>
-      <p:sp>
-        <p:nvSpPr>
-          <p:cNvPr id="16390" name="Rectangle 3"/>
-          <p:cNvSpPr>
-            <a:spLocks noGrp="1" noChangeArrowheads="1"/>
-          </p:cNvSpPr>
-          <p:nvPr>
-            <p:ph type="body" idx="1"/>
-          </p:nvPr>
-        </p:nvSpPr>
-        <p:spPr>
-          <a:xfrm>
-            <a:off x="685800" y="1828800"/>
-            <a:ext cx="7772400" cy="4495800"/>
-          </a:xfrm>
-        </p:spPr>
-        <p:txBody>
-          <a:bodyPr/>
-          <a:lstStyle/>
-          <a:p>
-            <a:pPr eaLnBrk="1" hangingPunct="1">
-              <a:buFontTx/>
-              <a:buNone/>
-            </a:pPr>
-            <a:r>
-              <a:rPr lang="en-US" sz="3200"/>
-              <a:t>How do we decide which pages are “more important?”</a:t>
-            </a:r>
-          </a:p>
-          <a:p>
-            <a:pPr eaLnBrk="1" hangingPunct="1">
-              <a:buFontTx/>
-              <a:buNone/>
-            </a:pPr>
-            <a:endParaRPr lang="en-US" sz="900"/>
-          </a:p>
-          <a:p>
-            <a:pPr eaLnBrk="1" hangingPunct="1">
-              <a:buFontTx/>
-              <a:buNone/>
-            </a:pPr>
-            <a:r>
-              <a:rPr lang="en-US" sz="3200"/>
-              <a:t>Model of internet:</a:t>
-            </a:r>
-          </a:p>
-          <a:p>
-            <a:pPr eaLnBrk="1" hangingPunct="1"/>
-            <a:r>
-              <a:rPr lang="en-US" sz="3200"/>
-              <a:t>Users click random link on a page.</a:t>
-            </a:r>
-          </a:p>
-          <a:p>
-            <a:pPr eaLnBrk="1" hangingPunct="1"/>
-            <a:r>
-              <a:rPr lang="en-US" sz="3200"/>
-              <a:t>Occasionally start over.</a:t>
-            </a:r>
-          </a:p>
-          <a:p>
-            <a:pPr eaLnBrk="1" hangingPunct="1">
-              <a:buFontTx/>
-              <a:buNone/>
-            </a:pPr>
-            <a:endParaRPr lang="en-US" sz="900"/>
-          </a:p>
-          <a:p>
-            <a:pPr eaLnBrk="1" hangingPunct="1">
-              <a:buFontTx/>
-              <a:buNone/>
-            </a:pPr>
-            <a:r>
-              <a:rPr lang="en-US" sz="3200"/>
-              <a:t>A page is “more important” if the users spend a large fraction of time there. </a:t>
-            </a:r>
-          </a:p>
-        </p:txBody>
-      </p:sp>
-      <p:sp>
-        <p:nvSpPr>
-          <p:cNvPr id="7" name="Rectangle 4"/>
-          <p:cNvSpPr>
-            <a:spLocks noGrp="1" noChangeArrowheads="1"/>
-          </p:cNvSpPr>
-          <p:nvPr>
-            <p:ph type="dt" sz="half" idx="4294967295"/>
-          </p:nvPr>
-        </p:nvSpPr>
-        <p:spPr bwMode="auto">
-          <a:xfrm>
-            <a:off x="3124200" y="6629400"/>
-            <a:ext cx="2863850" cy="228600"/>
-          </a:xfrm>
-          <a:prstGeom prst="rect">
-            <a:avLst/>
-          </a:prstGeom>
-          <a:noFill/>
-          <a:ln w="9525">
-            <a:noFill/>
-            <a:miter lim="800000"/>
-            <a:headEnd/>
-            <a:tailEnd/>
-          </a:ln>
-        </p:spPr>
-        <p:txBody>
-          <a:bodyPr vert="horz" wrap="square" lIns="91440" tIns="45720" rIns="91440" bIns="45720" numCol="1" anchor="t" anchorCtr="0" compatLnSpc="1">
-            <a:prstTxWarp prst="textNoShape">
-              <a:avLst/>
-            </a:prstTxWarp>
-          </a:bodyPr>
-          <a:lstStyle>
-            <a:lvl1pPr algn="ctr" eaLnBrk="1" hangingPunct="1">
-              <a:defRPr sz="1000">
-                <a:latin typeface="Comic Sans MS" pitchFamily="-64" charset="0"/>
-                <a:ea typeface="ＭＳ Ｐゴシック" pitchFamily="-64" charset="-128"/>
-                <a:cs typeface="+mn-cs"/>
-              </a:defRPr>
-            </a:lvl1pPr>
-          </a:lstStyle>
-          <a:p>
-            <a:pPr>
-              <a:defRPr/>
-            </a:pPr>
-            <a:r>
-              <a:rPr lang="en-US" dirty="0" smtClean="0"/>
-              <a:t>Albert R Meyer,                       </a:t>
-            </a:r>
-            <a:r>
-              <a:rPr lang="en-US" dirty="0" smtClean="0"/>
-              <a:t>May 16, 2012</a:t>
+              <a:t>Albert R Meyer,                       May 16, 2012</a:t>
             </a:r>
             <a:endParaRPr lang="en-US" dirty="0"/>
           </a:p>
@@ -20916,7 +23567,7 @@
 </p:sld>
 </file>
 
-<file path=ppt/slides/slide4.xml><?xml version="1.0" encoding="utf-8"?>
+<file path=ppt/slides/slide5.xml><?xml version="1.0" encoding="utf-8"?>
 <p:sld xmlns:a="http://schemas.openxmlformats.org/drawingml/2006/main" xmlns:r="http://schemas.openxmlformats.org/officeDocument/2006/relationships" xmlns:p="http://schemas.openxmlformats.org/presentationml/2006/main">
   <p:cSld>
     <p:spTree>
@@ -20961,7 +23612,7 @@
             <a:fld id="{5E1BA450-280F-8A40-AB9C-518CB5D8C9F4}" type="slidenum">
               <a:rPr lang="en-US" smtClean="0"/>
               <a:pPr/>
-              <a:t>4</a:t>
+              <a:t>5</a:t>
             </a:fld>
             <a:endParaRPr lang="en-US" dirty="0"/>
           </a:p>
@@ -21796,11 +24447,7 @@
             </a:pPr>
             <a:r>
               <a:rPr lang="en-US" dirty="0" smtClean="0"/>
-              <a:t>Albert R Meyer,                       </a:t>
-            </a:r>
-            <a:r>
-              <a:rPr lang="en-US" dirty="0" smtClean="0"/>
-              <a:t>May 16, 2012</a:t>
+              <a:t>Albert R Meyer,                       May 16, 2012</a:t>
             </a:r>
             <a:endParaRPr lang="en-US" dirty="0"/>
           </a:p>
@@ -22155,2999 +24802,6 @@
 </p:sld>
 </file>
 
-<file path=ppt/slides/slide5.xml><?xml version="1.0" encoding="utf-8"?>
-<p:sld xmlns:a="http://schemas.openxmlformats.org/drawingml/2006/main" xmlns:r="http://schemas.openxmlformats.org/officeDocument/2006/relationships" xmlns:p="http://schemas.openxmlformats.org/presentationml/2006/main" show="0">
-  <p:cSld>
-    <p:spTree>
-      <p:nvGrpSpPr>
-        <p:cNvPr id="1" name=""/>
-        <p:cNvGrpSpPr/>
-        <p:nvPr/>
-      </p:nvGrpSpPr>
-      <p:grpSpPr>
-        <a:xfrm>
-          <a:off x="0" y="0"/>
-          <a:ext cx="0" cy="0"/>
-          <a:chOff x="0" y="0"/>
-          <a:chExt cx="0" cy="0"/>
-        </a:xfrm>
-      </p:grpSpPr>
-      <p:sp>
-        <p:nvSpPr>
-          <p:cNvPr id="27652" name="Slide Number Placeholder 5"/>
-          <p:cNvSpPr txBox="1">
-            <a:spLocks noGrp="1"/>
-          </p:cNvSpPr>
-          <p:nvPr/>
-        </p:nvSpPr>
-        <p:spPr bwMode="auto">
-          <a:xfrm>
-            <a:off x="8001000" y="6580188"/>
-            <a:ext cx="1143000" cy="277812"/>
-          </a:xfrm>
-          <a:prstGeom prst="rect">
-            <a:avLst/>
-          </a:prstGeom>
-          <a:noFill/>
-          <a:ln w="9525">
-            <a:noFill/>
-            <a:miter lim="800000"/>
-            <a:headEnd/>
-            <a:tailEnd/>
-          </a:ln>
-        </p:spPr>
-        <p:txBody>
-          <a:bodyPr>
-            <a:prstTxWarp prst="textNoShape">
-              <a:avLst/>
-            </a:prstTxWarp>
-          </a:bodyPr>
-          <a:lstStyle/>
-          <a:p>
-            <a:pPr algn="r" eaLnBrk="1" hangingPunct="1"/>
-            <a:r>
-              <a:rPr lang="en-US" sz="1000" dirty="0" err="1"/>
-              <a:t>Lec</a:t>
-            </a:r>
-            <a:r>
-              <a:rPr lang="en-US" sz="1000" dirty="0" smtClean="0"/>
-              <a:t> 14W.</a:t>
-            </a:r>
-            <a:fld id="{971C8B71-C4BE-F941-B044-057C0BB67DF0}" type="slidenum">
-              <a:rPr lang="en-US" sz="1000" smtClean="0"/>
-              <a:pPr algn="r" eaLnBrk="1" hangingPunct="1"/>
-              <a:t>5</a:t>
-            </a:fld>
-            <a:endParaRPr lang="en-US" sz="1000" dirty="0"/>
-          </a:p>
-          <a:p>
-            <a:pPr algn="r" eaLnBrk="1" hangingPunct="1"/>
-            <a:endParaRPr lang="en-US" sz="1000" dirty="0"/>
-          </a:p>
-        </p:txBody>
-      </p:sp>
-      <p:sp>
-        <p:nvSpPr>
-          <p:cNvPr id="41015" name="Rectangle 55"/>
-          <p:cNvSpPr>
-            <a:spLocks noChangeArrowheads="1"/>
-          </p:cNvSpPr>
-          <p:nvPr/>
-        </p:nvSpPr>
-        <p:spPr bwMode="auto">
-          <a:xfrm>
-            <a:off x="304800" y="4876800"/>
-            <a:ext cx="8534400" cy="762000"/>
-          </a:xfrm>
-          <a:prstGeom prst="rect">
-            <a:avLst/>
-          </a:prstGeom>
-          <a:noFill/>
-          <a:ln w="9525">
-            <a:noFill/>
-            <a:miter lim="800000"/>
-            <a:headEnd/>
-            <a:tailEnd/>
-          </a:ln>
-        </p:spPr>
-        <p:txBody>
-          <a:bodyPr>
-            <a:prstTxWarp prst="textNoShape">
-              <a:avLst/>
-            </a:prstTxWarp>
-          </a:bodyPr>
-          <a:lstStyle/>
-          <a:p>
-            <a:pPr marL="342900" indent="-342900" eaLnBrk="1" hangingPunct="1">
-              <a:spcBef>
-                <a:spcPct val="20000"/>
-              </a:spcBef>
-              <a:buClr>
-                <a:schemeClr val="tx1"/>
-              </a:buClr>
-            </a:pPr>
-            <a:r>
-              <a:rPr lang="en-US" sz="4000" dirty="0"/>
-              <a:t>What is </a:t>
-            </a:r>
-            <a:r>
-              <a:rPr lang="en-US" sz="4000" dirty="0" err="1" smtClean="0">
-                <a:solidFill>
-                  <a:schemeClr val="accent2"/>
-                </a:solidFill>
-              </a:rPr>
-              <a:t>p’</a:t>
-            </a:r>
-            <a:r>
-              <a:rPr lang="en-US" sz="4000" baseline="-25000" dirty="0" err="1" smtClean="0">
-                <a:solidFill>
-                  <a:schemeClr val="accent2"/>
-                </a:solidFill>
-              </a:rPr>
-              <a:t>B</a:t>
-            </a:r>
-            <a:r>
-              <a:rPr lang="en-US" sz="4000" dirty="0" smtClean="0"/>
-              <a:t>, </a:t>
-            </a:r>
-            <a:r>
-              <a:rPr lang="en-US" sz="4000" dirty="0" err="1" smtClean="0">
-                <a:solidFill>
-                  <a:srgbClr val="FF6600"/>
-                </a:solidFill>
-              </a:rPr>
-              <a:t>p’</a:t>
-            </a:r>
-            <a:r>
-              <a:rPr lang="en-US" sz="4000" baseline="-25000" dirty="0" err="1" smtClean="0">
-                <a:solidFill>
-                  <a:srgbClr val="FF6600"/>
-                </a:solidFill>
-              </a:rPr>
-              <a:t>O</a:t>
-            </a:r>
-            <a:r>
-              <a:rPr lang="en-US" sz="4000" dirty="0" smtClean="0"/>
-              <a:t>, </a:t>
-            </a:r>
-            <a:r>
-              <a:rPr lang="en-US" sz="4000" dirty="0" err="1" smtClean="0">
-                <a:solidFill>
-                  <a:srgbClr val="008000"/>
-                </a:solidFill>
-              </a:rPr>
-              <a:t>p’</a:t>
-            </a:r>
-            <a:r>
-              <a:rPr lang="en-US" sz="4000" baseline="-25000" dirty="0" err="1" smtClean="0">
-                <a:solidFill>
-                  <a:srgbClr val="008000"/>
-                </a:solidFill>
-              </a:rPr>
-              <a:t>G</a:t>
-            </a:r>
-            <a:r>
-              <a:rPr lang="en-US" sz="4000" dirty="0" smtClean="0"/>
-              <a:t> </a:t>
-            </a:r>
-            <a:r>
-              <a:rPr lang="en-US" sz="4000" dirty="0"/>
-              <a:t>after 1 step? </a:t>
-            </a:r>
-          </a:p>
-        </p:txBody>
-      </p:sp>
-      <p:sp>
-        <p:nvSpPr>
-          <p:cNvPr id="41021" name="Rectangle 61"/>
-          <p:cNvSpPr>
-            <a:spLocks noChangeAspect="1" noChangeArrowheads="1"/>
-          </p:cNvSpPr>
-          <p:nvPr/>
-        </p:nvSpPr>
-        <p:spPr bwMode="auto">
-          <a:xfrm>
-            <a:off x="3587750" y="2514600"/>
-            <a:ext cx="603250" cy="415925"/>
-          </a:xfrm>
-          <a:prstGeom prst="rect">
-            <a:avLst/>
-          </a:prstGeom>
-          <a:noFill/>
-          <a:ln w="19050">
-            <a:solidFill>
-              <a:schemeClr val="accent2"/>
-            </a:solidFill>
-            <a:miter lim="800000"/>
-            <a:headEnd/>
-            <a:tailEnd/>
-          </a:ln>
-        </p:spPr>
-        <p:txBody>
-          <a:bodyPr wrap="none">
-            <a:prstTxWarp prst="textNoShape">
-              <a:avLst/>
-            </a:prstTxWarp>
-            <a:spAutoFit/>
-          </a:bodyPr>
-          <a:lstStyle/>
-          <a:p>
-            <a:r>
-              <a:rPr lang="en-US" sz="2000">
-                <a:solidFill>
-                  <a:schemeClr val="accent2"/>
-                </a:solidFill>
-              </a:rPr>
-              <a:t>1/4</a:t>
-            </a:r>
-          </a:p>
-        </p:txBody>
-      </p:sp>
-      <p:sp>
-        <p:nvSpPr>
-          <p:cNvPr id="41023" name="Rectangle 63"/>
-          <p:cNvSpPr>
-            <a:spLocks noChangeAspect="1" noChangeArrowheads="1"/>
-          </p:cNvSpPr>
-          <p:nvPr/>
-        </p:nvSpPr>
-        <p:spPr bwMode="auto">
-          <a:xfrm>
-            <a:off x="3352800" y="2971800"/>
-            <a:ext cx="366713" cy="579438"/>
-          </a:xfrm>
-          <a:prstGeom prst="rect">
-            <a:avLst/>
-          </a:prstGeom>
-          <a:noFill/>
-          <a:ln w="9525">
-            <a:noFill/>
-            <a:miter lim="800000"/>
-            <a:headEnd/>
-            <a:tailEnd/>
-          </a:ln>
-        </p:spPr>
-        <p:txBody>
-          <a:bodyPr wrap="none">
-            <a:prstTxWarp prst="textNoShape">
-              <a:avLst/>
-            </a:prstTxWarp>
-            <a:spAutoFit/>
-          </a:bodyPr>
-          <a:lstStyle/>
-          <a:p>
-            <a:r>
-              <a:rPr lang="en-US" sz="3200">
-                <a:solidFill>
-                  <a:schemeClr val="accent2"/>
-                </a:solidFill>
-              </a:rPr>
-              <a:t>1</a:t>
-            </a:r>
-          </a:p>
-        </p:txBody>
-      </p:sp>
-      <p:sp>
-        <p:nvSpPr>
-          <p:cNvPr id="41024" name="Rectangle 64"/>
-          <p:cNvSpPr>
-            <a:spLocks noChangeAspect="1" noChangeArrowheads="1"/>
-          </p:cNvSpPr>
-          <p:nvPr/>
-        </p:nvSpPr>
-        <p:spPr bwMode="auto">
-          <a:xfrm>
-            <a:off x="4724400" y="1554163"/>
-            <a:ext cx="431800" cy="579437"/>
-          </a:xfrm>
-          <a:prstGeom prst="rect">
-            <a:avLst/>
-          </a:prstGeom>
-          <a:noFill/>
-          <a:ln w="9525">
-            <a:noFill/>
-            <a:miter lim="800000"/>
-            <a:headEnd/>
-            <a:tailEnd/>
-          </a:ln>
-        </p:spPr>
-        <p:txBody>
-          <a:bodyPr wrap="none">
-            <a:prstTxWarp prst="textNoShape">
-              <a:avLst/>
-            </a:prstTxWarp>
-            <a:spAutoFit/>
-          </a:bodyPr>
-          <a:lstStyle/>
-          <a:p>
-            <a:r>
-              <a:rPr lang="en-US" sz="3200">
-                <a:solidFill>
-                  <a:srgbClr val="FF6600"/>
-                </a:solidFill>
-              </a:rPr>
-              <a:t>0</a:t>
-            </a:r>
-          </a:p>
-        </p:txBody>
-      </p:sp>
-      <p:sp>
-        <p:nvSpPr>
-          <p:cNvPr id="41025" name="Rectangle 65"/>
-          <p:cNvSpPr>
-            <a:spLocks noChangeAspect="1" noChangeArrowheads="1"/>
-          </p:cNvSpPr>
-          <p:nvPr/>
-        </p:nvSpPr>
-        <p:spPr bwMode="auto">
-          <a:xfrm>
-            <a:off x="5791200" y="2925763"/>
-            <a:ext cx="431800" cy="579437"/>
-          </a:xfrm>
-          <a:prstGeom prst="rect">
-            <a:avLst/>
-          </a:prstGeom>
-          <a:noFill/>
-          <a:ln w="9525">
-            <a:noFill/>
-            <a:miter lim="800000"/>
-            <a:headEnd/>
-            <a:tailEnd/>
-          </a:ln>
-        </p:spPr>
-        <p:txBody>
-          <a:bodyPr wrap="none">
-            <a:prstTxWarp prst="textNoShape">
-              <a:avLst/>
-            </a:prstTxWarp>
-            <a:spAutoFit/>
-          </a:bodyPr>
-          <a:lstStyle/>
-          <a:p>
-            <a:r>
-              <a:rPr lang="en-US" sz="3200">
-                <a:solidFill>
-                  <a:srgbClr val="008000"/>
-                </a:solidFill>
-              </a:rPr>
-              <a:t>0</a:t>
-            </a:r>
-          </a:p>
-        </p:txBody>
-      </p:sp>
-      <p:sp>
-        <p:nvSpPr>
-          <p:cNvPr id="41026" name="Rectangle 66"/>
-          <p:cNvSpPr>
-            <a:spLocks noChangeAspect="1" noChangeArrowheads="1"/>
-          </p:cNvSpPr>
-          <p:nvPr/>
-        </p:nvSpPr>
-        <p:spPr bwMode="auto">
-          <a:xfrm>
-            <a:off x="2917825" y="2446338"/>
-            <a:ext cx="603250" cy="415925"/>
-          </a:xfrm>
-          <a:prstGeom prst="rect">
-            <a:avLst/>
-          </a:prstGeom>
-          <a:noFill/>
-          <a:ln w="19050">
-            <a:solidFill>
-              <a:schemeClr val="accent2"/>
-            </a:solidFill>
-            <a:miter lim="800000"/>
-            <a:headEnd/>
-            <a:tailEnd/>
-          </a:ln>
-        </p:spPr>
-        <p:txBody>
-          <a:bodyPr wrap="none">
-            <a:prstTxWarp prst="textNoShape">
-              <a:avLst/>
-            </a:prstTxWarp>
-            <a:spAutoFit/>
-          </a:bodyPr>
-          <a:lstStyle/>
-          <a:p>
-            <a:r>
-              <a:rPr lang="en-US" sz="2000">
-                <a:solidFill>
-                  <a:schemeClr val="accent2"/>
-                </a:solidFill>
-              </a:rPr>
-              <a:t>1/4</a:t>
-            </a:r>
-          </a:p>
-        </p:txBody>
-      </p:sp>
-      <p:sp>
-        <p:nvSpPr>
-          <p:cNvPr id="41027" name="Rectangle 67"/>
-          <p:cNvSpPr>
-            <a:spLocks noChangeAspect="1" noChangeArrowheads="1"/>
-          </p:cNvSpPr>
-          <p:nvPr/>
-        </p:nvSpPr>
-        <p:spPr bwMode="auto">
-          <a:xfrm>
-            <a:off x="3203575" y="3581400"/>
-            <a:ext cx="603250" cy="415925"/>
-          </a:xfrm>
-          <a:prstGeom prst="rect">
-            <a:avLst/>
-          </a:prstGeom>
-          <a:noFill/>
-          <a:ln w="19050">
-            <a:solidFill>
-              <a:schemeClr val="accent2"/>
-            </a:solidFill>
-            <a:miter lim="800000"/>
-            <a:headEnd/>
-            <a:tailEnd/>
-          </a:ln>
-        </p:spPr>
-        <p:txBody>
-          <a:bodyPr wrap="none">
-            <a:prstTxWarp prst="textNoShape">
-              <a:avLst/>
-            </a:prstTxWarp>
-            <a:spAutoFit/>
-          </a:bodyPr>
-          <a:lstStyle/>
-          <a:p>
-            <a:r>
-              <a:rPr lang="en-US" sz="2000">
-                <a:solidFill>
-                  <a:schemeClr val="accent2"/>
-                </a:solidFill>
-              </a:rPr>
-              <a:t>1/2</a:t>
-            </a:r>
-          </a:p>
-        </p:txBody>
-      </p:sp>
-      <p:sp>
-        <p:nvSpPr>
-          <p:cNvPr id="41033" name="Rectangle 73"/>
-          <p:cNvSpPr>
-            <a:spLocks noChangeAspect="1" noChangeArrowheads="1"/>
-          </p:cNvSpPr>
-          <p:nvPr/>
-        </p:nvSpPr>
-        <p:spPr bwMode="auto">
-          <a:xfrm>
-            <a:off x="3276600" y="1905000"/>
-            <a:ext cx="603250" cy="415925"/>
-          </a:xfrm>
-          <a:prstGeom prst="rect">
-            <a:avLst/>
-          </a:prstGeom>
-          <a:noFill/>
-          <a:ln w="19050">
-            <a:solidFill>
-              <a:schemeClr val="accent2"/>
-            </a:solidFill>
-            <a:miter lim="800000"/>
-            <a:headEnd/>
-            <a:tailEnd/>
-          </a:ln>
-        </p:spPr>
-        <p:txBody>
-          <a:bodyPr wrap="none">
-            <a:prstTxWarp prst="textNoShape">
-              <a:avLst/>
-            </a:prstTxWarp>
-            <a:spAutoFit/>
-          </a:bodyPr>
-          <a:lstStyle/>
-          <a:p>
-            <a:r>
-              <a:rPr lang="en-US" sz="2000">
-                <a:solidFill>
-                  <a:schemeClr val="accent2"/>
-                </a:solidFill>
-              </a:rPr>
-              <a:t>1/4</a:t>
-            </a:r>
-          </a:p>
-        </p:txBody>
-      </p:sp>
-      <p:sp>
-        <p:nvSpPr>
-          <p:cNvPr id="41034" name="Rectangle 74"/>
-          <p:cNvSpPr>
-            <a:spLocks noChangeAspect="1" noChangeArrowheads="1"/>
-          </p:cNvSpPr>
-          <p:nvPr/>
-        </p:nvSpPr>
-        <p:spPr bwMode="auto">
-          <a:xfrm>
-            <a:off x="4349750" y="2286000"/>
-            <a:ext cx="603250" cy="415925"/>
-          </a:xfrm>
-          <a:prstGeom prst="rect">
-            <a:avLst/>
-          </a:prstGeom>
-          <a:noFill/>
-          <a:ln w="19050">
-            <a:solidFill>
-              <a:schemeClr val="accent2"/>
-            </a:solidFill>
-            <a:miter lim="800000"/>
-            <a:headEnd/>
-            <a:tailEnd/>
-          </a:ln>
-        </p:spPr>
-        <p:txBody>
-          <a:bodyPr wrap="none">
-            <a:prstTxWarp prst="textNoShape">
-              <a:avLst/>
-            </a:prstTxWarp>
-            <a:spAutoFit/>
-          </a:bodyPr>
-          <a:lstStyle/>
-          <a:p>
-            <a:r>
-              <a:rPr lang="en-US" sz="2000">
-                <a:solidFill>
-                  <a:schemeClr val="accent2"/>
-                </a:solidFill>
-              </a:rPr>
-              <a:t>1/4</a:t>
-            </a:r>
-          </a:p>
-        </p:txBody>
-      </p:sp>
-      <p:sp>
-        <p:nvSpPr>
-          <p:cNvPr id="41035" name="Rectangle 75"/>
-          <p:cNvSpPr>
-            <a:spLocks noChangeAspect="1" noChangeArrowheads="1"/>
-          </p:cNvSpPr>
-          <p:nvPr/>
-        </p:nvSpPr>
-        <p:spPr bwMode="auto">
-          <a:xfrm>
-            <a:off x="2444750" y="3657600"/>
-            <a:ext cx="603250" cy="415925"/>
-          </a:xfrm>
-          <a:prstGeom prst="rect">
-            <a:avLst/>
-          </a:prstGeom>
-          <a:noFill/>
-          <a:ln w="19050">
-            <a:solidFill>
-              <a:schemeClr val="accent2"/>
-            </a:solidFill>
-            <a:miter lim="800000"/>
-            <a:headEnd/>
-            <a:tailEnd/>
-          </a:ln>
-        </p:spPr>
-        <p:txBody>
-          <a:bodyPr wrap="none">
-            <a:prstTxWarp prst="textNoShape">
-              <a:avLst/>
-            </a:prstTxWarp>
-            <a:spAutoFit/>
-          </a:bodyPr>
-          <a:lstStyle/>
-          <a:p>
-            <a:r>
-              <a:rPr lang="en-US" sz="2000">
-                <a:solidFill>
-                  <a:schemeClr val="accent2"/>
-                </a:solidFill>
-              </a:rPr>
-              <a:t>1/2</a:t>
-            </a:r>
-          </a:p>
-        </p:txBody>
-      </p:sp>
-      <p:sp>
-        <p:nvSpPr>
-          <p:cNvPr id="41036" name="Rectangle 76"/>
-          <p:cNvSpPr>
-            <a:spLocks noChangeAspect="1" noChangeArrowheads="1"/>
-          </p:cNvSpPr>
-          <p:nvPr/>
-        </p:nvSpPr>
-        <p:spPr bwMode="auto">
-          <a:xfrm>
-            <a:off x="3810000" y="1447800"/>
-            <a:ext cx="603250" cy="415925"/>
-          </a:xfrm>
-          <a:prstGeom prst="rect">
-            <a:avLst/>
-          </a:prstGeom>
-          <a:noFill/>
-          <a:ln w="19050">
-            <a:solidFill>
-              <a:schemeClr val="accent2"/>
-            </a:solidFill>
-            <a:miter lim="800000"/>
-            <a:headEnd/>
-            <a:tailEnd/>
-          </a:ln>
-        </p:spPr>
-        <p:txBody>
-          <a:bodyPr wrap="none">
-            <a:prstTxWarp prst="textNoShape">
-              <a:avLst/>
-            </a:prstTxWarp>
-            <a:spAutoFit/>
-          </a:bodyPr>
-          <a:lstStyle/>
-          <a:p>
-            <a:r>
-              <a:rPr lang="en-US" sz="2000">
-                <a:solidFill>
-                  <a:schemeClr val="accent2"/>
-                </a:solidFill>
-              </a:rPr>
-              <a:t>1/4</a:t>
-            </a:r>
-          </a:p>
-        </p:txBody>
-      </p:sp>
-      <p:sp>
-        <p:nvSpPr>
-          <p:cNvPr id="41037" name="Rectangle 77"/>
-          <p:cNvSpPr>
-            <a:spLocks noChangeAspect="1" noChangeArrowheads="1"/>
-          </p:cNvSpPr>
-          <p:nvPr/>
-        </p:nvSpPr>
-        <p:spPr bwMode="auto">
-          <a:xfrm>
-            <a:off x="5184775" y="2438400"/>
-            <a:ext cx="603250" cy="415925"/>
-          </a:xfrm>
-          <a:prstGeom prst="rect">
-            <a:avLst/>
-          </a:prstGeom>
-          <a:noFill/>
-          <a:ln w="19050">
-            <a:solidFill>
-              <a:schemeClr val="accent2"/>
-            </a:solidFill>
-            <a:miter lim="800000"/>
-            <a:headEnd/>
-            <a:tailEnd/>
-          </a:ln>
-        </p:spPr>
-        <p:txBody>
-          <a:bodyPr wrap="none">
-            <a:prstTxWarp prst="textNoShape">
-              <a:avLst/>
-            </a:prstTxWarp>
-            <a:spAutoFit/>
-          </a:bodyPr>
-          <a:lstStyle/>
-          <a:p>
-            <a:r>
-              <a:rPr lang="en-US" sz="2000">
-                <a:solidFill>
-                  <a:schemeClr val="accent2"/>
-                </a:solidFill>
-              </a:rPr>
-              <a:t>1/4</a:t>
-            </a:r>
-          </a:p>
-        </p:txBody>
-      </p:sp>
-      <p:sp>
-        <p:nvSpPr>
-          <p:cNvPr id="41038" name="Rectangle 78"/>
-          <p:cNvSpPr>
-            <a:spLocks noChangeAspect="1" noChangeArrowheads="1"/>
-          </p:cNvSpPr>
-          <p:nvPr/>
-        </p:nvSpPr>
-        <p:spPr bwMode="auto">
-          <a:xfrm>
-            <a:off x="2517775" y="2944813"/>
-            <a:ext cx="603250" cy="415925"/>
-          </a:xfrm>
-          <a:prstGeom prst="rect">
-            <a:avLst/>
-          </a:prstGeom>
-          <a:noFill/>
-          <a:ln w="19050">
-            <a:solidFill>
-              <a:schemeClr val="accent2"/>
-            </a:solidFill>
-            <a:miter lim="800000"/>
-            <a:headEnd/>
-            <a:tailEnd/>
-          </a:ln>
-        </p:spPr>
-        <p:txBody>
-          <a:bodyPr wrap="none">
-            <a:prstTxWarp prst="textNoShape">
-              <a:avLst/>
-            </a:prstTxWarp>
-            <a:spAutoFit/>
-          </a:bodyPr>
-          <a:lstStyle/>
-          <a:p>
-            <a:r>
-              <a:rPr lang="en-US" sz="2000">
-                <a:solidFill>
-                  <a:schemeClr val="accent2"/>
-                </a:solidFill>
-              </a:rPr>
-              <a:t>1/2</a:t>
-            </a:r>
-          </a:p>
-        </p:txBody>
-      </p:sp>
-      <p:sp>
-        <p:nvSpPr>
-          <p:cNvPr id="143426" name="Rectangle 66"/>
-          <p:cNvSpPr>
-            <a:spLocks noChangeArrowheads="1"/>
-          </p:cNvSpPr>
-          <p:nvPr/>
-        </p:nvSpPr>
-        <p:spPr bwMode="auto">
-          <a:xfrm>
-            <a:off x="1524000" y="990600"/>
-            <a:ext cx="5715000" cy="3124200"/>
-          </a:xfrm>
-          <a:prstGeom prst="rect">
-            <a:avLst/>
-          </a:prstGeom>
-          <a:solidFill>
-            <a:srgbClr val="D1D1F0"/>
-          </a:solidFill>
-          <a:ln w="9525">
-            <a:noFill/>
-            <a:miter lim="800000"/>
-            <a:headEnd/>
-            <a:tailEnd/>
-          </a:ln>
-        </p:spPr>
-        <p:txBody>
-          <a:bodyPr wrap="none" anchor="ctr">
-            <a:prstTxWarp prst="textNoShape">
-              <a:avLst/>
-            </a:prstTxWarp>
-          </a:bodyPr>
-          <a:lstStyle/>
-          <a:p>
-            <a:endParaRPr lang="en-US"/>
-          </a:p>
-        </p:txBody>
-      </p:sp>
-      <p:cxnSp>
-        <p:nvCxnSpPr>
-          <p:cNvPr id="27668" name="AutoShape 40"/>
-          <p:cNvCxnSpPr>
-            <a:cxnSpLocks noChangeAspect="1" noChangeShapeType="1"/>
-            <a:stCxn id="27680" idx="0"/>
-            <a:endCxn id="27678" idx="2"/>
-          </p:cNvCxnSpPr>
-          <p:nvPr/>
-        </p:nvCxnSpPr>
-        <p:spPr bwMode="auto">
-          <a:xfrm rot="-5400000">
-            <a:off x="3359150" y="2006601"/>
-            <a:ext cx="1131887" cy="798512"/>
-          </a:xfrm>
-          <a:prstGeom prst="curvedConnector2">
-            <a:avLst/>
-          </a:prstGeom>
-          <a:noFill/>
-          <a:ln w="28575">
-            <a:solidFill>
-              <a:schemeClr val="accent2"/>
-            </a:solidFill>
-            <a:round/>
-            <a:headEnd/>
-            <a:tailEnd type="triangle" w="med" len="med"/>
-          </a:ln>
-        </p:spPr>
-      </p:cxnSp>
-      <p:cxnSp>
-        <p:nvCxnSpPr>
-          <p:cNvPr id="27669" name="AutoShape 42"/>
-          <p:cNvCxnSpPr>
-            <a:cxnSpLocks noChangeAspect="1" noChangeShapeType="1"/>
-            <a:stCxn id="27678" idx="6"/>
-            <a:endCxn id="27683" idx="0"/>
-          </p:cNvCxnSpPr>
-          <p:nvPr/>
-        </p:nvCxnSpPr>
-        <p:spPr bwMode="auto">
-          <a:xfrm>
-            <a:off x="5540375" y="1839913"/>
-            <a:ext cx="444500" cy="1044575"/>
-          </a:xfrm>
-          <a:prstGeom prst="curvedConnector2">
-            <a:avLst/>
-          </a:prstGeom>
-          <a:noFill/>
-          <a:ln w="28575">
-            <a:solidFill>
-              <a:srgbClr val="FF6600"/>
-            </a:solidFill>
-            <a:round/>
-            <a:headEnd/>
-            <a:tailEnd type="triangle" w="med" len="med"/>
-          </a:ln>
-        </p:spPr>
-      </p:cxnSp>
-      <p:cxnSp>
-        <p:nvCxnSpPr>
-          <p:cNvPr id="27670" name="AutoShape 43"/>
-          <p:cNvCxnSpPr>
-            <a:cxnSpLocks noChangeAspect="1" noChangeShapeType="1"/>
-            <a:stCxn id="27683" idx="4"/>
-            <a:endCxn id="27680" idx="5"/>
-          </p:cNvCxnSpPr>
-          <p:nvPr/>
-        </p:nvCxnSpPr>
-        <p:spPr bwMode="auto">
-          <a:xfrm rot="16200000" flipV="1">
-            <a:off x="4895850" y="2439988"/>
-            <a:ext cx="3175" cy="2174875"/>
-          </a:xfrm>
-          <a:prstGeom prst="curvedConnector3">
-            <a:avLst>
-              <a:gd name="adj1" fmla="val -9300005"/>
-            </a:avLst>
-          </a:prstGeom>
-          <a:noFill/>
-          <a:ln w="28575">
-            <a:solidFill>
-              <a:srgbClr val="008000"/>
-            </a:solidFill>
-            <a:round/>
-            <a:headEnd/>
-            <a:tailEnd type="triangle" w="med" len="med"/>
-          </a:ln>
-        </p:spPr>
-      </p:cxnSp>
-      <p:sp>
-        <p:nvSpPr>
-          <p:cNvPr id="27671" name="Rectangle 44"/>
-          <p:cNvSpPr>
-            <a:spLocks noChangeAspect="1" noChangeArrowheads="1"/>
-          </p:cNvSpPr>
-          <p:nvPr/>
-        </p:nvSpPr>
-        <p:spPr bwMode="auto">
-          <a:xfrm>
-            <a:off x="2986088" y="1524000"/>
-            <a:ext cx="823912" cy="579438"/>
-          </a:xfrm>
-          <a:prstGeom prst="rect">
-            <a:avLst/>
-          </a:prstGeom>
-          <a:noFill/>
-          <a:ln w="9525">
-            <a:noFill/>
-            <a:miter lim="800000"/>
-            <a:headEnd/>
-            <a:tailEnd/>
-          </a:ln>
-        </p:spPr>
-        <p:txBody>
-          <a:bodyPr wrap="none">
-            <a:prstTxWarp prst="textNoShape">
-              <a:avLst/>
-            </a:prstTxWarp>
-            <a:spAutoFit/>
-          </a:bodyPr>
-          <a:lstStyle/>
-          <a:p>
-            <a:r>
-              <a:rPr lang="en-US" sz="3200">
-                <a:solidFill>
-                  <a:schemeClr val="accent2"/>
-                </a:solidFill>
-              </a:rPr>
-              <a:t>1/4</a:t>
-            </a:r>
-          </a:p>
-        </p:txBody>
-      </p:sp>
-      <p:sp>
-        <p:nvSpPr>
-          <p:cNvPr id="27672" name="Rectangle 45"/>
-          <p:cNvSpPr>
-            <a:spLocks noChangeAspect="1" noChangeArrowheads="1"/>
-          </p:cNvSpPr>
-          <p:nvPr/>
-        </p:nvSpPr>
-        <p:spPr bwMode="auto">
-          <a:xfrm>
-            <a:off x="4419600" y="2667000"/>
-            <a:ext cx="823913" cy="579438"/>
-          </a:xfrm>
-          <a:prstGeom prst="rect">
-            <a:avLst/>
-          </a:prstGeom>
-          <a:noFill/>
-          <a:ln w="9525">
-            <a:noFill/>
-            <a:miter lim="800000"/>
-            <a:headEnd/>
-            <a:tailEnd/>
-          </a:ln>
-        </p:spPr>
-        <p:txBody>
-          <a:bodyPr wrap="none">
-            <a:prstTxWarp prst="textNoShape">
-              <a:avLst/>
-            </a:prstTxWarp>
-            <a:spAutoFit/>
-          </a:bodyPr>
-          <a:lstStyle/>
-          <a:p>
-            <a:r>
-              <a:rPr lang="en-US" sz="3200">
-                <a:solidFill>
-                  <a:schemeClr val="accent2"/>
-                </a:solidFill>
-              </a:rPr>
-              <a:t>1/4</a:t>
-            </a:r>
-          </a:p>
-        </p:txBody>
-      </p:sp>
-      <p:sp>
-        <p:nvSpPr>
-          <p:cNvPr id="27673" name="Rectangle 46"/>
-          <p:cNvSpPr>
-            <a:spLocks noChangeAspect="1" noChangeArrowheads="1"/>
-          </p:cNvSpPr>
-          <p:nvPr/>
-        </p:nvSpPr>
-        <p:spPr bwMode="auto">
-          <a:xfrm>
-            <a:off x="5943600" y="1935163"/>
-            <a:ext cx="889000" cy="579437"/>
-          </a:xfrm>
-          <a:prstGeom prst="rect">
-            <a:avLst/>
-          </a:prstGeom>
-          <a:noFill/>
-          <a:ln w="9525">
-            <a:noFill/>
-            <a:miter lim="800000"/>
-            <a:headEnd/>
-            <a:tailEnd/>
-          </a:ln>
-        </p:spPr>
-        <p:txBody>
-          <a:bodyPr wrap="none">
-            <a:prstTxWarp prst="textNoShape">
-              <a:avLst/>
-            </a:prstTxWarp>
-            <a:spAutoFit/>
-          </a:bodyPr>
-          <a:lstStyle/>
-          <a:p>
-            <a:r>
-              <a:rPr lang="en-US" sz="3200">
-                <a:solidFill>
-                  <a:srgbClr val="FF6600"/>
-                </a:solidFill>
-              </a:rPr>
-              <a:t>2/3</a:t>
-            </a:r>
-          </a:p>
-        </p:txBody>
-      </p:sp>
-      <p:sp>
-        <p:nvSpPr>
-          <p:cNvPr id="27674" name="Rectangle 47"/>
-          <p:cNvSpPr>
-            <a:spLocks noChangeAspect="1" noChangeArrowheads="1"/>
-          </p:cNvSpPr>
-          <p:nvPr/>
-        </p:nvSpPr>
-        <p:spPr bwMode="auto">
-          <a:xfrm>
-            <a:off x="5638800" y="1095375"/>
-            <a:ext cx="823913" cy="579438"/>
-          </a:xfrm>
-          <a:prstGeom prst="rect">
-            <a:avLst/>
-          </a:prstGeom>
-          <a:noFill/>
-          <a:ln w="9525">
-            <a:noFill/>
-            <a:miter lim="800000"/>
-            <a:headEnd/>
-            <a:tailEnd/>
-          </a:ln>
-        </p:spPr>
-        <p:txBody>
-          <a:bodyPr wrap="none">
-            <a:prstTxWarp prst="textNoShape">
-              <a:avLst/>
-            </a:prstTxWarp>
-            <a:spAutoFit/>
-          </a:bodyPr>
-          <a:lstStyle/>
-          <a:p>
-            <a:r>
-              <a:rPr lang="en-US" sz="3200">
-                <a:solidFill>
-                  <a:srgbClr val="FF6600"/>
-                </a:solidFill>
-              </a:rPr>
-              <a:t>1/3</a:t>
-            </a:r>
-          </a:p>
-        </p:txBody>
-      </p:sp>
-      <p:sp>
-        <p:nvSpPr>
-          <p:cNvPr id="27675" name="Rectangle 48"/>
-          <p:cNvSpPr>
-            <a:spLocks noChangeAspect="1" noChangeArrowheads="1"/>
-          </p:cNvSpPr>
-          <p:nvPr/>
-        </p:nvSpPr>
-        <p:spPr bwMode="auto">
-          <a:xfrm>
-            <a:off x="4662488" y="3352800"/>
-            <a:ext cx="366712" cy="579438"/>
-          </a:xfrm>
-          <a:prstGeom prst="rect">
-            <a:avLst/>
-          </a:prstGeom>
-          <a:noFill/>
-          <a:ln w="9525">
-            <a:noFill/>
-            <a:miter lim="800000"/>
-            <a:headEnd/>
-            <a:tailEnd/>
-          </a:ln>
-        </p:spPr>
-        <p:txBody>
-          <a:bodyPr wrap="none">
-            <a:prstTxWarp prst="textNoShape">
-              <a:avLst/>
-            </a:prstTxWarp>
-            <a:spAutoFit/>
-          </a:bodyPr>
-          <a:lstStyle/>
-          <a:p>
-            <a:r>
-              <a:rPr lang="en-US" sz="3200">
-                <a:solidFill>
-                  <a:srgbClr val="008000"/>
-                </a:solidFill>
-              </a:rPr>
-              <a:t>1</a:t>
-            </a:r>
-          </a:p>
-        </p:txBody>
-      </p:sp>
-      <p:cxnSp>
-        <p:nvCxnSpPr>
-          <p:cNvPr id="27676" name="AutoShape 49"/>
-          <p:cNvCxnSpPr>
-            <a:cxnSpLocks noChangeAspect="1" noChangeShapeType="1"/>
-            <a:stCxn id="27680" idx="7"/>
-            <a:endCxn id="27683" idx="1"/>
-          </p:cNvCxnSpPr>
-          <p:nvPr/>
-        </p:nvCxnSpPr>
-        <p:spPr bwMode="auto">
-          <a:xfrm rot="-5400000">
-            <a:off x="4652963" y="2130425"/>
-            <a:ext cx="87312" cy="1773238"/>
-          </a:xfrm>
-          <a:prstGeom prst="curvedConnector3">
-            <a:avLst>
-              <a:gd name="adj1" fmla="val 441819"/>
-            </a:avLst>
-          </a:prstGeom>
-          <a:noFill/>
-          <a:ln w="28575">
-            <a:solidFill>
-              <a:schemeClr val="accent2"/>
-            </a:solidFill>
-            <a:round/>
-            <a:headEnd/>
-            <a:tailEnd type="triangle" w="med" len="med"/>
-          </a:ln>
-        </p:spPr>
-      </p:cxnSp>
-      <p:sp>
-        <p:nvSpPr>
-          <p:cNvPr id="27677" name="Rectangle 51"/>
-          <p:cNvSpPr>
-            <a:spLocks noChangeAspect="1" noChangeArrowheads="1"/>
-          </p:cNvSpPr>
-          <p:nvPr/>
-        </p:nvSpPr>
-        <p:spPr bwMode="auto">
-          <a:xfrm>
-            <a:off x="1843088" y="3228975"/>
-            <a:ext cx="823912" cy="579438"/>
-          </a:xfrm>
-          <a:prstGeom prst="rect">
-            <a:avLst/>
-          </a:prstGeom>
-          <a:noFill/>
-          <a:ln w="9525">
-            <a:noFill/>
-            <a:miter lim="800000"/>
-            <a:headEnd/>
-            <a:tailEnd/>
-          </a:ln>
-        </p:spPr>
-        <p:txBody>
-          <a:bodyPr wrap="none">
-            <a:prstTxWarp prst="textNoShape">
-              <a:avLst/>
-            </a:prstTxWarp>
-            <a:spAutoFit/>
-          </a:bodyPr>
-          <a:lstStyle/>
-          <a:p>
-            <a:r>
-              <a:rPr lang="en-US" sz="3200">
-                <a:solidFill>
-                  <a:schemeClr val="accent2"/>
-                </a:solidFill>
-              </a:rPr>
-              <a:t>1/2</a:t>
-            </a:r>
-          </a:p>
-        </p:txBody>
-      </p:sp>
-      <p:sp>
-        <p:nvSpPr>
-          <p:cNvPr id="27678" name="Oval 38"/>
-          <p:cNvSpPr>
-            <a:spLocks noChangeAspect="1" noChangeArrowheads="1"/>
-          </p:cNvSpPr>
-          <p:nvPr/>
-        </p:nvSpPr>
-        <p:spPr bwMode="auto">
-          <a:xfrm>
-            <a:off x="4343400" y="1536700"/>
-            <a:ext cx="1177925" cy="606425"/>
-          </a:xfrm>
-          <a:prstGeom prst="ellipse">
-            <a:avLst/>
-          </a:prstGeom>
-          <a:solidFill>
-            <a:srgbClr val="FF6600">
-              <a:alpha val="25098"/>
-            </a:srgbClr>
-          </a:solidFill>
-          <a:ln w="38100">
-            <a:solidFill>
-              <a:srgbClr val="FF6600"/>
-            </a:solidFill>
-            <a:round/>
-            <a:headEnd/>
-            <a:tailEnd/>
-          </a:ln>
-        </p:spPr>
-        <p:txBody>
-          <a:bodyPr wrap="none" anchor="ctr">
-            <a:prstTxWarp prst="textNoShape">
-              <a:avLst/>
-            </a:prstTxWarp>
-          </a:bodyPr>
-          <a:lstStyle/>
-          <a:p>
-            <a:pPr algn="ctr"/>
-            <a:endParaRPr lang="en-US" sz="3200">
-              <a:solidFill>
-                <a:srgbClr val="FF6600"/>
-              </a:solidFill>
-            </a:endParaRPr>
-          </a:p>
-        </p:txBody>
-      </p:sp>
-      <p:cxnSp>
-        <p:nvCxnSpPr>
-          <p:cNvPr id="27679" name="AutoShape 41"/>
-          <p:cNvCxnSpPr>
-            <a:cxnSpLocks noChangeAspect="1" noChangeShapeType="1"/>
-            <a:stCxn id="27678" idx="6"/>
-            <a:endCxn id="27678" idx="0"/>
-          </p:cNvCxnSpPr>
-          <p:nvPr/>
-        </p:nvCxnSpPr>
-        <p:spPr bwMode="auto">
-          <a:xfrm flipH="1" flipV="1">
-            <a:off x="4932363" y="1517650"/>
-            <a:ext cx="608012" cy="322263"/>
-          </a:xfrm>
-          <a:prstGeom prst="curvedConnector4">
-            <a:avLst>
-              <a:gd name="adj1" fmla="val -19847"/>
-              <a:gd name="adj2" fmla="val 192116"/>
-            </a:avLst>
-          </a:prstGeom>
-          <a:noFill/>
-          <a:ln w="28575">
-            <a:solidFill>
-              <a:srgbClr val="FF6600"/>
-            </a:solidFill>
-            <a:round/>
-            <a:headEnd/>
-            <a:tailEnd type="triangle" w="med" len="med"/>
-          </a:ln>
-        </p:spPr>
-      </p:cxnSp>
-      <p:sp>
-        <p:nvSpPr>
-          <p:cNvPr id="27680" name="Oval 37"/>
-          <p:cNvSpPr>
-            <a:spLocks noChangeAspect="1" noChangeArrowheads="1"/>
-          </p:cNvSpPr>
-          <p:nvPr/>
-        </p:nvSpPr>
-        <p:spPr bwMode="auto">
-          <a:xfrm>
-            <a:off x="3124200" y="2990850"/>
-            <a:ext cx="803275" cy="604838"/>
-          </a:xfrm>
-          <a:prstGeom prst="ellipse">
-            <a:avLst/>
-          </a:prstGeom>
-          <a:solidFill>
-            <a:schemeClr val="accent2">
-              <a:alpha val="25098"/>
-            </a:schemeClr>
-          </a:solidFill>
-          <a:ln w="38100">
-            <a:solidFill>
-              <a:schemeClr val="accent2"/>
-            </a:solidFill>
-            <a:round/>
-            <a:headEnd/>
-            <a:tailEnd/>
-          </a:ln>
-        </p:spPr>
-        <p:txBody>
-          <a:bodyPr wrap="none" anchor="ctr">
-            <a:prstTxWarp prst="textNoShape">
-              <a:avLst/>
-            </a:prstTxWarp>
-          </a:bodyPr>
-          <a:lstStyle/>
-          <a:p>
-            <a:pPr algn="ctr"/>
-            <a:endParaRPr lang="en-US" sz="3200"/>
-          </a:p>
-        </p:txBody>
-      </p:sp>
-      <p:cxnSp>
-        <p:nvCxnSpPr>
-          <p:cNvPr id="27681" name="AutoShape 50"/>
-          <p:cNvCxnSpPr>
-            <a:cxnSpLocks noChangeAspect="1" noChangeShapeType="1"/>
-            <a:stCxn id="27680" idx="4"/>
-            <a:endCxn id="27680" idx="2"/>
-          </p:cNvCxnSpPr>
-          <p:nvPr/>
-        </p:nvCxnSpPr>
-        <p:spPr bwMode="auto">
-          <a:xfrm rot="16200000" flipV="1">
-            <a:off x="3155156" y="3244057"/>
-            <a:ext cx="320675" cy="420688"/>
-          </a:xfrm>
-          <a:prstGeom prst="curvedConnector4">
-            <a:avLst>
-              <a:gd name="adj1" fmla="val -88120"/>
-              <a:gd name="adj2" fmla="val 172829"/>
-            </a:avLst>
-          </a:prstGeom>
-          <a:noFill/>
-          <a:ln w="28575">
-            <a:solidFill>
-              <a:schemeClr val="accent2"/>
-            </a:solidFill>
-            <a:round/>
-            <a:headEnd/>
-            <a:tailEnd type="triangle" w="med" len="med"/>
-          </a:ln>
-        </p:spPr>
-      </p:cxnSp>
-      <p:sp>
-        <p:nvSpPr>
-          <p:cNvPr id="41045" name="Rectangle 85"/>
-          <p:cNvSpPr>
-            <a:spLocks noChangeArrowheads="1"/>
-          </p:cNvSpPr>
-          <p:nvPr/>
-        </p:nvSpPr>
-        <p:spPr bwMode="auto">
-          <a:xfrm>
-            <a:off x="3364388" y="2996624"/>
-            <a:ext cx="369412" cy="584776"/>
-          </a:xfrm>
-          <a:prstGeom prst="rect">
-            <a:avLst/>
-          </a:prstGeom>
-          <a:noFill/>
-          <a:ln w="9525">
-            <a:noFill/>
-            <a:miter lim="800000"/>
-            <a:headEnd/>
-            <a:tailEnd/>
-          </a:ln>
-        </p:spPr>
-        <p:txBody>
-          <a:bodyPr wrap="none">
-            <a:prstTxWarp prst="textNoShape">
-              <a:avLst/>
-            </a:prstTxWarp>
-            <a:spAutoFit/>
-          </a:bodyPr>
-          <a:lstStyle/>
-          <a:p>
-            <a:r>
-              <a:rPr lang="en-US" sz="3200" dirty="0" smtClean="0">
-                <a:solidFill>
-                  <a:schemeClr val="accent2"/>
-                </a:solidFill>
-              </a:rPr>
-              <a:t>1</a:t>
-            </a:r>
-            <a:endParaRPr lang="en-US" sz="3200" dirty="0">
-              <a:solidFill>
-                <a:schemeClr val="accent2"/>
-              </a:solidFill>
-            </a:endParaRPr>
-          </a:p>
-        </p:txBody>
-      </p:sp>
-      <p:sp>
-        <p:nvSpPr>
-          <p:cNvPr id="27683" name="Oval 39"/>
-          <p:cNvSpPr>
-            <a:spLocks noChangeAspect="1" noChangeArrowheads="1"/>
-          </p:cNvSpPr>
-          <p:nvPr/>
-        </p:nvSpPr>
-        <p:spPr bwMode="auto">
-          <a:xfrm>
-            <a:off x="5416550" y="2903538"/>
-            <a:ext cx="1136650" cy="606425"/>
-          </a:xfrm>
-          <a:prstGeom prst="ellipse">
-            <a:avLst/>
-          </a:prstGeom>
-          <a:solidFill>
-            <a:srgbClr val="008000">
-              <a:alpha val="25098"/>
-            </a:srgbClr>
-          </a:solidFill>
-          <a:ln w="38100">
-            <a:solidFill>
-              <a:srgbClr val="008000"/>
-            </a:solidFill>
-            <a:round/>
-            <a:headEnd/>
-            <a:tailEnd/>
-          </a:ln>
-        </p:spPr>
-        <p:txBody>
-          <a:bodyPr wrap="none" anchor="ctr">
-            <a:prstTxWarp prst="textNoShape">
-              <a:avLst/>
-            </a:prstTxWarp>
-          </a:bodyPr>
-          <a:lstStyle/>
-          <a:p>
-            <a:pPr algn="ctr"/>
-            <a:endParaRPr lang="en-US" sz="3200">
-              <a:solidFill>
-                <a:srgbClr val="008000"/>
-              </a:solidFill>
-            </a:endParaRPr>
-          </a:p>
-        </p:txBody>
-      </p:sp>
-      <p:sp>
-        <p:nvSpPr>
-          <p:cNvPr id="41047" name="Rectangle 87"/>
-          <p:cNvSpPr>
-            <a:spLocks noChangeArrowheads="1"/>
-          </p:cNvSpPr>
-          <p:nvPr/>
-        </p:nvSpPr>
-        <p:spPr bwMode="auto">
-          <a:xfrm>
-            <a:off x="5867400" y="2925763"/>
-            <a:ext cx="435135" cy="584776"/>
-          </a:xfrm>
-          <a:prstGeom prst="rect">
-            <a:avLst/>
-          </a:prstGeom>
-          <a:noFill/>
-          <a:ln w="9525">
-            <a:noFill/>
-            <a:miter lim="800000"/>
-            <a:headEnd/>
-            <a:tailEnd/>
-          </a:ln>
-        </p:spPr>
-        <p:txBody>
-          <a:bodyPr wrap="none">
-            <a:prstTxWarp prst="textNoShape">
-              <a:avLst/>
-            </a:prstTxWarp>
-            <a:spAutoFit/>
-          </a:bodyPr>
-          <a:lstStyle/>
-          <a:p>
-            <a:r>
-              <a:rPr lang="en-US" sz="3200" dirty="0" smtClean="0">
-                <a:solidFill>
-                  <a:srgbClr val="008000"/>
-                </a:solidFill>
-              </a:rPr>
-              <a:t>0</a:t>
-            </a:r>
-            <a:endParaRPr lang="en-US" sz="3200" dirty="0">
-              <a:solidFill>
-                <a:srgbClr val="008000"/>
-              </a:solidFill>
-            </a:endParaRPr>
-          </a:p>
-        </p:txBody>
-      </p:sp>
-      <p:sp>
-        <p:nvSpPr>
-          <p:cNvPr id="41046" name="Rectangle 86"/>
-          <p:cNvSpPr>
-            <a:spLocks noChangeArrowheads="1"/>
-          </p:cNvSpPr>
-          <p:nvPr/>
-        </p:nvSpPr>
-        <p:spPr bwMode="auto">
-          <a:xfrm>
-            <a:off x="4746465" y="1554163"/>
-            <a:ext cx="435135" cy="584776"/>
-          </a:xfrm>
-          <a:prstGeom prst="rect">
-            <a:avLst/>
-          </a:prstGeom>
-          <a:noFill/>
-          <a:ln w="9525">
-            <a:noFill/>
-            <a:miter lim="800000"/>
-            <a:headEnd/>
-            <a:tailEnd/>
-          </a:ln>
-        </p:spPr>
-        <p:txBody>
-          <a:bodyPr wrap="none">
-            <a:prstTxWarp prst="textNoShape">
-              <a:avLst/>
-            </a:prstTxWarp>
-            <a:spAutoFit/>
-          </a:bodyPr>
-          <a:lstStyle/>
-          <a:p>
-            <a:r>
-              <a:rPr lang="en-US" sz="3200" dirty="0" smtClean="0">
-                <a:solidFill>
-                  <a:srgbClr val="FF6600"/>
-                </a:solidFill>
-              </a:rPr>
-              <a:t>0</a:t>
-            </a:r>
-            <a:endParaRPr lang="en-US" sz="3200" dirty="0">
-              <a:solidFill>
-                <a:srgbClr val="FF6600"/>
-              </a:solidFill>
-            </a:endParaRPr>
-          </a:p>
-        </p:txBody>
-      </p:sp>
-      <p:sp>
-        <p:nvSpPr>
-          <p:cNvPr id="27686" name="Rectangle 2"/>
-          <p:cNvSpPr>
-            <a:spLocks noGrp="1" noChangeArrowheads="1"/>
-          </p:cNvSpPr>
-          <p:nvPr>
-            <p:ph type="title" idx="4294967295"/>
-          </p:nvPr>
-        </p:nvSpPr>
-        <p:spPr/>
-        <p:txBody>
-          <a:bodyPr/>
-          <a:lstStyle/>
-          <a:p>
-            <a:pPr eaLnBrk="1" hangingPunct="1"/>
-            <a:r>
-              <a:rPr lang="en-US"/>
-              <a:t>Distribution Over Nodes</a:t>
-            </a:r>
-            <a:endParaRPr lang="en-US" sz="2000" b="0">
-              <a:solidFill>
-                <a:srgbClr val="80C0FF"/>
-              </a:solidFill>
-              <a:latin typeface="Arial" pitchFamily="-111" charset="0"/>
-            </a:endParaRPr>
-          </a:p>
-        </p:txBody>
-      </p:sp>
-      <p:sp>
-        <p:nvSpPr>
-          <p:cNvPr id="27687" name="Rectangle 34"/>
-          <p:cNvSpPr>
-            <a:spLocks noGrp="1" noChangeArrowheads="1"/>
-          </p:cNvSpPr>
-          <p:nvPr>
-            <p:ph type="body" idx="4294967295"/>
-          </p:nvPr>
-        </p:nvSpPr>
-        <p:spPr>
-          <a:xfrm>
-            <a:off x="304800" y="4038600"/>
-            <a:ext cx="7010400" cy="685800"/>
-          </a:xfrm>
-          <a:noFill/>
-        </p:spPr>
-        <p:txBody>
-          <a:bodyPr/>
-          <a:lstStyle/>
-          <a:p>
-            <a:pPr eaLnBrk="1" hangingPunct="1">
-              <a:buFontTx/>
-              <a:buNone/>
-            </a:pPr>
-            <a:r>
-              <a:rPr lang="en-US" dirty="0"/>
-              <a:t>Suppose you start at </a:t>
-            </a:r>
-            <a:r>
-              <a:rPr lang="en-US" dirty="0" smtClean="0">
-                <a:solidFill>
-                  <a:schemeClr val="accent2"/>
-                </a:solidFill>
-              </a:rPr>
-              <a:t>B</a:t>
-            </a:r>
-            <a:r>
-              <a:rPr lang="en-US" dirty="0" smtClean="0"/>
-              <a:t>:</a:t>
-            </a:r>
-            <a:endParaRPr lang="en-US" dirty="0"/>
-          </a:p>
-        </p:txBody>
-      </p:sp>
-      <p:sp>
-        <p:nvSpPr>
-          <p:cNvPr id="143425" name="Rectangle 65"/>
-          <p:cNvSpPr>
-            <a:spLocks noChangeArrowheads="1"/>
-          </p:cNvSpPr>
-          <p:nvPr/>
-        </p:nvSpPr>
-        <p:spPr bwMode="auto">
-          <a:xfrm>
-            <a:off x="5791200" y="3581400"/>
-            <a:ext cx="2581731" cy="1311128"/>
-          </a:xfrm>
-          <a:prstGeom prst="rect">
-            <a:avLst/>
-          </a:prstGeom>
-          <a:noFill/>
-          <a:ln w="9525">
-            <a:noFill/>
-            <a:miter lim="800000"/>
-            <a:headEnd/>
-            <a:tailEnd/>
-          </a:ln>
-        </p:spPr>
-        <p:txBody>
-          <a:bodyPr wrap="none">
-            <a:prstTxWarp prst="textNoShape">
-              <a:avLst/>
-            </a:prstTxWarp>
-            <a:spAutoFit/>
-          </a:bodyPr>
-          <a:lstStyle/>
-          <a:p>
-            <a:pPr eaLnBrk="1" hangingPunct="1">
-              <a:spcBef>
-                <a:spcPct val="20000"/>
-              </a:spcBef>
-              <a:buClr>
-                <a:schemeClr val="tx1"/>
-              </a:buClr>
-            </a:pPr>
-            <a:r>
-              <a:rPr lang="en-US" sz="3600" dirty="0" smtClean="0"/>
-              <a:t> (</a:t>
-            </a:r>
-            <a:r>
-              <a:rPr lang="en-US" sz="3600" dirty="0" err="1" smtClean="0">
-                <a:solidFill>
-                  <a:schemeClr val="accent2"/>
-                </a:solidFill>
-              </a:rPr>
-              <a:t>p</a:t>
-            </a:r>
-            <a:r>
-              <a:rPr lang="en-US" sz="3600" baseline="-25000" dirty="0" err="1" smtClean="0">
-                <a:solidFill>
-                  <a:schemeClr val="accent2"/>
-                </a:solidFill>
-              </a:rPr>
-              <a:t>B</a:t>
-            </a:r>
-            <a:r>
-              <a:rPr lang="en-US" sz="3600" dirty="0" smtClean="0"/>
-              <a:t>, </a:t>
-            </a:r>
-            <a:r>
-              <a:rPr lang="en-US" sz="3600" dirty="0" err="1" smtClean="0">
-                <a:solidFill>
-                  <a:srgbClr val="FF6600"/>
-                </a:solidFill>
-              </a:rPr>
-              <a:t>p</a:t>
-            </a:r>
-            <a:r>
-              <a:rPr lang="en-US" sz="3600" baseline="-25000" dirty="0" err="1" smtClean="0">
-                <a:solidFill>
-                  <a:srgbClr val="FF6600"/>
-                </a:solidFill>
-              </a:rPr>
-              <a:t>O</a:t>
-            </a:r>
-            <a:r>
-              <a:rPr lang="en-US" sz="3600" dirty="0" smtClean="0"/>
-              <a:t>, </a:t>
-            </a:r>
-            <a:r>
-              <a:rPr lang="en-US" sz="3600" dirty="0" err="1" smtClean="0">
-                <a:solidFill>
-                  <a:srgbClr val="008000"/>
-                </a:solidFill>
-              </a:rPr>
-              <a:t>p</a:t>
-            </a:r>
-            <a:r>
-              <a:rPr lang="en-US" sz="3600" baseline="-25000" dirty="0" err="1" smtClean="0">
-                <a:solidFill>
-                  <a:srgbClr val="008000"/>
-                </a:solidFill>
-              </a:rPr>
-              <a:t>G</a:t>
-            </a:r>
-            <a:r>
-              <a:rPr lang="en-US" sz="3600" dirty="0" smtClean="0"/>
-              <a:t>)</a:t>
-            </a:r>
-          </a:p>
-          <a:p>
-            <a:pPr eaLnBrk="1" hangingPunct="1">
-              <a:spcBef>
-                <a:spcPct val="20000"/>
-              </a:spcBef>
-              <a:buClr>
-                <a:schemeClr val="tx1"/>
-              </a:buClr>
-            </a:pPr>
-            <a:r>
-              <a:rPr lang="en-US" sz="3600" dirty="0" smtClean="0"/>
-              <a:t>  (</a:t>
-            </a:r>
-            <a:r>
-              <a:rPr lang="en-US" sz="3600" dirty="0">
-                <a:solidFill>
-                  <a:schemeClr val="accent2"/>
-                </a:solidFill>
-              </a:rPr>
-              <a:t>1</a:t>
-            </a:r>
-            <a:r>
-              <a:rPr lang="en-US" sz="3600" dirty="0" smtClean="0"/>
-              <a:t>,  </a:t>
-            </a:r>
-            <a:r>
-              <a:rPr lang="en-US" sz="3600" dirty="0">
-                <a:solidFill>
-                  <a:srgbClr val="FF6600"/>
-                </a:solidFill>
-              </a:rPr>
-              <a:t>0</a:t>
-            </a:r>
-            <a:r>
-              <a:rPr lang="en-US" sz="3600" dirty="0"/>
-              <a:t>,</a:t>
-            </a:r>
-            <a:r>
-              <a:rPr lang="en-US" sz="3600" dirty="0" smtClean="0"/>
-              <a:t>  </a:t>
-            </a:r>
-            <a:r>
-              <a:rPr lang="en-US" sz="3600" dirty="0" smtClean="0">
-                <a:solidFill>
-                  <a:srgbClr val="008000"/>
-                </a:solidFill>
-              </a:rPr>
-              <a:t>0</a:t>
-            </a:r>
-            <a:r>
-              <a:rPr lang="en-US" sz="3600" dirty="0"/>
-              <a:t>)</a:t>
-            </a:r>
-            <a:endParaRPr lang="en-US" dirty="0"/>
-          </a:p>
-        </p:txBody>
-      </p:sp>
-      <p:sp>
-        <p:nvSpPr>
-          <p:cNvPr id="41" name="Rectangle 4"/>
-          <p:cNvSpPr>
-            <a:spLocks noGrp="1" noChangeArrowheads="1"/>
-          </p:cNvSpPr>
-          <p:nvPr>
-            <p:ph type="dt" sz="half" idx="4294967295"/>
-          </p:nvPr>
-        </p:nvSpPr>
-        <p:spPr bwMode="auto">
-          <a:xfrm>
-            <a:off x="3124200" y="6629400"/>
-            <a:ext cx="2863850" cy="228600"/>
-          </a:xfrm>
-          <a:prstGeom prst="rect">
-            <a:avLst/>
-          </a:prstGeom>
-          <a:noFill/>
-          <a:ln w="9525">
-            <a:noFill/>
-            <a:miter lim="800000"/>
-            <a:headEnd/>
-            <a:tailEnd/>
-          </a:ln>
-        </p:spPr>
-        <p:txBody>
-          <a:bodyPr vert="horz" wrap="square" lIns="91440" tIns="45720" rIns="91440" bIns="45720" numCol="1" anchor="t" anchorCtr="0" compatLnSpc="1">
-            <a:prstTxWarp prst="textNoShape">
-              <a:avLst/>
-            </a:prstTxWarp>
-          </a:bodyPr>
-          <a:lstStyle>
-            <a:lvl1pPr algn="ctr" eaLnBrk="1" hangingPunct="1">
-              <a:defRPr sz="1000">
-                <a:latin typeface="Comic Sans MS" pitchFamily="-64" charset="0"/>
-                <a:ea typeface="ＭＳ Ｐゴシック" pitchFamily="-64" charset="-128"/>
-                <a:cs typeface="+mn-cs"/>
-              </a:defRPr>
-            </a:lvl1pPr>
-          </a:lstStyle>
-          <a:p>
-            <a:pPr>
-              <a:defRPr/>
-            </a:pPr>
-            <a:r>
-              <a:rPr lang="en-US" dirty="0" smtClean="0"/>
-              <a:t>Albert R Meyer,                       </a:t>
-            </a:r>
-            <a:r>
-              <a:rPr lang="en-US" dirty="0" smtClean="0"/>
-              <a:t>May 16, 2012</a:t>
-            </a:r>
-            <a:endParaRPr lang="en-US" dirty="0"/>
-          </a:p>
-        </p:txBody>
-      </p:sp>
-      <p:sp>
-        <p:nvSpPr>
-          <p:cNvPr id="39" name="Rectangle 26"/>
-          <p:cNvSpPr>
-            <a:spLocks noChangeArrowheads="1"/>
-          </p:cNvSpPr>
-          <p:nvPr/>
-        </p:nvSpPr>
-        <p:spPr bwMode="auto">
-          <a:xfrm>
-            <a:off x="2819400" y="2590800"/>
-            <a:ext cx="376238" cy="461665"/>
-          </a:xfrm>
-          <a:prstGeom prst="rect">
-            <a:avLst/>
-          </a:prstGeom>
-          <a:noFill/>
-          <a:ln w="9525">
-            <a:noFill/>
-            <a:miter lim="800000"/>
-            <a:headEnd/>
-            <a:tailEnd/>
-          </a:ln>
-        </p:spPr>
-        <p:txBody>
-          <a:bodyPr wrap="square">
-            <a:prstTxWarp prst="textNoShape">
-              <a:avLst/>
-            </a:prstTxWarp>
-            <a:spAutoFit/>
-          </a:bodyPr>
-          <a:lstStyle/>
-          <a:p>
-            <a:r>
-              <a:rPr lang="en-US" dirty="0">
-                <a:solidFill>
-                  <a:schemeClr val="accent2"/>
-                </a:solidFill>
-              </a:rPr>
-              <a:t>B</a:t>
-            </a:r>
-          </a:p>
-        </p:txBody>
-      </p:sp>
-    </p:spTree>
-  </p:cSld>
-  <p:clrMapOvr>
-    <a:masterClrMapping/>
-  </p:clrMapOvr>
-  <p:transition xmlns:p14="http://schemas.microsoft.com/office/powerpoint/2010/main" spd="med">
-    <p:fade/>
-  </p:transition>
-  <p:timing>
-    <p:tnLst>
-      <p:par>
-        <p:cTn xmlns:p14="http://schemas.microsoft.com/office/powerpoint/2010/main" id="1" dur="indefinite" restart="never" nodeType="tmRoot">
-          <p:childTnLst>
-            <p:seq concurrent="1" nextAc="seek">
-              <p:cTn id="2" dur="indefinite" nodeType="mainSeq">
-                <p:childTnLst>
-                  <p:par>
-                    <p:cTn id="3" fill="hold">
-                      <p:stCondLst>
-                        <p:cond delay="indefinite"/>
-                      </p:stCondLst>
-                      <p:childTnLst>
-                        <p:par>
-                          <p:cTn id="4" fill="hold">
-                            <p:stCondLst>
-                              <p:cond delay="0"/>
-                            </p:stCondLst>
-                            <p:childTnLst>
-                              <p:par>
-                                <p:cTn id="5" presetID="9" presetClass="entr" presetSubtype="0" fill="hold" grpId="0" nodeType="clickEffect">
-                                  <p:stCondLst>
-                                    <p:cond delay="0"/>
-                                  </p:stCondLst>
-                                  <p:childTnLst>
-                                    <p:set>
-                                      <p:cBhvr>
-                                        <p:cTn id="6" dur="1" fill="hold">
-                                          <p:stCondLst>
-                                            <p:cond delay="0"/>
-                                          </p:stCondLst>
-                                        </p:cTn>
-                                        <p:tgtEl>
-                                          <p:spTgt spid="143425">
-                                            <p:txEl>
-                                              <p:pRg st="0" end="0"/>
-                                            </p:txEl>
-                                          </p:spTgt>
-                                        </p:tgtEl>
-                                        <p:attrNameLst>
-                                          <p:attrName>style.visibility</p:attrName>
-                                        </p:attrNameLst>
-                                      </p:cBhvr>
-                                      <p:to>
-                                        <p:strVal val="visible"/>
-                                      </p:to>
-                                    </p:set>
-                                    <p:animEffect transition="in" filter="dissolve">
-                                      <p:cBhvr>
-                                        <p:cTn id="7" dur="500"/>
-                                        <p:tgtEl>
-                                          <p:spTgt spid="143425">
-                                            <p:txEl>
-                                              <p:pRg st="0" end="0"/>
-                                            </p:txEl>
-                                          </p:spTgt>
-                                        </p:tgtEl>
-                                      </p:cBhvr>
-                                    </p:animEffect>
-                                  </p:childTnLst>
-                                </p:cTn>
-                              </p:par>
-                            </p:childTnLst>
-                          </p:cTn>
-                        </p:par>
-                      </p:childTnLst>
-                    </p:cTn>
-                  </p:par>
-                  <p:par>
-                    <p:cTn id="8" fill="hold">
-                      <p:stCondLst>
-                        <p:cond delay="indefinite"/>
-                      </p:stCondLst>
-                      <p:childTnLst>
-                        <p:par>
-                          <p:cTn id="9" fill="hold">
-                            <p:stCondLst>
-                              <p:cond delay="0"/>
-                            </p:stCondLst>
-                            <p:childTnLst>
-                              <p:par>
-                                <p:cTn id="10" presetID="9" presetClass="entr" presetSubtype="0" fill="hold" grpId="0" nodeType="clickEffect">
-                                  <p:stCondLst>
-                                    <p:cond delay="0"/>
-                                  </p:stCondLst>
-                                  <p:childTnLst>
-                                    <p:set>
-                                      <p:cBhvr>
-                                        <p:cTn id="11" dur="1" fill="hold">
-                                          <p:stCondLst>
-                                            <p:cond delay="0"/>
-                                          </p:stCondLst>
-                                        </p:cTn>
-                                        <p:tgtEl>
-                                          <p:spTgt spid="143425">
-                                            <p:txEl>
-                                              <p:pRg st="1" end="1"/>
-                                            </p:txEl>
-                                          </p:spTgt>
-                                        </p:tgtEl>
-                                        <p:attrNameLst>
-                                          <p:attrName>style.visibility</p:attrName>
-                                        </p:attrNameLst>
-                                      </p:cBhvr>
-                                      <p:to>
-                                        <p:strVal val="visible"/>
-                                      </p:to>
-                                    </p:set>
-                                    <p:animEffect transition="in" filter="dissolve">
-                                      <p:cBhvr>
-                                        <p:cTn id="12" dur="500"/>
-                                        <p:tgtEl>
-                                          <p:spTgt spid="143425">
-                                            <p:txEl>
-                                              <p:pRg st="1" end="1"/>
-                                            </p:txEl>
-                                          </p:spTgt>
-                                        </p:tgtEl>
-                                      </p:cBhvr>
-                                    </p:animEffect>
-                                  </p:childTnLst>
-                                </p:cTn>
-                              </p:par>
-                            </p:childTnLst>
-                          </p:cTn>
-                        </p:par>
-                      </p:childTnLst>
-                    </p:cTn>
-                  </p:par>
-                  <p:par>
-                    <p:cTn id="13" fill="hold">
-                      <p:stCondLst>
-                        <p:cond delay="indefinite"/>
-                      </p:stCondLst>
-                      <p:childTnLst>
-                        <p:par>
-                          <p:cTn id="14" fill="hold">
-                            <p:stCondLst>
-                              <p:cond delay="0"/>
-                            </p:stCondLst>
-                            <p:childTnLst>
-                              <p:par>
-                                <p:cTn id="15" presetID="22" presetClass="entr" presetSubtype="8" fill="hold" grpId="0" nodeType="clickEffect">
-                                  <p:stCondLst>
-                                    <p:cond delay="0"/>
-                                  </p:stCondLst>
-                                  <p:childTnLst>
-                                    <p:set>
-                                      <p:cBhvr>
-                                        <p:cTn id="16" dur="1" fill="hold">
-                                          <p:stCondLst>
-                                            <p:cond delay="0"/>
-                                          </p:stCondLst>
-                                        </p:cTn>
-                                        <p:tgtEl>
-                                          <p:spTgt spid="41015"/>
-                                        </p:tgtEl>
-                                        <p:attrNameLst>
-                                          <p:attrName>style.visibility</p:attrName>
-                                        </p:attrNameLst>
-                                      </p:cBhvr>
-                                      <p:to>
-                                        <p:strVal val="visible"/>
-                                      </p:to>
-                                    </p:set>
-                                    <p:animEffect transition="in" filter="wipe(left)">
-                                      <p:cBhvr>
-                                        <p:cTn id="17" dur="500"/>
-                                        <p:tgtEl>
-                                          <p:spTgt spid="41015"/>
-                                        </p:tgtEl>
-                                      </p:cBhvr>
-                                    </p:animEffect>
-                                  </p:childTnLst>
-                                </p:cTn>
-                              </p:par>
-                            </p:childTnLst>
-                          </p:cTn>
-                        </p:par>
-                      </p:childTnLst>
-                    </p:cTn>
-                  </p:par>
-                  <p:par>
-                    <p:cTn id="18" fill="hold">
-                      <p:stCondLst>
-                        <p:cond delay="indefinite"/>
-                      </p:stCondLst>
-                      <p:childTnLst>
-                        <p:par>
-                          <p:cTn id="19" fill="hold">
-                            <p:stCondLst>
-                              <p:cond delay="0"/>
-                            </p:stCondLst>
-                            <p:childTnLst>
-                              <p:par>
-                                <p:cTn id="20" presetID="9" presetClass="entr" presetSubtype="0" fill="hold" grpId="0" nodeType="clickEffect">
-                                  <p:stCondLst>
-                                    <p:cond delay="0"/>
-                                  </p:stCondLst>
-                                  <p:childTnLst>
-                                    <p:set>
-                                      <p:cBhvr>
-                                        <p:cTn id="21" dur="1" fill="hold">
-                                          <p:stCondLst>
-                                            <p:cond delay="0"/>
-                                          </p:stCondLst>
-                                        </p:cTn>
-                                        <p:tgtEl>
-                                          <p:spTgt spid="41027"/>
-                                        </p:tgtEl>
-                                        <p:attrNameLst>
-                                          <p:attrName>style.visibility</p:attrName>
-                                        </p:attrNameLst>
-                                      </p:cBhvr>
-                                      <p:to>
-                                        <p:strVal val="visible"/>
-                                      </p:to>
-                                    </p:set>
-                                    <p:animEffect transition="in" filter="dissolve">
-                                      <p:cBhvr>
-                                        <p:cTn id="22" dur="1000"/>
-                                        <p:tgtEl>
-                                          <p:spTgt spid="41027"/>
-                                        </p:tgtEl>
-                                      </p:cBhvr>
-                                    </p:animEffect>
-                                  </p:childTnLst>
-                                </p:cTn>
-                              </p:par>
-                              <p:par>
-                                <p:cTn id="23" presetID="9" presetClass="entr" presetSubtype="0" fill="hold" grpId="0" nodeType="withEffect">
-                                  <p:stCondLst>
-                                    <p:cond delay="0"/>
-                                  </p:stCondLst>
-                                  <p:childTnLst>
-                                    <p:set>
-                                      <p:cBhvr>
-                                        <p:cTn id="24" dur="1" fill="hold">
-                                          <p:stCondLst>
-                                            <p:cond delay="0"/>
-                                          </p:stCondLst>
-                                        </p:cTn>
-                                        <p:tgtEl>
-                                          <p:spTgt spid="41026"/>
-                                        </p:tgtEl>
-                                        <p:attrNameLst>
-                                          <p:attrName>style.visibility</p:attrName>
-                                        </p:attrNameLst>
-                                      </p:cBhvr>
-                                      <p:to>
-                                        <p:strVal val="visible"/>
-                                      </p:to>
-                                    </p:set>
-                                    <p:animEffect transition="in" filter="dissolve">
-                                      <p:cBhvr>
-                                        <p:cTn id="25" dur="1000"/>
-                                        <p:tgtEl>
-                                          <p:spTgt spid="41026"/>
-                                        </p:tgtEl>
-                                      </p:cBhvr>
-                                    </p:animEffect>
-                                  </p:childTnLst>
-                                </p:cTn>
-                              </p:par>
-                              <p:par>
-                                <p:cTn id="26" presetID="9" presetClass="entr" presetSubtype="0" fill="hold" grpId="0" nodeType="withEffect">
-                                  <p:stCondLst>
-                                    <p:cond delay="0"/>
-                                  </p:stCondLst>
-                                  <p:childTnLst>
-                                    <p:set>
-                                      <p:cBhvr>
-                                        <p:cTn id="27" dur="1" fill="hold">
-                                          <p:stCondLst>
-                                            <p:cond delay="0"/>
-                                          </p:stCondLst>
-                                        </p:cTn>
-                                        <p:tgtEl>
-                                          <p:spTgt spid="41021"/>
-                                        </p:tgtEl>
-                                        <p:attrNameLst>
-                                          <p:attrName>style.visibility</p:attrName>
-                                        </p:attrNameLst>
-                                      </p:cBhvr>
-                                      <p:to>
-                                        <p:strVal val="visible"/>
-                                      </p:to>
-                                    </p:set>
-                                    <p:animEffect transition="in" filter="dissolve">
-                                      <p:cBhvr>
-                                        <p:cTn id="28" dur="1000"/>
-                                        <p:tgtEl>
-                                          <p:spTgt spid="41021"/>
-                                        </p:tgtEl>
-                                      </p:cBhvr>
-                                    </p:animEffect>
-                                  </p:childTnLst>
-                                </p:cTn>
-                              </p:par>
-                            </p:childTnLst>
-                          </p:cTn>
-                        </p:par>
-                        <p:par>
-                          <p:cTn id="29" fill="hold">
-                            <p:stCondLst>
-                              <p:cond delay="1000"/>
-                            </p:stCondLst>
-                            <p:childTnLst>
-                              <p:par>
-                                <p:cTn id="30" presetID="9" presetClass="exit" presetSubtype="0" fill="hold" grpId="1" nodeType="afterEffect">
-                                  <p:stCondLst>
-                                    <p:cond delay="0"/>
-                                  </p:stCondLst>
-                                  <p:childTnLst>
-                                    <p:animEffect transition="out" filter="dissolve">
-                                      <p:cBhvr>
-                                        <p:cTn id="31" dur="1000"/>
-                                        <p:tgtEl>
-                                          <p:spTgt spid="41027"/>
-                                        </p:tgtEl>
-                                      </p:cBhvr>
-                                    </p:animEffect>
-                                    <p:set>
-                                      <p:cBhvr>
-                                        <p:cTn id="32" dur="1" fill="hold">
-                                          <p:stCondLst>
-                                            <p:cond delay="999"/>
-                                          </p:stCondLst>
-                                        </p:cTn>
-                                        <p:tgtEl>
-                                          <p:spTgt spid="41027"/>
-                                        </p:tgtEl>
-                                        <p:attrNameLst>
-                                          <p:attrName>style.visibility</p:attrName>
-                                        </p:attrNameLst>
-                                      </p:cBhvr>
-                                      <p:to>
-                                        <p:strVal val="hidden"/>
-                                      </p:to>
-                                    </p:set>
-                                  </p:childTnLst>
-                                </p:cTn>
-                              </p:par>
-                              <p:par>
-                                <p:cTn id="33" presetID="9" presetClass="exit" presetSubtype="0" fill="hold" grpId="1" nodeType="withEffect">
-                                  <p:stCondLst>
-                                    <p:cond delay="0"/>
-                                  </p:stCondLst>
-                                  <p:childTnLst>
-                                    <p:animEffect transition="out" filter="dissolve">
-                                      <p:cBhvr>
-                                        <p:cTn id="34" dur="1000"/>
-                                        <p:tgtEl>
-                                          <p:spTgt spid="41026"/>
-                                        </p:tgtEl>
-                                      </p:cBhvr>
-                                    </p:animEffect>
-                                    <p:set>
-                                      <p:cBhvr>
-                                        <p:cTn id="35" dur="1" fill="hold">
-                                          <p:stCondLst>
-                                            <p:cond delay="999"/>
-                                          </p:stCondLst>
-                                        </p:cTn>
-                                        <p:tgtEl>
-                                          <p:spTgt spid="41026"/>
-                                        </p:tgtEl>
-                                        <p:attrNameLst>
-                                          <p:attrName>style.visibility</p:attrName>
-                                        </p:attrNameLst>
-                                      </p:cBhvr>
-                                      <p:to>
-                                        <p:strVal val="hidden"/>
-                                      </p:to>
-                                    </p:set>
-                                  </p:childTnLst>
-                                </p:cTn>
-                              </p:par>
-                              <p:par>
-                                <p:cTn id="36" presetID="9" presetClass="exit" presetSubtype="0" fill="hold" grpId="1" nodeType="withEffect">
-                                  <p:stCondLst>
-                                    <p:cond delay="0"/>
-                                  </p:stCondLst>
-                                  <p:childTnLst>
-                                    <p:animEffect transition="out" filter="dissolve">
-                                      <p:cBhvr>
-                                        <p:cTn id="37" dur="1000"/>
-                                        <p:tgtEl>
-                                          <p:spTgt spid="41021"/>
-                                        </p:tgtEl>
-                                      </p:cBhvr>
-                                    </p:animEffect>
-                                    <p:set>
-                                      <p:cBhvr>
-                                        <p:cTn id="38" dur="1" fill="hold">
-                                          <p:stCondLst>
-                                            <p:cond delay="999"/>
-                                          </p:stCondLst>
-                                        </p:cTn>
-                                        <p:tgtEl>
-                                          <p:spTgt spid="41021"/>
-                                        </p:tgtEl>
-                                        <p:attrNameLst>
-                                          <p:attrName>style.visibility</p:attrName>
-                                        </p:attrNameLst>
-                                      </p:cBhvr>
-                                      <p:to>
-                                        <p:strVal val="hidden"/>
-                                      </p:to>
-                                    </p:set>
-                                  </p:childTnLst>
-                                </p:cTn>
-                              </p:par>
-                              <p:par>
-                                <p:cTn id="39" presetID="9" presetClass="entr" presetSubtype="0" fill="hold" grpId="0" nodeType="withEffect">
-                                  <p:stCondLst>
-                                    <p:cond delay="0"/>
-                                  </p:stCondLst>
-                                  <p:childTnLst>
-                                    <p:set>
-                                      <p:cBhvr>
-                                        <p:cTn id="40" dur="1" fill="hold">
-                                          <p:stCondLst>
-                                            <p:cond delay="0"/>
-                                          </p:stCondLst>
-                                        </p:cTn>
-                                        <p:tgtEl>
-                                          <p:spTgt spid="41035"/>
-                                        </p:tgtEl>
-                                        <p:attrNameLst>
-                                          <p:attrName>style.visibility</p:attrName>
-                                        </p:attrNameLst>
-                                      </p:cBhvr>
-                                      <p:to>
-                                        <p:strVal val="visible"/>
-                                      </p:to>
-                                    </p:set>
-                                    <p:animEffect transition="in" filter="dissolve">
-                                      <p:cBhvr>
-                                        <p:cTn id="41" dur="1000"/>
-                                        <p:tgtEl>
-                                          <p:spTgt spid="41035"/>
-                                        </p:tgtEl>
-                                      </p:cBhvr>
-                                    </p:animEffect>
-                                  </p:childTnLst>
-                                </p:cTn>
-                              </p:par>
-                              <p:par>
-                                <p:cTn id="42" presetID="9" presetClass="entr" presetSubtype="0" fill="hold" grpId="0" nodeType="withEffect">
-                                  <p:stCondLst>
-                                    <p:cond delay="0"/>
-                                  </p:stCondLst>
-                                  <p:childTnLst>
-                                    <p:set>
-                                      <p:cBhvr>
-                                        <p:cTn id="43" dur="1" fill="hold">
-                                          <p:stCondLst>
-                                            <p:cond delay="0"/>
-                                          </p:stCondLst>
-                                        </p:cTn>
-                                        <p:tgtEl>
-                                          <p:spTgt spid="41033"/>
-                                        </p:tgtEl>
-                                        <p:attrNameLst>
-                                          <p:attrName>style.visibility</p:attrName>
-                                        </p:attrNameLst>
-                                      </p:cBhvr>
-                                      <p:to>
-                                        <p:strVal val="visible"/>
-                                      </p:to>
-                                    </p:set>
-                                    <p:animEffect transition="in" filter="dissolve">
-                                      <p:cBhvr>
-                                        <p:cTn id="44" dur="1000"/>
-                                        <p:tgtEl>
-                                          <p:spTgt spid="41033"/>
-                                        </p:tgtEl>
-                                      </p:cBhvr>
-                                    </p:animEffect>
-                                  </p:childTnLst>
-                                </p:cTn>
-                              </p:par>
-                              <p:par>
-                                <p:cTn id="45" presetID="9" presetClass="entr" presetSubtype="0" fill="hold" grpId="0" nodeType="withEffect">
-                                  <p:stCondLst>
-                                    <p:cond delay="0"/>
-                                  </p:stCondLst>
-                                  <p:childTnLst>
-                                    <p:set>
-                                      <p:cBhvr>
-                                        <p:cTn id="46" dur="1" fill="hold">
-                                          <p:stCondLst>
-                                            <p:cond delay="0"/>
-                                          </p:stCondLst>
-                                        </p:cTn>
-                                        <p:tgtEl>
-                                          <p:spTgt spid="41034"/>
-                                        </p:tgtEl>
-                                        <p:attrNameLst>
-                                          <p:attrName>style.visibility</p:attrName>
-                                        </p:attrNameLst>
-                                      </p:cBhvr>
-                                      <p:to>
-                                        <p:strVal val="visible"/>
-                                      </p:to>
-                                    </p:set>
-                                    <p:animEffect transition="in" filter="dissolve">
-                                      <p:cBhvr>
-                                        <p:cTn id="47" dur="1000"/>
-                                        <p:tgtEl>
-                                          <p:spTgt spid="41034"/>
-                                        </p:tgtEl>
-                                      </p:cBhvr>
-                                    </p:animEffect>
-                                  </p:childTnLst>
-                                </p:cTn>
-                              </p:par>
-                            </p:childTnLst>
-                          </p:cTn>
-                        </p:par>
-                        <p:par>
-                          <p:cTn id="48" fill="hold">
-                            <p:stCondLst>
-                              <p:cond delay="2000"/>
-                            </p:stCondLst>
-                            <p:childTnLst>
-                              <p:par>
-                                <p:cTn id="49" presetID="9" presetClass="exit" presetSubtype="0" fill="hold" grpId="1" nodeType="afterEffect">
-                                  <p:stCondLst>
-                                    <p:cond delay="0"/>
-                                  </p:stCondLst>
-                                  <p:childTnLst>
-                                    <p:animEffect transition="out" filter="dissolve">
-                                      <p:cBhvr>
-                                        <p:cTn id="50" dur="2000"/>
-                                        <p:tgtEl>
-                                          <p:spTgt spid="41033"/>
-                                        </p:tgtEl>
-                                      </p:cBhvr>
-                                    </p:animEffect>
-                                    <p:set>
-                                      <p:cBhvr>
-                                        <p:cTn id="51" dur="1" fill="hold">
-                                          <p:stCondLst>
-                                            <p:cond delay="1999"/>
-                                          </p:stCondLst>
-                                        </p:cTn>
-                                        <p:tgtEl>
-                                          <p:spTgt spid="41033"/>
-                                        </p:tgtEl>
-                                        <p:attrNameLst>
-                                          <p:attrName>style.visibility</p:attrName>
-                                        </p:attrNameLst>
-                                      </p:cBhvr>
-                                      <p:to>
-                                        <p:strVal val="hidden"/>
-                                      </p:to>
-                                    </p:set>
-                                  </p:childTnLst>
-                                </p:cTn>
-                              </p:par>
-                              <p:par>
-                                <p:cTn id="52" presetID="9" presetClass="exit" presetSubtype="0" fill="hold" grpId="1" nodeType="withEffect">
-                                  <p:stCondLst>
-                                    <p:cond delay="0"/>
-                                  </p:stCondLst>
-                                  <p:childTnLst>
-                                    <p:animEffect transition="out" filter="dissolve">
-                                      <p:cBhvr>
-                                        <p:cTn id="53" dur="2000"/>
-                                        <p:tgtEl>
-                                          <p:spTgt spid="41035"/>
-                                        </p:tgtEl>
-                                      </p:cBhvr>
-                                    </p:animEffect>
-                                    <p:set>
-                                      <p:cBhvr>
-                                        <p:cTn id="54" dur="1" fill="hold">
-                                          <p:stCondLst>
-                                            <p:cond delay="1999"/>
-                                          </p:stCondLst>
-                                        </p:cTn>
-                                        <p:tgtEl>
-                                          <p:spTgt spid="41035"/>
-                                        </p:tgtEl>
-                                        <p:attrNameLst>
-                                          <p:attrName>style.visibility</p:attrName>
-                                        </p:attrNameLst>
-                                      </p:cBhvr>
-                                      <p:to>
-                                        <p:strVal val="hidden"/>
-                                      </p:to>
-                                    </p:set>
-                                  </p:childTnLst>
-                                </p:cTn>
-                              </p:par>
-                              <p:par>
-                                <p:cTn id="55" presetID="9" presetClass="exit" presetSubtype="0" fill="hold" grpId="1" nodeType="withEffect">
-                                  <p:stCondLst>
-                                    <p:cond delay="0"/>
-                                  </p:stCondLst>
-                                  <p:childTnLst>
-                                    <p:animEffect transition="out" filter="dissolve">
-                                      <p:cBhvr>
-                                        <p:cTn id="56" dur="2000"/>
-                                        <p:tgtEl>
-                                          <p:spTgt spid="41034"/>
-                                        </p:tgtEl>
-                                      </p:cBhvr>
-                                    </p:animEffect>
-                                    <p:set>
-                                      <p:cBhvr>
-                                        <p:cTn id="57" dur="1" fill="hold">
-                                          <p:stCondLst>
-                                            <p:cond delay="1999"/>
-                                          </p:stCondLst>
-                                        </p:cTn>
-                                        <p:tgtEl>
-                                          <p:spTgt spid="41034"/>
-                                        </p:tgtEl>
-                                        <p:attrNameLst>
-                                          <p:attrName>style.visibility</p:attrName>
-                                        </p:attrNameLst>
-                                      </p:cBhvr>
-                                      <p:to>
-                                        <p:strVal val="hidden"/>
-                                      </p:to>
-                                    </p:set>
-                                  </p:childTnLst>
-                                </p:cTn>
-                              </p:par>
-                              <p:par>
-                                <p:cTn id="58" presetID="9" presetClass="entr" presetSubtype="0" fill="hold" grpId="0" nodeType="withEffect">
-                                  <p:stCondLst>
-                                    <p:cond delay="0"/>
-                                  </p:stCondLst>
-                                  <p:childTnLst>
-                                    <p:set>
-                                      <p:cBhvr>
-                                        <p:cTn id="59" dur="1" fill="hold">
-                                          <p:stCondLst>
-                                            <p:cond delay="0"/>
-                                          </p:stCondLst>
-                                        </p:cTn>
-                                        <p:tgtEl>
-                                          <p:spTgt spid="41036"/>
-                                        </p:tgtEl>
-                                        <p:attrNameLst>
-                                          <p:attrName>style.visibility</p:attrName>
-                                        </p:attrNameLst>
-                                      </p:cBhvr>
-                                      <p:to>
-                                        <p:strVal val="visible"/>
-                                      </p:to>
-                                    </p:set>
-                                    <p:animEffect transition="in" filter="dissolve">
-                                      <p:cBhvr>
-                                        <p:cTn id="60" dur="2000"/>
-                                        <p:tgtEl>
-                                          <p:spTgt spid="41036"/>
-                                        </p:tgtEl>
-                                      </p:cBhvr>
-                                    </p:animEffect>
-                                  </p:childTnLst>
-                                </p:cTn>
-                              </p:par>
-                              <p:par>
-                                <p:cTn id="61" presetID="9" presetClass="entr" presetSubtype="0" fill="hold" grpId="0" nodeType="withEffect">
-                                  <p:stCondLst>
-                                    <p:cond delay="0"/>
-                                  </p:stCondLst>
-                                  <p:childTnLst>
-                                    <p:set>
-                                      <p:cBhvr>
-                                        <p:cTn id="62" dur="1" fill="hold">
-                                          <p:stCondLst>
-                                            <p:cond delay="0"/>
-                                          </p:stCondLst>
-                                        </p:cTn>
-                                        <p:tgtEl>
-                                          <p:spTgt spid="41038"/>
-                                        </p:tgtEl>
-                                        <p:attrNameLst>
-                                          <p:attrName>style.visibility</p:attrName>
-                                        </p:attrNameLst>
-                                      </p:cBhvr>
-                                      <p:to>
-                                        <p:strVal val="visible"/>
-                                      </p:to>
-                                    </p:set>
-                                    <p:animEffect transition="in" filter="dissolve">
-                                      <p:cBhvr>
-                                        <p:cTn id="63" dur="2000"/>
-                                        <p:tgtEl>
-                                          <p:spTgt spid="41038"/>
-                                        </p:tgtEl>
-                                      </p:cBhvr>
-                                    </p:animEffect>
-                                  </p:childTnLst>
-                                </p:cTn>
-                              </p:par>
-                              <p:par>
-                                <p:cTn id="64" presetID="9" presetClass="entr" presetSubtype="0" fill="hold" grpId="0" nodeType="withEffect">
-                                  <p:stCondLst>
-                                    <p:cond delay="0"/>
-                                  </p:stCondLst>
-                                  <p:childTnLst>
-                                    <p:set>
-                                      <p:cBhvr>
-                                        <p:cTn id="65" dur="1" fill="hold">
-                                          <p:stCondLst>
-                                            <p:cond delay="0"/>
-                                          </p:stCondLst>
-                                        </p:cTn>
-                                        <p:tgtEl>
-                                          <p:spTgt spid="41037"/>
-                                        </p:tgtEl>
-                                        <p:attrNameLst>
-                                          <p:attrName>style.visibility</p:attrName>
-                                        </p:attrNameLst>
-                                      </p:cBhvr>
-                                      <p:to>
-                                        <p:strVal val="visible"/>
-                                      </p:to>
-                                    </p:set>
-                                    <p:animEffect transition="in" filter="dissolve">
-                                      <p:cBhvr>
-                                        <p:cTn id="66" dur="2000"/>
-                                        <p:tgtEl>
-                                          <p:spTgt spid="41037"/>
-                                        </p:tgtEl>
-                                      </p:cBhvr>
-                                    </p:animEffect>
-                                  </p:childTnLst>
-                                </p:cTn>
-                              </p:par>
-                            </p:childTnLst>
-                          </p:cTn>
-                        </p:par>
-                        <p:par>
-                          <p:cTn id="67" fill="hold">
-                            <p:stCondLst>
-                              <p:cond delay="4000"/>
-                            </p:stCondLst>
-                            <p:childTnLst>
-                              <p:par>
-                                <p:cTn id="68" presetID="9" presetClass="exit" presetSubtype="0" fill="hold" grpId="1" nodeType="afterEffect">
-                                  <p:stCondLst>
-                                    <p:cond delay="0"/>
-                                  </p:stCondLst>
-                                  <p:childTnLst>
-                                    <p:animEffect transition="out" filter="dissolve">
-                                      <p:cBhvr>
-                                        <p:cTn id="69" dur="2000"/>
-                                        <p:tgtEl>
-                                          <p:spTgt spid="41036"/>
-                                        </p:tgtEl>
-                                      </p:cBhvr>
-                                    </p:animEffect>
-                                    <p:set>
-                                      <p:cBhvr>
-                                        <p:cTn id="70" dur="1" fill="hold">
-                                          <p:stCondLst>
-                                            <p:cond delay="1999"/>
-                                          </p:stCondLst>
-                                        </p:cTn>
-                                        <p:tgtEl>
-                                          <p:spTgt spid="41036"/>
-                                        </p:tgtEl>
-                                        <p:attrNameLst>
-                                          <p:attrName>style.visibility</p:attrName>
-                                        </p:attrNameLst>
-                                      </p:cBhvr>
-                                      <p:to>
-                                        <p:strVal val="hidden"/>
-                                      </p:to>
-                                    </p:set>
-                                  </p:childTnLst>
-                                </p:cTn>
-                              </p:par>
-                              <p:par>
-                                <p:cTn id="71" presetID="9" presetClass="exit" presetSubtype="0" fill="hold" grpId="1" nodeType="withEffect">
-                                  <p:stCondLst>
-                                    <p:cond delay="0"/>
-                                  </p:stCondLst>
-                                  <p:childTnLst>
-                                    <p:animEffect transition="out" filter="dissolve">
-                                      <p:cBhvr>
-                                        <p:cTn id="72" dur="2000"/>
-                                        <p:tgtEl>
-                                          <p:spTgt spid="41038"/>
-                                        </p:tgtEl>
-                                      </p:cBhvr>
-                                    </p:animEffect>
-                                    <p:set>
-                                      <p:cBhvr>
-                                        <p:cTn id="73" dur="1" fill="hold">
-                                          <p:stCondLst>
-                                            <p:cond delay="1999"/>
-                                          </p:stCondLst>
-                                        </p:cTn>
-                                        <p:tgtEl>
-                                          <p:spTgt spid="41038"/>
-                                        </p:tgtEl>
-                                        <p:attrNameLst>
-                                          <p:attrName>style.visibility</p:attrName>
-                                        </p:attrNameLst>
-                                      </p:cBhvr>
-                                      <p:to>
-                                        <p:strVal val="hidden"/>
-                                      </p:to>
-                                    </p:set>
-                                  </p:childTnLst>
-                                </p:cTn>
-                              </p:par>
-                              <p:par>
-                                <p:cTn id="74" presetID="9" presetClass="exit" presetSubtype="0" fill="hold" grpId="1" nodeType="withEffect">
-                                  <p:stCondLst>
-                                    <p:cond delay="0"/>
-                                  </p:stCondLst>
-                                  <p:childTnLst>
-                                    <p:animEffect transition="out" filter="dissolve">
-                                      <p:cBhvr>
-                                        <p:cTn id="75" dur="2000"/>
-                                        <p:tgtEl>
-                                          <p:spTgt spid="41037"/>
-                                        </p:tgtEl>
-                                      </p:cBhvr>
-                                    </p:animEffect>
-                                    <p:set>
-                                      <p:cBhvr>
-                                        <p:cTn id="76" dur="1" fill="hold">
-                                          <p:stCondLst>
-                                            <p:cond delay="1999"/>
-                                          </p:stCondLst>
-                                        </p:cTn>
-                                        <p:tgtEl>
-                                          <p:spTgt spid="41037"/>
-                                        </p:tgtEl>
-                                        <p:attrNameLst>
-                                          <p:attrName>style.visibility</p:attrName>
-                                        </p:attrNameLst>
-                                      </p:cBhvr>
-                                      <p:to>
-                                        <p:strVal val="hidden"/>
-                                      </p:to>
-                                    </p:set>
-                                  </p:childTnLst>
-                                </p:cTn>
-                              </p:par>
-                              <p:par>
-                                <p:cTn id="77" presetID="9" presetClass="exit" presetSubtype="0" fill="hold" grpId="0" nodeType="withEffect">
-                                  <p:stCondLst>
-                                    <p:cond delay="0"/>
-                                  </p:stCondLst>
-                                  <p:childTnLst>
-                                    <p:animEffect transition="out" filter="dissolve">
-                                      <p:cBhvr>
-                                        <p:cTn id="78" dur="2000"/>
-                                        <p:tgtEl>
-                                          <p:spTgt spid="41023"/>
-                                        </p:tgtEl>
-                                      </p:cBhvr>
-                                    </p:animEffect>
-                                    <p:set>
-                                      <p:cBhvr>
-                                        <p:cTn id="79" dur="1" fill="hold">
-                                          <p:stCondLst>
-                                            <p:cond delay="1999"/>
-                                          </p:stCondLst>
-                                        </p:cTn>
-                                        <p:tgtEl>
-                                          <p:spTgt spid="41023"/>
-                                        </p:tgtEl>
-                                        <p:attrNameLst>
-                                          <p:attrName>style.visibility</p:attrName>
-                                        </p:attrNameLst>
-                                      </p:cBhvr>
-                                      <p:to>
-                                        <p:strVal val="hidden"/>
-                                      </p:to>
-                                    </p:set>
-                                  </p:childTnLst>
-                                </p:cTn>
-                              </p:par>
-                              <p:par>
-                                <p:cTn id="80" presetID="9" presetClass="exit" presetSubtype="0" fill="hold" grpId="0" nodeType="withEffect">
-                                  <p:stCondLst>
-                                    <p:cond delay="0"/>
-                                  </p:stCondLst>
-                                  <p:childTnLst>
-                                    <p:animEffect transition="out" filter="dissolve">
-                                      <p:cBhvr>
-                                        <p:cTn id="81" dur="2000"/>
-                                        <p:tgtEl>
-                                          <p:spTgt spid="41024"/>
-                                        </p:tgtEl>
-                                      </p:cBhvr>
-                                    </p:animEffect>
-                                    <p:set>
-                                      <p:cBhvr>
-                                        <p:cTn id="82" dur="1" fill="hold">
-                                          <p:stCondLst>
-                                            <p:cond delay="1999"/>
-                                          </p:stCondLst>
-                                        </p:cTn>
-                                        <p:tgtEl>
-                                          <p:spTgt spid="41024"/>
-                                        </p:tgtEl>
-                                        <p:attrNameLst>
-                                          <p:attrName>style.visibility</p:attrName>
-                                        </p:attrNameLst>
-                                      </p:cBhvr>
-                                      <p:to>
-                                        <p:strVal val="hidden"/>
-                                      </p:to>
-                                    </p:set>
-                                  </p:childTnLst>
-                                </p:cTn>
-                              </p:par>
-                              <p:par>
-                                <p:cTn id="83" presetID="9" presetClass="exit" presetSubtype="0" fill="hold" grpId="0" nodeType="withEffect">
-                                  <p:stCondLst>
-                                    <p:cond delay="0"/>
-                                  </p:stCondLst>
-                                  <p:childTnLst>
-                                    <p:animEffect transition="out" filter="dissolve">
-                                      <p:cBhvr>
-                                        <p:cTn id="84" dur="2000"/>
-                                        <p:tgtEl>
-                                          <p:spTgt spid="41025"/>
-                                        </p:tgtEl>
-                                      </p:cBhvr>
-                                    </p:animEffect>
-                                    <p:set>
-                                      <p:cBhvr>
-                                        <p:cTn id="85" dur="1" fill="hold">
-                                          <p:stCondLst>
-                                            <p:cond delay="1999"/>
-                                          </p:stCondLst>
-                                        </p:cTn>
-                                        <p:tgtEl>
-                                          <p:spTgt spid="41025"/>
-                                        </p:tgtEl>
-                                        <p:attrNameLst>
-                                          <p:attrName>style.visibility</p:attrName>
-                                        </p:attrNameLst>
-                                      </p:cBhvr>
-                                      <p:to>
-                                        <p:strVal val="hidden"/>
-                                      </p:to>
-                                    </p:set>
-                                  </p:childTnLst>
-                                </p:cTn>
-                              </p:par>
-                              <p:par>
-                                <p:cTn id="86" presetID="9" presetClass="entr" presetSubtype="0" fill="hold" grpId="0" nodeType="withEffect">
-                                  <p:stCondLst>
-                                    <p:cond delay="0"/>
-                                  </p:stCondLst>
-                                  <p:childTnLst>
-                                    <p:set>
-                                      <p:cBhvr>
-                                        <p:cTn id="87" dur="1" fill="hold">
-                                          <p:stCondLst>
-                                            <p:cond delay="0"/>
-                                          </p:stCondLst>
-                                        </p:cTn>
-                                        <p:tgtEl>
-                                          <p:spTgt spid="41046"/>
-                                        </p:tgtEl>
-                                        <p:attrNameLst>
-                                          <p:attrName>style.visibility</p:attrName>
-                                        </p:attrNameLst>
-                                      </p:cBhvr>
-                                      <p:to>
-                                        <p:strVal val="visible"/>
-                                      </p:to>
-                                    </p:set>
-                                    <p:animEffect transition="in" filter="dissolve">
-                                      <p:cBhvr>
-                                        <p:cTn id="88" dur="2000"/>
-                                        <p:tgtEl>
-                                          <p:spTgt spid="41046"/>
-                                        </p:tgtEl>
-                                      </p:cBhvr>
-                                    </p:animEffect>
-                                  </p:childTnLst>
-                                </p:cTn>
-                              </p:par>
-                              <p:par>
-                                <p:cTn id="89" presetID="9" presetClass="entr" presetSubtype="0" fill="hold" grpId="0" nodeType="withEffect">
-                                  <p:stCondLst>
-                                    <p:cond delay="0"/>
-                                  </p:stCondLst>
-                                  <p:childTnLst>
-                                    <p:set>
-                                      <p:cBhvr>
-                                        <p:cTn id="90" dur="1" fill="hold">
-                                          <p:stCondLst>
-                                            <p:cond delay="0"/>
-                                          </p:stCondLst>
-                                        </p:cTn>
-                                        <p:tgtEl>
-                                          <p:spTgt spid="41047"/>
-                                        </p:tgtEl>
-                                        <p:attrNameLst>
-                                          <p:attrName>style.visibility</p:attrName>
-                                        </p:attrNameLst>
-                                      </p:cBhvr>
-                                      <p:to>
-                                        <p:strVal val="visible"/>
-                                      </p:to>
-                                    </p:set>
-                                    <p:animEffect transition="in" filter="dissolve">
-                                      <p:cBhvr>
-                                        <p:cTn id="91" dur="2000"/>
-                                        <p:tgtEl>
-                                          <p:spTgt spid="41047"/>
-                                        </p:tgtEl>
-                                      </p:cBhvr>
-                                    </p:animEffect>
-                                  </p:childTnLst>
-                                </p:cTn>
-                              </p:par>
-                              <p:par>
-                                <p:cTn id="92" presetID="9" presetClass="entr" presetSubtype="0" fill="hold" grpId="0" nodeType="withEffect">
-                                  <p:stCondLst>
-                                    <p:cond delay="0"/>
-                                  </p:stCondLst>
-                                  <p:childTnLst>
-                                    <p:set>
-                                      <p:cBhvr>
-                                        <p:cTn id="93" dur="1" fill="hold">
-                                          <p:stCondLst>
-                                            <p:cond delay="0"/>
-                                          </p:stCondLst>
-                                        </p:cTn>
-                                        <p:tgtEl>
-                                          <p:spTgt spid="41045"/>
-                                        </p:tgtEl>
-                                        <p:attrNameLst>
-                                          <p:attrName>style.visibility</p:attrName>
-                                        </p:attrNameLst>
-                                      </p:cBhvr>
-                                      <p:to>
-                                        <p:strVal val="visible"/>
-                                      </p:to>
-                                    </p:set>
-                                    <p:animEffect transition="in" filter="dissolve">
-                                      <p:cBhvr>
-                                        <p:cTn id="94" dur="2000"/>
-                                        <p:tgtEl>
-                                          <p:spTgt spid="41045"/>
-                                        </p:tgtEl>
-                                      </p:cBhvr>
-                                    </p:animEffect>
-                                  </p:childTnLst>
-                                </p:cTn>
-                              </p:par>
-                              <p:par>
-                                <p:cTn id="95" presetID="1" presetClass="entr" presetSubtype="0" fill="hold" grpId="0" nodeType="withEffect">
-                                  <p:stCondLst>
-                                    <p:cond delay="0"/>
-                                  </p:stCondLst>
-                                  <p:childTnLst>
-                                    <p:set>
-                                      <p:cBhvr>
-                                        <p:cTn id="96" dur="1" fill="hold">
-                                          <p:stCondLst>
-                                            <p:cond delay="0"/>
-                                          </p:stCondLst>
-                                        </p:cTn>
-                                        <p:tgtEl>
-                                          <p:spTgt spid="143426"/>
-                                        </p:tgtEl>
-                                        <p:attrNameLst>
-                                          <p:attrName>style.visibility</p:attrName>
-                                        </p:attrNameLst>
-                                      </p:cBhvr>
-                                      <p:to>
-                                        <p:strVal val="visible"/>
-                                      </p:to>
-                                    </p:set>
-                                  </p:childTnLst>
-                                </p:cTn>
-                              </p:par>
-                            </p:childTnLst>
-                          </p:cTn>
-                        </p:par>
-                      </p:childTnLst>
-                    </p:cTn>
-                  </p:par>
-                </p:childTnLst>
-              </p:cTn>
-              <p:prevCondLst>
-                <p:cond evt="onPrev" delay="0">
-                  <p:tgtEl>
-                    <p:sldTgt/>
-                  </p:tgtEl>
-                </p:cond>
-              </p:prevCondLst>
-              <p:nextCondLst>
-                <p:cond evt="onNext" delay="0">
-                  <p:tgtEl>
-                    <p:sldTgt/>
-                  </p:tgtEl>
-                </p:cond>
-              </p:nextCondLst>
-            </p:seq>
-          </p:childTnLst>
-        </p:cTn>
-      </p:par>
-    </p:tnLst>
-    <p:bldLst>
-      <p:bldP spid="41015" grpId="0"/>
-      <p:bldP spid="41021" grpId="0" animBg="1" autoUpdateAnimBg="0"/>
-      <p:bldP spid="41021" grpId="1" animBg="1" autoUpdateAnimBg="0"/>
-      <p:bldP spid="41023" grpId="0" autoUpdateAnimBg="0"/>
-      <p:bldP spid="41024" grpId="0" autoUpdateAnimBg="0"/>
-      <p:bldP spid="41025" grpId="0" autoUpdateAnimBg="0"/>
-      <p:bldP spid="41026" grpId="0" animBg="1" autoUpdateAnimBg="0"/>
-      <p:bldP spid="41026" grpId="1" animBg="1" autoUpdateAnimBg="0"/>
-      <p:bldP spid="41027" grpId="0" animBg="1" autoUpdateAnimBg="0"/>
-      <p:bldP spid="41027" grpId="1" animBg="1" autoUpdateAnimBg="0"/>
-      <p:bldP spid="41033" grpId="0" animBg="1" autoUpdateAnimBg="0"/>
-      <p:bldP spid="41033" grpId="1" animBg="1" autoUpdateAnimBg="0"/>
-      <p:bldP spid="41034" grpId="0" animBg="1" autoUpdateAnimBg="0"/>
-      <p:bldP spid="41034" grpId="1" animBg="1" autoUpdateAnimBg="0"/>
-      <p:bldP spid="41035" grpId="0" animBg="1" autoUpdateAnimBg="0"/>
-      <p:bldP spid="41035" grpId="1" animBg="1" autoUpdateAnimBg="0"/>
-      <p:bldP spid="41036" grpId="0" animBg="1" autoUpdateAnimBg="0"/>
-      <p:bldP spid="41036" grpId="1" animBg="1" autoUpdateAnimBg="0"/>
-      <p:bldP spid="41037" grpId="0" animBg="1" autoUpdateAnimBg="0"/>
-      <p:bldP spid="41037" grpId="1" animBg="1" autoUpdateAnimBg="0"/>
-      <p:bldP spid="41038" grpId="0" animBg="1" autoUpdateAnimBg="0"/>
-      <p:bldP spid="41038" grpId="1" animBg="1" autoUpdateAnimBg="0"/>
-      <p:bldP spid="143426" grpId="0" animBg="1"/>
-      <p:bldP spid="41045" grpId="0"/>
-      <p:bldP spid="41047" grpId="0"/>
-      <p:bldP spid="41046" grpId="0"/>
-      <p:bldP spid="143425" grpId="0" build="p"/>
-    </p:bldLst>
-  </p:timing>
-</p:sld>
-</file>
-
 <file path=ppt/slides/slide6.xml><?xml version="1.0" encoding="utf-8"?>
 <p:sld xmlns:a="http://schemas.openxmlformats.org/drawingml/2006/main" xmlns:r="http://schemas.openxmlformats.org/officeDocument/2006/relationships" xmlns:p="http://schemas.openxmlformats.org/presentationml/2006/main">
   <p:cSld>
@@ -26789,11 +26443,7 @@
             </a:pPr>
             <a:r>
               <a:rPr lang="en-US" dirty="0" smtClean="0"/>
-              <a:t>Albert R Meyer,                       </a:t>
-            </a:r>
-            <a:r>
-              <a:rPr lang="en-US" dirty="0" smtClean="0"/>
-              <a:t>May 16, 2012</a:t>
+              <a:t>Albert R Meyer,                       May 16, 2012</a:t>
             </a:r>
             <a:endParaRPr lang="en-US" dirty="0"/>
           </a:p>
@@ -28766,11 +28416,7 @@
             </a:pPr>
             <a:r>
               <a:rPr lang="en-US" dirty="0" smtClean="0"/>
-              <a:t>Albert R Meyer,                       </a:t>
-            </a:r>
-            <a:r>
-              <a:rPr lang="en-US" dirty="0" smtClean="0"/>
-              <a:t>May 16, 2012</a:t>
+              <a:t>Albert R Meyer,                       May 16, 2012</a:t>
             </a:r>
             <a:endParaRPr lang="en-US" dirty="0"/>
           </a:p>
@@ -28935,7 +28581,7 @@
           <a:graphicData uri="http://schemas.openxmlformats.org/presentationml/2006/ole">
             <mc:AlternateContent xmlns:mc="http://schemas.openxmlformats.org/markup-compatibility/2006">
               <mc:Choice xmlns:v="urn:schemas-microsoft-com:vml" Requires="v">
-                <p:oleObj spid="_x0000_s27657" name="Equation" r:id="rId4" imgW="736600" imgH="533400" progId="Equation.DSMT4">
+                <p:oleObj spid="_x0000_s27664" name="Equation" r:id="rId4" imgW="736600" imgH="533400" progId="Equation.DSMT4">
                   <p:embed/>
                 </p:oleObj>
               </mc:Choice>
@@ -30914,11 +30560,7 @@
             </a:pPr>
             <a:r>
               <a:rPr lang="en-US" dirty="0" smtClean="0"/>
-              <a:t>Albert R Meyer,                       </a:t>
-            </a:r>
-            <a:r>
-              <a:rPr lang="en-US" dirty="0" smtClean="0"/>
-              <a:t>May 16, 2012</a:t>
+              <a:t>Albert R Meyer,                       May 16, 2012</a:t>
             </a:r>
             <a:endParaRPr lang="en-US" dirty="0"/>
           </a:p>
@@ -33122,11 +32764,7 @@
             </a:pPr>
             <a:r>
               <a:rPr lang="en-US" dirty="0" smtClean="0"/>
-              <a:t>Albert R Meyer,                       </a:t>
-            </a:r>
-            <a:r>
-              <a:rPr lang="en-US" dirty="0" smtClean="0"/>
-              <a:t>May 16, 2012</a:t>
+              <a:t>Albert R Meyer,                       May 16, 2012</a:t>
             </a:r>
             <a:endParaRPr lang="en-US" dirty="0"/>
           </a:p>

--- a/spring12/slidesS12/random-walks.pptx
+++ b/spring12/slidesS12/random-walks.pptx
@@ -5727,7 +5727,7 @@
           <a:graphicData uri="http://schemas.openxmlformats.org/presentationml/2006/ole">
             <mc:AlternateContent xmlns:mc="http://schemas.openxmlformats.org/markup-compatibility/2006">
               <mc:Choice xmlns:v="urn:schemas-microsoft-com:vml" Requires="v">
-                <p:oleObj spid="_x0000_s31760" name="Equation" r:id="rId4" imgW="736600" imgH="533400" progId="Equation.DSMT4">
+                <p:oleObj spid="_x0000_s31762" name="Equation" r:id="rId4" imgW="736600" imgH="533400" progId="Equation.DSMT4">
                   <p:embed/>
                 </p:oleObj>
               </mc:Choice>
@@ -7548,7 +7548,7 @@
           <a:graphicData uri="http://schemas.openxmlformats.org/presentationml/2006/ole">
             <mc:AlternateContent xmlns:mc="http://schemas.openxmlformats.org/markup-compatibility/2006">
               <mc:Choice xmlns:v="urn:schemas-microsoft-com:vml" Requires="v">
-                <p:oleObj spid="_x0000_s100368" name="Equation" r:id="rId4" imgW="736600" imgH="533400" progId="Equation.DSMT4">
+                <p:oleObj spid="_x0000_s100370" name="Equation" r:id="rId4" imgW="736600" imgH="533400" progId="Equation.DSMT4">
                   <p:embed/>
                 </p:oleObj>
               </mc:Choice>
@@ -9322,7 +9322,7 @@
           <a:graphicData uri="http://schemas.openxmlformats.org/presentationml/2006/ole">
             <mc:AlternateContent xmlns:mc="http://schemas.openxmlformats.org/markup-compatibility/2006">
               <mc:Choice xmlns:v="urn:schemas-microsoft-com:vml" Requires="v">
-                <p:oleObj spid="_x0000_s162832" name="Equation" r:id="rId4" imgW="736600" imgH="533400" progId="Equation.DSMT4">
+                <p:oleObj spid="_x0000_s162834" name="Equation" r:id="rId4" imgW="736600" imgH="533400" progId="Equation.DSMT4">
                   <p:embed/>
                 </p:oleObj>
               </mc:Choice>
@@ -11550,7 +11550,7 @@
           <a:graphicData uri="http://schemas.openxmlformats.org/presentationml/2006/ole">
             <mc:AlternateContent xmlns:mc="http://schemas.openxmlformats.org/markup-compatibility/2006">
               <mc:Choice xmlns:v="urn:schemas-microsoft-com:vml" Requires="v">
-                <p:oleObj spid="_x0000_s102416" name="Equation" r:id="rId4" imgW="901700" imgH="533400" progId="Equation.DSMT4">
+                <p:oleObj spid="_x0000_s102418" name="Equation" r:id="rId4" imgW="901700" imgH="533400" progId="Equation.DSMT4">
                   <p:embed/>
                 </p:oleObj>
               </mc:Choice>
@@ -16207,7 +16207,7 @@
           <a:graphicData uri="http://schemas.openxmlformats.org/presentationml/2006/ole">
             <mc:AlternateContent xmlns:mc="http://schemas.openxmlformats.org/markup-compatibility/2006">
               <mc:Choice xmlns:v="urn:schemas-microsoft-com:vml" Requires="v">
-                <p:oleObj spid="_x0000_s114704" name="Equation" r:id="rId4" imgW="914400" imgH="533400" progId="Equation.DSMT4">
+                <p:oleObj spid="_x0000_s114706" name="Equation" r:id="rId4" imgW="914400" imgH="533400" progId="Equation.DSMT4">
                   <p:embed/>
                 </p:oleObj>
               </mc:Choice>
@@ -17329,13 +17329,8 @@
             </a:r>
             <a:r>
               <a:rPr lang="en-US" sz="4000" dirty="0" smtClean="0"/>
-              <a:t>di</a:t>
-            </a:r>
-            <a:r>
-              <a:rPr lang="en-US" sz="4000" dirty="0" smtClean="0"/>
-              <a:t>graph</a:t>
-            </a:r>
-            <a:endParaRPr lang="en-US" sz="4000" dirty="0" smtClean="0"/>
+              <a:t>digraph</a:t>
+            </a:r>
           </a:p>
           <a:p>
             <a:pPr eaLnBrk="1" hangingPunct="1">
@@ -18485,13 +18480,13 @@
   <p:clrMapOvr>
     <a:masterClrMapping/>
   </p:clrMapOvr>
-  <mc:AlternateContent xmlns:mc="http://schemas.openxmlformats.org/markup-compatibility/2006">
-    <mc:Choice xmlns:p14="http://schemas.microsoft.com/office/powerpoint/2010/main" Requires="p14">
+  <mc:AlternateContent xmlns:mc="http://schemas.openxmlformats.org/markup-compatibility/2006" xmlns:p14="http://schemas.microsoft.com/office/powerpoint/2010/main">
+    <mc:Choice Requires="p14">
       <p:transition spd="med" p14:dur="700">
         <p:fade/>
       </p:transition>
     </mc:Choice>
-    <mc:Fallback>
+    <mc:Fallback xmlns="">
       <p:transition xmlns:p14="http://schemas.microsoft.com/office/powerpoint/2010/main" spd="med">
         <p:fade/>
       </p:transition>
@@ -22080,13 +22075,13 @@
   <p:clrMapOvr>
     <a:masterClrMapping/>
   </p:clrMapOvr>
-  <mc:AlternateContent xmlns:mc="http://schemas.openxmlformats.org/markup-compatibility/2006">
-    <mc:Choice xmlns:p14="http://schemas.microsoft.com/office/powerpoint/2010/main" Requires="p14">
+  <mc:AlternateContent xmlns:mc="http://schemas.openxmlformats.org/markup-compatibility/2006" xmlns:p14="http://schemas.microsoft.com/office/powerpoint/2010/main">
+    <mc:Choice Requires="p14">
       <p:transition spd="med" p14:dur="700">
         <p:fade/>
       </p:transition>
     </mc:Choice>
-    <mc:Fallback>
+    <mc:Fallback xmlns="">
       <p:transition xmlns:p14="http://schemas.microsoft.com/office/powerpoint/2010/main" spd="med">
         <p:fade/>
       </p:transition>
@@ -23126,7 +23121,7 @@
           <a:p>
             <a:pPr eaLnBrk="1" hangingPunct="1"/>
             <a:r>
-              <a:rPr lang="en-US"/>
+              <a:rPr lang="en-US" dirty="0"/>
               <a:t>Google Page Rank</a:t>
             </a:r>
           </a:p>
@@ -23308,7 +23303,7 @@
                             </p:stCondLst>
                             <p:childTnLst>
                               <p:par>
-                                <p:cTn id="5" presetID="22" presetClass="entr" presetSubtype="8" fill="hold" grpId="0" nodeType="clickEffect">
+                                <p:cTn id="5" presetID="9" presetClass="entr" presetSubtype="0" fill="hold" grpId="0" nodeType="clickEffect">
                                   <p:stCondLst>
                                     <p:cond delay="0"/>
                                   </p:stCondLst>
@@ -23335,7 +23330,7 @@
                                         <p:strVal val="visible"/>
                                       </p:to>
                                     </p:set>
-                                    <p:animEffect transition="in" filter="wipe(left)">
+                                    <p:animEffect transition="in" filter="dissolve">
                                       <p:cBhvr>
                                         <p:cTn id="7" dur="500"/>
                                         <p:tgtEl>
@@ -23369,7 +23364,7 @@
                             </p:stCondLst>
                             <p:childTnLst>
                               <p:par>
-                                <p:cTn id="10" presetID="22" presetClass="entr" presetSubtype="8" fill="hold" grpId="0" nodeType="clickEffect">
+                                <p:cTn id="10" presetID="9" presetClass="entr" presetSubtype="0" fill="hold" grpId="0" nodeType="clickEffect">
                                   <p:stCondLst>
                                     <p:cond delay="0"/>
                                   </p:stCondLst>
@@ -23396,7 +23391,7 @@
                                         <p:strVal val="visible"/>
                                       </p:to>
                                     </p:set>
-                                    <p:animEffect transition="in" filter="wipe(left)">
+                                    <p:animEffect transition="in" filter="dissolve">
                                       <p:cBhvr>
                                         <p:cTn id="12" dur="500"/>
                                         <p:tgtEl>
@@ -23430,7 +23425,7 @@
                             </p:stCondLst>
                             <p:childTnLst>
                               <p:par>
-                                <p:cTn id="15" presetID="22" presetClass="entr" presetSubtype="8" fill="hold" grpId="0" nodeType="clickEffect">
+                                <p:cTn id="15" presetID="9" presetClass="entr" presetSubtype="0" fill="hold" grpId="0" nodeType="clickEffect">
                                   <p:stCondLst>
                                     <p:cond delay="0"/>
                                   </p:stCondLst>
@@ -23457,7 +23452,7 @@
                                         <p:strVal val="visible"/>
                                       </p:to>
                                     </p:set>
-                                    <p:animEffect transition="in" filter="wipe(left)">
+                                    <p:animEffect transition="in" filter="dissolve">
                                       <p:cBhvr>
                                         <p:cTn id="17" dur="500"/>
                                         <p:tgtEl>
@@ -23491,7 +23486,7 @@
                             </p:stCondLst>
                             <p:childTnLst>
                               <p:par>
-                                <p:cTn id="20" presetID="22" presetClass="entr" presetSubtype="8" fill="hold" grpId="0" nodeType="clickEffect">
+                                <p:cTn id="20" presetID="9" presetClass="entr" presetSubtype="0" fill="hold" grpId="0" nodeType="clickEffect">
                                   <p:stCondLst>
                                     <p:cond delay="0"/>
                                   </p:stCondLst>
@@ -23518,7 +23513,7 @@
                                         <p:strVal val="visible"/>
                                       </p:to>
                                     </p:set>
-                                    <p:animEffect transition="in" filter="wipe(left)">
+                                    <p:animEffect transition="in" filter="dissolve">
                                       <p:cBhvr>
                                         <p:cTn id="22" dur="500"/>
                                         <p:tgtEl>
@@ -28581,7 +28576,7 @@
           <a:graphicData uri="http://schemas.openxmlformats.org/presentationml/2006/ole">
             <mc:AlternateContent xmlns:mc="http://schemas.openxmlformats.org/markup-compatibility/2006">
               <mc:Choice xmlns:v="urn:schemas-microsoft-com:vml" Requires="v">
-                <p:oleObj spid="_x0000_s27664" name="Equation" r:id="rId4" imgW="736600" imgH="533400" progId="Equation.DSMT4">
+                <p:oleObj spid="_x0000_s27666" name="Equation" r:id="rId4" imgW="736600" imgH="533400" progId="Equation.DSMT4">
                   <p:embed/>
                 </p:oleObj>
               </mc:Choice>

--- a/spring12/slidesS12/random-walks.pptx
+++ b/spring12/slidesS12/random-walks.pptx
@@ -5727,7 +5727,7 @@
           <a:graphicData uri="http://schemas.openxmlformats.org/presentationml/2006/ole">
             <mc:AlternateContent xmlns:mc="http://schemas.openxmlformats.org/markup-compatibility/2006">
               <mc:Choice xmlns:v="urn:schemas-microsoft-com:vml" Requires="v">
-                <p:oleObj spid="_x0000_s31762" name="Equation" r:id="rId4" imgW="736600" imgH="533400" progId="Equation.DSMT4">
+                <p:oleObj spid="_x0000_s31765" name="Equation" r:id="rId4" imgW="736600" imgH="533400" progId="Equation.DSMT4">
                   <p:embed/>
                 </p:oleObj>
               </mc:Choice>
@@ -7548,7 +7548,7 @@
           <a:graphicData uri="http://schemas.openxmlformats.org/presentationml/2006/ole">
             <mc:AlternateContent xmlns:mc="http://schemas.openxmlformats.org/markup-compatibility/2006">
               <mc:Choice xmlns:v="urn:schemas-microsoft-com:vml" Requires="v">
-                <p:oleObj spid="_x0000_s100370" name="Equation" r:id="rId4" imgW="736600" imgH="533400" progId="Equation.DSMT4">
+                <p:oleObj spid="_x0000_s100373" name="Equation" r:id="rId4" imgW="736600" imgH="533400" progId="Equation.DSMT4">
                   <p:embed/>
                 </p:oleObj>
               </mc:Choice>
@@ -9322,7 +9322,7 @@
           <a:graphicData uri="http://schemas.openxmlformats.org/presentationml/2006/ole">
             <mc:AlternateContent xmlns:mc="http://schemas.openxmlformats.org/markup-compatibility/2006">
               <mc:Choice xmlns:v="urn:schemas-microsoft-com:vml" Requires="v">
-                <p:oleObj spid="_x0000_s162834" name="Equation" r:id="rId4" imgW="736600" imgH="533400" progId="Equation.DSMT4">
+                <p:oleObj spid="_x0000_s162837" name="Equation" r:id="rId4" imgW="736600" imgH="533400" progId="Equation.DSMT4">
                   <p:embed/>
                 </p:oleObj>
               </mc:Choice>
@@ -11550,7 +11550,7 @@
           <a:graphicData uri="http://schemas.openxmlformats.org/presentationml/2006/ole">
             <mc:AlternateContent xmlns:mc="http://schemas.openxmlformats.org/markup-compatibility/2006">
               <mc:Choice xmlns:v="urn:schemas-microsoft-com:vml" Requires="v">
-                <p:oleObj spid="_x0000_s102418" name="Equation" r:id="rId4" imgW="901700" imgH="533400" progId="Equation.DSMT4">
+                <p:oleObj spid="_x0000_s102421" name="Equation" r:id="rId4" imgW="901700" imgH="533400" progId="Equation.DSMT4">
                   <p:embed/>
                 </p:oleObj>
               </mc:Choice>
@@ -16207,7 +16207,7 @@
           <a:graphicData uri="http://schemas.openxmlformats.org/presentationml/2006/ole">
             <mc:AlternateContent xmlns:mc="http://schemas.openxmlformats.org/markup-compatibility/2006">
               <mc:Choice xmlns:v="urn:schemas-microsoft-com:vml" Requires="v">
-                <p:oleObj spid="_x0000_s114706" name="Equation" r:id="rId4" imgW="914400" imgH="533400" progId="Equation.DSMT4">
+                <p:oleObj spid="_x0000_s114709" name="Equation" r:id="rId4" imgW="914400" imgH="533400" progId="Equation.DSMT4">
                   <p:embed/>
                 </p:oleObj>
               </mc:Choice>
@@ -28576,7 +28576,7 @@
           <a:graphicData uri="http://schemas.openxmlformats.org/presentationml/2006/ole">
             <mc:AlternateContent xmlns:mc="http://schemas.openxmlformats.org/markup-compatibility/2006">
               <mc:Choice xmlns:v="urn:schemas-microsoft-com:vml" Requires="v">
-                <p:oleObj spid="_x0000_s27666" name="Equation" r:id="rId4" imgW="736600" imgH="533400" progId="Equation.DSMT4">
+                <p:oleObj spid="_x0000_s27669" name="Equation" r:id="rId4" imgW="736600" imgH="533400" progId="Equation.DSMT4">
                   <p:embed/>
                 </p:oleObj>
               </mc:Choice>
